--- a/Slides-RPR/2019-H1-DAA-L33-DynProg-Warshall-Floyd.pptx
+++ b/Slides-RPR/2019-H1-DAA-L33-DynProg-Warshall-Floyd.pptx
@@ -2479,7 +2479,7 @@
       </p:grpSpPr>
       <p:sp>
         <p:nvSpPr>
-          <p:cNvPr id="242" name="Exercise:"/>
+          <p:cNvPr id="247" name="Exercise:"/>
           <p:cNvSpPr txBox="1"/>
           <p:nvPr>
             <p:ph type="title"/>
@@ -2503,7 +2503,7 @@
       </p:sp>
       <p:sp>
         <p:nvSpPr>
-          <p:cNvPr id="243" name="Ex: Construct transitive closure for below graph"/>
+          <p:cNvPr id="248" name="Ex: Construct transitive closure for below graph"/>
           <p:cNvSpPr txBox="1"/>
           <p:nvPr>
             <p:ph type="body" sz="quarter" idx="1"/>
@@ -2531,7 +2531,7 @@
       </p:sp>
       <p:sp>
         <p:nvSpPr>
-          <p:cNvPr id="244" name="Slide Number"/>
+          <p:cNvPr id="249" name="Slide Number"/>
           <p:cNvSpPr txBox="1"/>
           <p:nvPr>
             <p:ph type="sldNum" sz="quarter" idx="2"/>
@@ -2558,7 +2558,7 @@
       </p:sp>
       <p:sp>
         <p:nvSpPr>
-          <p:cNvPr id="245" name="DAA/Dynamic Programming"/>
+          <p:cNvPr id="250" name="DAA/Dynamic Programming"/>
           <p:cNvSpPr txBox="1"/>
           <p:nvPr/>
         </p:nvSpPr>
@@ -2598,7 +2598,7 @@
       </p:sp>
       <p:sp>
         <p:nvSpPr>
-          <p:cNvPr id="246" name="RPR/"/>
+          <p:cNvPr id="251" name="RPR/"/>
           <p:cNvSpPr txBox="1"/>
           <p:nvPr/>
         </p:nvSpPr>
@@ -2638,7 +2638,7 @@
       </p:sp>
       <p:sp>
         <p:nvSpPr>
-          <p:cNvPr id="247" name="a"/>
+          <p:cNvPr id="252" name="a"/>
           <p:cNvSpPr/>
           <p:nvPr/>
         </p:nvSpPr>
@@ -2683,7 +2683,7 @@
       </p:sp>
       <p:sp>
         <p:nvSpPr>
-          <p:cNvPr id="248" name="d"/>
+          <p:cNvPr id="253" name="d"/>
           <p:cNvSpPr/>
           <p:nvPr/>
         </p:nvSpPr>
@@ -2728,7 +2728,7 @@
       </p:sp>
       <p:sp>
         <p:nvSpPr>
-          <p:cNvPr id="249" name="e"/>
+          <p:cNvPr id="254" name="e"/>
           <p:cNvSpPr/>
           <p:nvPr/>
         </p:nvSpPr>
@@ -2773,7 +2773,7 @@
       </p:sp>
       <p:sp>
         <p:nvSpPr>
-          <p:cNvPr id="250" name="b"/>
+          <p:cNvPr id="255" name="b"/>
           <p:cNvSpPr/>
           <p:nvPr/>
         </p:nvSpPr>
@@ -2818,7 +2818,7 @@
       </p:sp>
       <p:sp>
         <p:nvSpPr>
-          <p:cNvPr id="251" name="f"/>
+          <p:cNvPr id="256" name="f"/>
           <p:cNvSpPr/>
           <p:nvPr/>
         </p:nvSpPr>
@@ -2863,7 +2863,7 @@
       </p:sp>
       <p:sp>
         <p:nvSpPr>
-          <p:cNvPr id="252" name="c"/>
+          <p:cNvPr id="257" name="c"/>
           <p:cNvSpPr/>
           <p:nvPr/>
         </p:nvSpPr>
@@ -2908,7 +2908,7 @@
       </p:sp>
       <p:sp>
         <p:nvSpPr>
-          <p:cNvPr id="253" name="Line"/>
+          <p:cNvPr id="258" name="Line"/>
           <p:cNvSpPr/>
           <p:nvPr/>
         </p:nvSpPr>
@@ -2937,7 +2937,7 @@
       </p:sp>
       <p:sp>
         <p:nvSpPr>
-          <p:cNvPr id="254" name="Line"/>
+          <p:cNvPr id="259" name="Line"/>
           <p:cNvSpPr/>
           <p:nvPr/>
         </p:nvSpPr>
@@ -2966,7 +2966,7 @@
       </p:sp>
       <p:sp>
         <p:nvSpPr>
-          <p:cNvPr id="255" name="Line"/>
+          <p:cNvPr id="260" name="Line"/>
           <p:cNvSpPr/>
           <p:nvPr/>
         </p:nvSpPr>
@@ -2995,7 +2995,7 @@
       </p:sp>
       <p:sp>
         <p:nvSpPr>
-          <p:cNvPr id="256" name="Line"/>
+          <p:cNvPr id="261" name="Line"/>
           <p:cNvSpPr/>
           <p:nvPr/>
         </p:nvSpPr>
@@ -3024,7 +3024,7 @@
       </p:sp>
       <p:sp>
         <p:nvSpPr>
-          <p:cNvPr id="257" name="Line"/>
+          <p:cNvPr id="262" name="Line"/>
           <p:cNvSpPr/>
           <p:nvPr/>
         </p:nvSpPr>
@@ -3053,7 +3053,7 @@
       </p:sp>
       <p:sp>
         <p:nvSpPr>
-          <p:cNvPr id="258" name="Line"/>
+          <p:cNvPr id="263" name="Line"/>
           <p:cNvSpPr/>
           <p:nvPr/>
         </p:nvSpPr>
@@ -3082,7 +3082,7 @@
       </p:sp>
       <p:sp>
         <p:nvSpPr>
-          <p:cNvPr id="259" name="Line"/>
+          <p:cNvPr id="264" name="Line"/>
           <p:cNvSpPr/>
           <p:nvPr/>
         </p:nvSpPr>
@@ -3111,7 +3111,7 @@
       </p:sp>
       <p:sp>
         <p:nvSpPr>
-          <p:cNvPr id="260" name="Line"/>
+          <p:cNvPr id="265" name="Line"/>
           <p:cNvSpPr/>
           <p:nvPr/>
         </p:nvSpPr>
@@ -3140,7 +3140,7 @@
       </p:sp>
       <p:sp>
         <p:nvSpPr>
-          <p:cNvPr id="261" name="Line"/>
+          <p:cNvPr id="266" name="Line"/>
           <p:cNvSpPr/>
           <p:nvPr/>
         </p:nvSpPr>
@@ -3169,7 +3169,7 @@
       </p:sp>
       <p:sp>
         <p:nvSpPr>
-          <p:cNvPr id="262" name="Line"/>
+          <p:cNvPr id="267" name="Line"/>
           <p:cNvSpPr/>
           <p:nvPr/>
         </p:nvSpPr>
@@ -3224,7 +3224,7 @@
       </p:grpSpPr>
       <p:sp>
         <p:nvSpPr>
-          <p:cNvPr id="264" name="Floyd’s Algorithm: Matrix Generation"/>
+          <p:cNvPr id="269" name="Floyd’s Algorithm: Matrix Generation"/>
           <p:cNvSpPr txBox="1"/>
           <p:nvPr>
             <p:ph type="title"/>
@@ -3256,7 +3256,7 @@
       </p:sp>
       <p:sp>
         <p:nvSpPr>
-          <p:cNvPr id="265" name="On the kth iteration,…"/>
+          <p:cNvPr id="270" name="On the kth iteration,…"/>
           <p:cNvSpPr txBox="1"/>
           <p:nvPr>
             <p:ph type="body" sz="half" idx="1"/>
@@ -3317,27 +3317,12 @@
             </a:r>
             <a:r>
               <a:rPr i="1">
-                <a:latin typeface="Times New Roman"/>
-                <a:ea typeface="Times New Roman"/>
-                <a:cs typeface="Times New Roman"/>
-                <a:sym typeface="Times New Roman"/>
+                <a:latin typeface="Courier New"/>
+                <a:ea typeface="Courier New"/>
+                <a:cs typeface="Courier New"/>
+                <a:sym typeface="Courier New"/>
               </a:rPr>
-              <a:t>i, j </a:t>
-            </a:r>
-            <a:r>
-              <a:t>that use only vertices among </a:t>
-            </a:r>
-            <a:r>
-              <a:rPr>
-                <a:latin typeface="Arial"/>
-                <a:ea typeface="Arial"/>
-                <a:cs typeface="Arial"/>
-                <a:sym typeface="Arial"/>
-              </a:rPr>
-              <a:t>1</a:t>
-            </a:r>
-            <a:r>
-              <a:t>,…,</a:t>
+              <a:t>i</a:t>
             </a:r>
             <a:r>
               <a:rPr i="1">
@@ -3346,7 +3331,55 @@
                 <a:cs typeface="Times New Roman"/>
                 <a:sym typeface="Times New Roman"/>
               </a:rPr>
-              <a:t>k </a:t>
+              <a:t>, </a:t>
+            </a:r>
+            <a:r>
+              <a:rPr i="1">
+                <a:latin typeface="Courier New"/>
+                <a:ea typeface="Courier New"/>
+                <a:cs typeface="Courier New"/>
+                <a:sym typeface="Courier New"/>
+              </a:rPr>
+              <a:t>j</a:t>
+            </a:r>
+            <a:r>
+              <a:rPr i="1">
+                <a:latin typeface="Times New Roman"/>
+                <a:ea typeface="Times New Roman"/>
+                <a:cs typeface="Times New Roman"/>
+                <a:sym typeface="Times New Roman"/>
+              </a:rPr>
+              <a:t> </a:t>
+            </a:r>
+            <a:r>
+              <a:t>that use only vertices among </a:t>
+            </a:r>
+            <a:r>
+              <a:rPr>
+                <a:latin typeface="Courier New"/>
+                <a:ea typeface="Courier New"/>
+                <a:cs typeface="Courier New"/>
+                <a:sym typeface="Courier New"/>
+              </a:rPr>
+              <a:t>1,…,</a:t>
+            </a:r>
+            <a:r>
+              <a:rPr i="1">
+                <a:latin typeface="Courier New"/>
+                <a:ea typeface="Courier New"/>
+                <a:cs typeface="Courier New"/>
+                <a:sym typeface="Courier New"/>
+              </a:rPr>
+              <a:t>k</a:t>
+            </a:r>
+            <a:r>
+              <a:rPr i="1">
+                <a:latin typeface="Times New Roman"/>
+                <a:ea typeface="Times New Roman"/>
+                <a:cs typeface="Times New Roman"/>
+                <a:sym typeface="Times New Roman"/>
+              </a:rPr>
+              <a:t> </a:t>
             </a:r>
             <a:r>
               <a:t>as intermediate</a:t>
@@ -3566,7 +3599,7 @@
       </p:sp>
       <p:sp>
         <p:nvSpPr>
-          <p:cNvPr id="266" name="Slide Number"/>
+          <p:cNvPr id="271" name="Slide Number"/>
           <p:cNvSpPr txBox="1"/>
           <p:nvPr>
             <p:ph type="sldNum" sz="quarter" idx="2"/>
@@ -3593,7 +3626,7 @@
       </p:sp>
       <p:sp>
         <p:nvSpPr>
-          <p:cNvPr id="267" name="DAA/Dynamic Programming"/>
+          <p:cNvPr id="272" name="DAA/Dynamic Programming"/>
           <p:cNvSpPr txBox="1"/>
           <p:nvPr/>
         </p:nvSpPr>
@@ -3633,7 +3666,7 @@
       </p:sp>
       <p:sp>
         <p:nvSpPr>
-          <p:cNvPr id="268" name="RPR/"/>
+          <p:cNvPr id="273" name="RPR/"/>
           <p:cNvSpPr txBox="1"/>
           <p:nvPr/>
         </p:nvSpPr>
@@ -3673,7 +3706,7 @@
       </p:sp>
       <p:grpSp>
         <p:nvGrpSpPr>
-          <p:cNvPr id="284" name="Group"/>
+          <p:cNvPr id="289" name="Group"/>
           <p:cNvGrpSpPr/>
           <p:nvPr/>
         </p:nvGrpSpPr>
@@ -3687,7 +3720,7 @@
         </p:grpSpPr>
         <p:grpSp>
           <p:nvGrpSpPr>
-            <p:cNvPr id="271" name="Group"/>
+            <p:cNvPr id="276" name="Group"/>
             <p:cNvGrpSpPr/>
             <p:nvPr/>
           </p:nvGrpSpPr>
@@ -3701,7 +3734,7 @@
           </p:grpSpPr>
           <p:sp>
             <p:nvSpPr>
-              <p:cNvPr id="269" name="Circle"/>
+              <p:cNvPr id="274" name="Circle"/>
               <p:cNvSpPr/>
               <p:nvPr/>
             </p:nvSpPr>
@@ -3744,7 +3777,7 @@
           </p:sp>
           <p:sp>
             <p:nvSpPr>
-              <p:cNvPr id="270" name="i"/>
+              <p:cNvPr id="275" name="i"/>
               <p:cNvSpPr txBox="1"/>
               <p:nvPr/>
             </p:nvSpPr>
@@ -3793,7 +3826,7 @@
         </p:grpSp>
         <p:grpSp>
           <p:nvGrpSpPr>
-            <p:cNvPr id="274" name="Group"/>
+            <p:cNvPr id="279" name="Group"/>
             <p:cNvGrpSpPr/>
             <p:nvPr/>
           </p:nvGrpSpPr>
@@ -3807,7 +3840,7 @@
           </p:grpSpPr>
           <p:sp>
             <p:nvSpPr>
-              <p:cNvPr id="272" name="Circle"/>
+              <p:cNvPr id="277" name="Circle"/>
               <p:cNvSpPr/>
               <p:nvPr/>
             </p:nvSpPr>
@@ -3850,7 +3883,7 @@
           </p:sp>
           <p:sp>
             <p:nvSpPr>
-              <p:cNvPr id="273" name="j"/>
+              <p:cNvPr id="278" name="j"/>
               <p:cNvSpPr txBox="1"/>
               <p:nvPr/>
             </p:nvSpPr>
@@ -3899,7 +3932,7 @@
         </p:grpSp>
         <p:grpSp>
           <p:nvGrpSpPr>
-            <p:cNvPr id="277" name="Group"/>
+            <p:cNvPr id="282" name="Group"/>
             <p:cNvGrpSpPr/>
             <p:nvPr/>
           </p:nvGrpSpPr>
@@ -3913,7 +3946,7 @@
           </p:grpSpPr>
           <p:sp>
             <p:nvSpPr>
-              <p:cNvPr id="275" name="Circle"/>
+              <p:cNvPr id="280" name="Circle"/>
               <p:cNvSpPr/>
               <p:nvPr/>
             </p:nvSpPr>
@@ -3956,7 +3989,7 @@
           </p:sp>
           <p:sp>
             <p:nvSpPr>
-              <p:cNvPr id="276" name="k"/>
+              <p:cNvPr id="281" name="k"/>
               <p:cNvSpPr txBox="1"/>
               <p:nvPr/>
             </p:nvSpPr>
@@ -4005,7 +4038,7 @@
         </p:grpSp>
         <p:sp>
           <p:nvSpPr>
-            <p:cNvPr id="285" name="Connection Line"/>
+            <p:cNvPr id="290" name="Connection Line"/>
             <p:cNvSpPr/>
             <p:nvPr/>
           </p:nvSpPr>
@@ -4065,7 +4098,7 @@
         </p:sp>
         <p:sp>
           <p:nvSpPr>
-            <p:cNvPr id="286" name="Connection Line"/>
+            <p:cNvPr id="291" name="Connection Line"/>
             <p:cNvSpPr/>
             <p:nvPr/>
           </p:nvSpPr>
@@ -4125,7 +4158,7 @@
         </p:sp>
         <p:sp>
           <p:nvSpPr>
-            <p:cNvPr id="280" name="Line"/>
+            <p:cNvPr id="285" name="Line"/>
             <p:cNvSpPr/>
             <p:nvPr/>
           </p:nvSpPr>
@@ -4201,7 +4234,7 @@
         </p:sp>
         <p:sp>
           <p:nvSpPr>
-            <p:cNvPr id="281" name="D(k-1)[i,j]"/>
+            <p:cNvPr id="286" name="D(k-1)[i,j]"/>
             <p:cNvSpPr txBox="1"/>
             <p:nvPr/>
           </p:nvSpPr>
@@ -4279,7 +4312,7 @@
         </p:sp>
         <p:sp>
           <p:nvSpPr>
-            <p:cNvPr id="282" name="D(k-1)[i,k]"/>
+            <p:cNvPr id="287" name="D(k-1)[i,k]"/>
             <p:cNvSpPr txBox="1"/>
             <p:nvPr/>
           </p:nvSpPr>
@@ -4361,14 +4394,14 @@
         </p:sp>
         <p:sp>
           <p:nvSpPr>
-            <p:cNvPr id="283" name="D(k-1)[k,j]"/>
+            <p:cNvPr id="288" name="D(k-1)[k,j]"/>
             <p:cNvSpPr txBox="1"/>
             <p:nvPr/>
           </p:nvSpPr>
           <p:spPr>
             <a:xfrm>
-              <a:off x="3371642" y="1631439"/>
-              <a:ext cx="2066492" cy="497325"/>
+              <a:off x="3371643" y="1631439"/>
+              <a:ext cx="2066491" cy="497325"/>
             </a:xfrm>
             <a:prstGeom prst="rect">
               <a:avLst/>
@@ -4481,7 +4514,7 @@
                                       <p:cBhvr>
                                         <p:cTn id="6" fill="hold"/>
                                         <p:tgtEl>
-                                          <p:spTgt spid="265">
+                                          <p:spTgt spid="270">
                                             <p:bg/>
                                           </p:spTgt>
                                         </p:tgtEl>
@@ -4509,7 +4542,7 @@
                                       <p:cBhvr>
                                         <p:cTn id="8" fill="hold"/>
                                         <p:tgtEl>
-                                          <p:spTgt spid="265">
+                                          <p:spTgt spid="270">
                                             <p:txEl>
                                               <p:pRg st="0" end="0"/>
                                             </p:txEl>
@@ -4557,7 +4590,7 @@
                                       <p:cBhvr>
                                         <p:cTn id="12" fill="hold"/>
                                         <p:tgtEl>
-                                          <p:spTgt spid="265">
+                                          <p:spTgt spid="270">
                                             <p:txEl>
                                               <p:pRg st="1" end="1"/>
                                             </p:txEl>
@@ -4605,7 +4638,7 @@
                                       <p:cBhvr>
                                         <p:cTn id="16" fill="hold"/>
                                         <p:tgtEl>
-                                          <p:spTgt spid="265">
+                                          <p:spTgt spid="270">
                                             <p:txEl>
                                               <p:pRg st="2" end="2"/>
                                             </p:txEl>
@@ -4653,7 +4686,7 @@
                                       <p:cBhvr>
                                         <p:cTn id="20" fill="hold"/>
                                         <p:tgtEl>
-                                          <p:spTgt spid="284"/>
+                                          <p:spTgt spid="289"/>
                                         </p:tgtEl>
                                         <p:attrNameLst>
                                           <p:attrName>style.visibility</p:attrName>
@@ -4694,8 +4727,8 @@
       </p:par>
     </p:tnLst>
     <p:bldLst>
-      <p:bldP build="p" bldLvl="5" animBg="1" rev="0" advAuto="0" spid="265" grpId="1"/>
-      <p:bldP build="whole" bldLvl="1" animBg="1" rev="0" advAuto="0" spid="284" grpId="2"/>
+      <p:bldP build="p" bldLvl="5" animBg="1" rev="0" advAuto="0" spid="270" grpId="1"/>
+      <p:bldP build="whole" bldLvl="1" animBg="1" rev="0" advAuto="0" spid="289" grpId="2"/>
     </p:bldLst>
   </p:timing>
 </p:sld>
@@ -4720,7 +4753,7 @@
       </p:grpSpPr>
       <p:sp>
         <p:nvSpPr>
-          <p:cNvPr id="288" name="Example: Floyd Algo"/>
+          <p:cNvPr id="293" name="Example: Floyd Algo"/>
           <p:cNvSpPr txBox="1"/>
           <p:nvPr>
             <p:ph type="title"/>
@@ -4729,7 +4762,7 @@
         <p:spPr>
           <a:xfrm>
             <a:off x="1054100" y="-189288"/>
-            <a:ext cx="8636001" cy="952501"/>
+            <a:ext cx="8636000" cy="952501"/>
           </a:xfrm>
           <a:prstGeom prst="rect">
             <a:avLst/>
@@ -4748,7 +4781,7 @@
       </p:sp>
       <p:sp>
         <p:nvSpPr>
-          <p:cNvPr id="289" name="Slide Number"/>
+          <p:cNvPr id="294" name="Slide Number"/>
           <p:cNvSpPr txBox="1"/>
           <p:nvPr>
             <p:ph type="sldNum" sz="quarter" idx="2"/>
@@ -4775,7 +4808,7 @@
       </p:sp>
       <p:sp>
         <p:nvSpPr>
-          <p:cNvPr id="290" name="DAA/Dynamic Programming"/>
+          <p:cNvPr id="295" name="DAA/Dynamic Programming"/>
           <p:cNvSpPr txBox="1"/>
           <p:nvPr/>
         </p:nvSpPr>
@@ -4815,7 +4848,7 @@
       </p:sp>
       <p:sp>
         <p:nvSpPr>
-          <p:cNvPr id="291" name="RPR/"/>
+          <p:cNvPr id="296" name="RPR/"/>
           <p:cNvSpPr txBox="1"/>
           <p:nvPr/>
         </p:nvSpPr>
@@ -4855,7 +4888,7 @@
       </p:sp>
       <p:sp>
         <p:nvSpPr>
-          <p:cNvPr id="292" name="0   ∞  3   ∞…"/>
+          <p:cNvPr id="297" name="0   ∞  3   ∞…"/>
           <p:cNvSpPr txBox="1"/>
           <p:nvPr/>
         </p:nvSpPr>
@@ -4972,7 +5005,7 @@
       </p:sp>
       <p:sp>
         <p:nvSpPr>
-          <p:cNvPr id="293" name="D(0)  ="/>
+          <p:cNvPr id="298" name="D(0)  ="/>
           <p:cNvSpPr txBox="1"/>
           <p:nvPr/>
         </p:nvSpPr>
@@ -5019,7 +5052,7 @@
       </p:sp>
       <p:sp>
         <p:nvSpPr>
-          <p:cNvPr id="294" name="Rectangle"/>
+          <p:cNvPr id="299" name="Rectangle"/>
           <p:cNvSpPr/>
           <p:nvPr/>
         </p:nvSpPr>
@@ -5054,7 +5087,7 @@
       </p:sp>
       <p:sp>
         <p:nvSpPr>
-          <p:cNvPr id="295" name="Rectangle"/>
+          <p:cNvPr id="300" name="Rectangle"/>
           <p:cNvSpPr/>
           <p:nvPr/>
         </p:nvSpPr>
@@ -5089,7 +5122,7 @@
       </p:sp>
       <p:sp>
         <p:nvSpPr>
-          <p:cNvPr id="296" name="0   ∞  3   ∞…"/>
+          <p:cNvPr id="301" name="0   ∞  3   ∞…"/>
           <p:cNvSpPr txBox="1"/>
           <p:nvPr/>
         </p:nvSpPr>
@@ -5193,7 +5226,7 @@
       </p:sp>
       <p:sp>
         <p:nvSpPr>
-          <p:cNvPr id="297" name="D(1)  ="/>
+          <p:cNvPr id="302" name="D(1)  ="/>
           <p:cNvSpPr txBox="1"/>
           <p:nvPr/>
         </p:nvSpPr>
@@ -5240,7 +5273,7 @@
       </p:sp>
       <p:sp>
         <p:nvSpPr>
-          <p:cNvPr id="298" name="Rectangle"/>
+          <p:cNvPr id="303" name="Rectangle"/>
           <p:cNvSpPr/>
           <p:nvPr/>
         </p:nvSpPr>
@@ -5275,7 +5308,7 @@
       </p:sp>
       <p:sp>
         <p:nvSpPr>
-          <p:cNvPr id="299" name="Rectangle"/>
+          <p:cNvPr id="304" name="Rectangle"/>
           <p:cNvSpPr/>
           <p:nvPr/>
         </p:nvSpPr>
@@ -5310,7 +5343,7 @@
       </p:sp>
       <p:sp>
         <p:nvSpPr>
-          <p:cNvPr id="300" name="0   ∞  3   ∞…"/>
+          <p:cNvPr id="305" name="0   ∞  3   ∞…"/>
           <p:cNvSpPr txBox="1"/>
           <p:nvPr/>
         </p:nvSpPr>
@@ -5396,7 +5429,7 @@
       </p:sp>
       <p:sp>
         <p:nvSpPr>
-          <p:cNvPr id="301" name="D(2)  ="/>
+          <p:cNvPr id="306" name="D(2)  ="/>
           <p:cNvSpPr txBox="1"/>
           <p:nvPr/>
         </p:nvSpPr>
@@ -5443,7 +5476,7 @@
       </p:sp>
       <p:sp>
         <p:nvSpPr>
-          <p:cNvPr id="302" name="Rectangle"/>
+          <p:cNvPr id="307" name="Rectangle"/>
           <p:cNvSpPr/>
           <p:nvPr/>
         </p:nvSpPr>
@@ -5478,7 +5511,7 @@
       </p:sp>
       <p:sp>
         <p:nvSpPr>
-          <p:cNvPr id="303" name="Rectangle"/>
+          <p:cNvPr id="308" name="Rectangle"/>
           <p:cNvSpPr/>
           <p:nvPr/>
         </p:nvSpPr>
@@ -5513,7 +5546,7 @@
       </p:sp>
       <p:sp>
         <p:nvSpPr>
-          <p:cNvPr id="304" name="0  10  3  4…"/>
+          <p:cNvPr id="309" name="0  10  3  4…"/>
           <p:cNvSpPr txBox="1"/>
           <p:nvPr/>
         </p:nvSpPr>
@@ -5619,7 +5652,7 @@
       </p:sp>
       <p:sp>
         <p:nvSpPr>
-          <p:cNvPr id="305" name="D(3)  ="/>
+          <p:cNvPr id="310" name="D(3)  ="/>
           <p:cNvSpPr txBox="1"/>
           <p:nvPr/>
         </p:nvSpPr>
@@ -5666,7 +5699,7 @@
       </p:sp>
       <p:sp>
         <p:nvSpPr>
-          <p:cNvPr id="306" name="Rectangle"/>
+          <p:cNvPr id="311" name="Rectangle"/>
           <p:cNvSpPr/>
           <p:nvPr/>
         </p:nvSpPr>
@@ -5701,7 +5734,7 @@
       </p:sp>
       <p:sp>
         <p:nvSpPr>
-          <p:cNvPr id="307" name="Rectangle"/>
+          <p:cNvPr id="312" name="Rectangle"/>
           <p:cNvSpPr/>
           <p:nvPr/>
         </p:nvSpPr>
@@ -5736,7 +5769,7 @@
       </p:sp>
       <p:sp>
         <p:nvSpPr>
-          <p:cNvPr id="308" name="0  10  3  4…"/>
+          <p:cNvPr id="313" name="0  10  3  4…"/>
           <p:cNvSpPr txBox="1"/>
           <p:nvPr/>
         </p:nvSpPr>
@@ -5822,7 +5855,7 @@
       </p:sp>
       <p:sp>
         <p:nvSpPr>
-          <p:cNvPr id="309" name="D(4)  ="/>
+          <p:cNvPr id="314" name="D(4)  ="/>
           <p:cNvSpPr txBox="1"/>
           <p:nvPr/>
         </p:nvSpPr>
@@ -5869,7 +5902,7 @@
       </p:sp>
       <p:grpSp>
         <p:nvGrpSpPr>
-          <p:cNvPr id="333" name="Group"/>
+          <p:cNvPr id="338" name="Group"/>
           <p:cNvGrpSpPr/>
           <p:nvPr/>
         </p:nvGrpSpPr>
@@ -5883,7 +5916,7 @@
         </p:grpSpPr>
         <p:sp>
           <p:nvSpPr>
-            <p:cNvPr id="310" name="Line"/>
+            <p:cNvPr id="315" name="Line"/>
             <p:cNvSpPr/>
             <p:nvPr/>
           </p:nvSpPr>
@@ -5925,7 +5958,7 @@
         </p:sp>
         <p:grpSp>
           <p:nvGrpSpPr>
-            <p:cNvPr id="313" name="Group"/>
+            <p:cNvPr id="318" name="Group"/>
             <p:cNvGrpSpPr/>
             <p:nvPr/>
           </p:nvGrpSpPr>
@@ -5939,7 +5972,7 @@
           </p:grpSpPr>
           <p:sp>
             <p:nvSpPr>
-              <p:cNvPr id="311" name="Circle"/>
+              <p:cNvPr id="316" name="Circle"/>
               <p:cNvSpPr/>
               <p:nvPr/>
             </p:nvSpPr>
@@ -5982,7 +6015,7 @@
           </p:sp>
           <p:sp>
             <p:nvSpPr>
-              <p:cNvPr id="312" name="3"/>
+              <p:cNvPr id="317" name="3"/>
               <p:cNvSpPr txBox="1"/>
               <p:nvPr/>
             </p:nvSpPr>
@@ -6031,7 +6064,7 @@
         </p:grpSp>
         <p:sp>
           <p:nvSpPr>
-            <p:cNvPr id="314" name="Line"/>
+            <p:cNvPr id="319" name="Line"/>
             <p:cNvSpPr/>
             <p:nvPr/>
           </p:nvSpPr>
@@ -6073,7 +6106,7 @@
         </p:sp>
         <p:sp>
           <p:nvSpPr>
-            <p:cNvPr id="315" name="Line"/>
+            <p:cNvPr id="320" name="Line"/>
             <p:cNvSpPr/>
             <p:nvPr/>
           </p:nvSpPr>
@@ -6115,7 +6148,7 @@
         </p:sp>
         <p:sp>
           <p:nvSpPr>
-            <p:cNvPr id="316" name="Line"/>
+            <p:cNvPr id="321" name="Line"/>
             <p:cNvSpPr/>
             <p:nvPr/>
           </p:nvSpPr>
@@ -6157,7 +6190,7 @@
         </p:sp>
         <p:sp>
           <p:nvSpPr>
-            <p:cNvPr id="317" name="Line"/>
+            <p:cNvPr id="322" name="Line"/>
             <p:cNvSpPr/>
             <p:nvPr/>
           </p:nvSpPr>
@@ -6199,7 +6232,7 @@
         </p:sp>
         <p:sp>
           <p:nvSpPr>
-            <p:cNvPr id="318" name="1"/>
+            <p:cNvPr id="323" name="1"/>
             <p:cNvSpPr txBox="1"/>
             <p:nvPr/>
           </p:nvSpPr>
@@ -6247,7 +6280,7 @@
         </p:sp>
         <p:sp>
           <p:nvSpPr>
-            <p:cNvPr id="319" name="3"/>
+            <p:cNvPr id="324" name="3"/>
             <p:cNvSpPr txBox="1"/>
             <p:nvPr/>
           </p:nvSpPr>
@@ -6295,7 +6328,7 @@
         </p:sp>
         <p:sp>
           <p:nvSpPr>
-            <p:cNvPr id="320" name="2"/>
+            <p:cNvPr id="325" name="2"/>
             <p:cNvSpPr txBox="1"/>
             <p:nvPr/>
           </p:nvSpPr>
@@ -6346,7 +6379,7 @@
         </p:sp>
         <p:sp>
           <p:nvSpPr>
-            <p:cNvPr id="321" name="6"/>
+            <p:cNvPr id="326" name="6"/>
             <p:cNvSpPr txBox="1"/>
             <p:nvPr/>
           </p:nvSpPr>
@@ -6394,7 +6427,7 @@
         </p:sp>
         <p:sp>
           <p:nvSpPr>
-            <p:cNvPr id="322" name="7"/>
+            <p:cNvPr id="327" name="7"/>
             <p:cNvSpPr txBox="1"/>
             <p:nvPr/>
           </p:nvSpPr>
@@ -6442,7 +6475,7 @@
         </p:sp>
         <p:grpSp>
           <p:nvGrpSpPr>
-            <p:cNvPr id="325" name="Group"/>
+            <p:cNvPr id="330" name="Group"/>
             <p:cNvGrpSpPr/>
             <p:nvPr/>
           </p:nvGrpSpPr>
@@ -6456,7 +6489,7 @@
           </p:grpSpPr>
           <p:sp>
             <p:nvSpPr>
-              <p:cNvPr id="323" name="Circle"/>
+              <p:cNvPr id="328" name="Circle"/>
               <p:cNvSpPr/>
               <p:nvPr/>
             </p:nvSpPr>
@@ -6499,7 +6532,7 @@
           </p:sp>
           <p:sp>
             <p:nvSpPr>
-              <p:cNvPr id="324" name="4"/>
+              <p:cNvPr id="329" name="4"/>
               <p:cNvSpPr txBox="1"/>
               <p:nvPr/>
             </p:nvSpPr>
@@ -6548,7 +6581,7 @@
         </p:grpSp>
         <p:grpSp>
           <p:nvGrpSpPr>
-            <p:cNvPr id="328" name="Group"/>
+            <p:cNvPr id="333" name="Group"/>
             <p:cNvGrpSpPr/>
             <p:nvPr/>
           </p:nvGrpSpPr>
@@ -6562,7 +6595,7 @@
           </p:grpSpPr>
           <p:sp>
             <p:nvSpPr>
-              <p:cNvPr id="326" name="Circle"/>
+              <p:cNvPr id="331" name="Circle"/>
               <p:cNvSpPr/>
               <p:nvPr/>
             </p:nvSpPr>
@@ -6605,7 +6638,7 @@
           </p:sp>
           <p:sp>
             <p:nvSpPr>
-              <p:cNvPr id="327" name="1"/>
+              <p:cNvPr id="332" name="1"/>
               <p:cNvSpPr txBox="1"/>
               <p:nvPr/>
             </p:nvSpPr>
@@ -6654,7 +6687,7 @@
         </p:grpSp>
         <p:grpSp>
           <p:nvGrpSpPr>
-            <p:cNvPr id="331" name="Group"/>
+            <p:cNvPr id="336" name="Group"/>
             <p:cNvGrpSpPr/>
             <p:nvPr/>
           </p:nvGrpSpPr>
@@ -6668,7 +6701,7 @@
           </p:grpSpPr>
           <p:sp>
             <p:nvSpPr>
-              <p:cNvPr id="329" name="Circle"/>
+              <p:cNvPr id="334" name="Circle"/>
               <p:cNvSpPr/>
               <p:nvPr/>
             </p:nvSpPr>
@@ -6711,7 +6744,7 @@
           </p:sp>
           <p:sp>
             <p:nvSpPr>
-              <p:cNvPr id="330" name="2"/>
+              <p:cNvPr id="335" name="2"/>
               <p:cNvSpPr txBox="1"/>
               <p:nvPr/>
             </p:nvSpPr>
@@ -6760,7 +6793,7 @@
         </p:grpSp>
         <p:sp>
           <p:nvSpPr>
-            <p:cNvPr id="332" name="2"/>
+            <p:cNvPr id="337" name="2"/>
             <p:cNvSpPr txBox="1"/>
             <p:nvPr/>
           </p:nvSpPr>
@@ -6846,7 +6879,7 @@
                                       <p:cBhvr>
                                         <p:cTn id="6" fill="hold"/>
                                         <p:tgtEl>
-                                          <p:spTgt spid="333"/>
+                                          <p:spTgt spid="338"/>
                                         </p:tgtEl>
                                         <p:attrNameLst>
                                           <p:attrName>style.visibility</p:attrName>
@@ -6890,7 +6923,7 @@
                                       <p:cBhvr>
                                         <p:cTn id="10" fill="hold"/>
                                         <p:tgtEl>
-                                          <p:spTgt spid="293"/>
+                                          <p:spTgt spid="298"/>
                                         </p:tgtEl>
                                         <p:attrNameLst>
                                           <p:attrName>style.visibility</p:attrName>
@@ -6934,7 +6967,7 @@
                                       <p:cBhvr>
                                         <p:cTn id="14" fill="hold"/>
                                         <p:tgtEl>
-                                          <p:spTgt spid="292"/>
+                                          <p:spTgt spid="297"/>
                                         </p:tgtEl>
                                         <p:attrNameLst>
                                           <p:attrName>style.visibility</p:attrName>
@@ -6978,7 +7011,7 @@
                                       <p:cBhvr>
                                         <p:cTn id="18" fill="hold"/>
                                         <p:tgtEl>
-                                          <p:spTgt spid="295"/>
+                                          <p:spTgt spid="300"/>
                                         </p:tgtEl>
                                         <p:attrNameLst>
                                           <p:attrName>style.visibility</p:attrName>
@@ -7022,7 +7055,7 @@
                                       <p:cBhvr>
                                         <p:cTn id="22" fill="hold"/>
                                         <p:tgtEl>
-                                          <p:spTgt spid="294"/>
+                                          <p:spTgt spid="299"/>
                                         </p:tgtEl>
                                         <p:attrNameLst>
                                           <p:attrName>style.visibility</p:attrName>
@@ -7066,7 +7099,7 @@
                                       <p:cBhvr>
                                         <p:cTn id="26" fill="hold"/>
                                         <p:tgtEl>
-                                          <p:spTgt spid="297"/>
+                                          <p:spTgt spid="302"/>
                                         </p:tgtEl>
                                         <p:attrNameLst>
                                           <p:attrName>style.visibility</p:attrName>
@@ -7110,7 +7143,7 @@
                                       <p:cBhvr>
                                         <p:cTn id="30" fill="hold"/>
                                         <p:tgtEl>
-                                          <p:spTgt spid="296"/>
+                                          <p:spTgt spid="301"/>
                                         </p:tgtEl>
                                         <p:attrNameLst>
                                           <p:attrName>style.visibility</p:attrName>
@@ -7154,7 +7187,7 @@
                                       <p:cBhvr>
                                         <p:cTn id="34" fill="hold"/>
                                         <p:tgtEl>
-                                          <p:spTgt spid="298"/>
+                                          <p:spTgt spid="303"/>
                                         </p:tgtEl>
                                         <p:attrNameLst>
                                           <p:attrName>style.visibility</p:attrName>
@@ -7198,7 +7231,7 @@
                                       <p:cBhvr>
                                         <p:cTn id="38" fill="hold"/>
                                         <p:tgtEl>
-                                          <p:spTgt spid="299"/>
+                                          <p:spTgt spid="304"/>
                                         </p:tgtEl>
                                         <p:attrNameLst>
                                           <p:attrName>style.visibility</p:attrName>
@@ -7242,7 +7275,7 @@
                                       <p:cBhvr>
                                         <p:cTn id="42" fill="hold"/>
                                         <p:tgtEl>
-                                          <p:spTgt spid="301"/>
+                                          <p:spTgt spid="306"/>
                                         </p:tgtEl>
                                         <p:attrNameLst>
                                           <p:attrName>style.visibility</p:attrName>
@@ -7286,7 +7319,7 @@
                                       <p:cBhvr>
                                         <p:cTn id="46" fill="hold"/>
                                         <p:tgtEl>
-                                          <p:spTgt spid="300"/>
+                                          <p:spTgt spid="305"/>
                                         </p:tgtEl>
                                         <p:attrNameLst>
                                           <p:attrName>style.visibility</p:attrName>
@@ -7330,7 +7363,7 @@
                                       <p:cBhvr>
                                         <p:cTn id="50" fill="hold"/>
                                         <p:tgtEl>
-                                          <p:spTgt spid="302"/>
+                                          <p:spTgt spid="307"/>
                                         </p:tgtEl>
                                         <p:attrNameLst>
                                           <p:attrName>style.visibility</p:attrName>
@@ -7374,7 +7407,7 @@
                                       <p:cBhvr>
                                         <p:cTn id="54" fill="hold"/>
                                         <p:tgtEl>
-                                          <p:spTgt spid="303"/>
+                                          <p:spTgt spid="308"/>
                                         </p:tgtEl>
                                         <p:attrNameLst>
                                           <p:attrName>style.visibility</p:attrName>
@@ -7418,7 +7451,7 @@
                                       <p:cBhvr>
                                         <p:cTn id="58" fill="hold"/>
                                         <p:tgtEl>
-                                          <p:spTgt spid="305"/>
+                                          <p:spTgt spid="310"/>
                                         </p:tgtEl>
                                         <p:attrNameLst>
                                           <p:attrName>style.visibility</p:attrName>
@@ -7462,7 +7495,7 @@
                                       <p:cBhvr>
                                         <p:cTn id="62" fill="hold"/>
                                         <p:tgtEl>
-                                          <p:spTgt spid="304"/>
+                                          <p:spTgt spid="309"/>
                                         </p:tgtEl>
                                         <p:attrNameLst>
                                           <p:attrName>style.visibility</p:attrName>
@@ -7506,7 +7539,7 @@
                                       <p:cBhvr>
                                         <p:cTn id="66" fill="hold"/>
                                         <p:tgtEl>
-                                          <p:spTgt spid="306"/>
+                                          <p:spTgt spid="311"/>
                                         </p:tgtEl>
                                         <p:attrNameLst>
                                           <p:attrName>style.visibility</p:attrName>
@@ -7550,7 +7583,7 @@
                                       <p:cBhvr>
                                         <p:cTn id="70" fill="hold"/>
                                         <p:tgtEl>
-                                          <p:spTgt spid="307"/>
+                                          <p:spTgt spid="312"/>
                                         </p:tgtEl>
                                         <p:attrNameLst>
                                           <p:attrName>style.visibility</p:attrName>
@@ -7594,7 +7627,7 @@
                                       <p:cBhvr>
                                         <p:cTn id="74" fill="hold"/>
                                         <p:tgtEl>
-                                          <p:spTgt spid="309"/>
+                                          <p:spTgt spid="314"/>
                                         </p:tgtEl>
                                         <p:attrNameLst>
                                           <p:attrName>style.visibility</p:attrName>
@@ -7638,7 +7671,7 @@
                                       <p:cBhvr>
                                         <p:cTn id="78" fill="hold"/>
                                         <p:tgtEl>
-                                          <p:spTgt spid="308"/>
+                                          <p:spTgt spid="313"/>
                                         </p:tgtEl>
                                         <p:attrNameLst>
                                           <p:attrName>style.visibility</p:attrName>
@@ -7679,25 +7712,25 @@
       </p:par>
     </p:tnLst>
     <p:bldLst>
-      <p:bldP build="whole" bldLvl="1" animBg="1" rev="0" advAuto="0" spid="292" grpId="3"/>
-      <p:bldP build="whole" bldLvl="1" animBg="1" rev="0" advAuto="0" spid="294" grpId="5"/>
-      <p:bldP build="whole" bldLvl="1" animBg="1" rev="0" advAuto="0" spid="297" grpId="6"/>
-      <p:bldP build="whole" bldLvl="1" animBg="1" rev="0" advAuto="0" spid="301" grpId="10"/>
-      <p:bldP build="whole" bldLvl="1" animBg="1" rev="0" advAuto="0" spid="298" grpId="8"/>
-      <p:bldP build="whole" bldLvl="1" animBg="1" rev="0" advAuto="0" spid="293" grpId="2"/>
-      <p:bldP build="whole" bldLvl="1" animBg="1" rev="0" advAuto="0" spid="296" grpId="7"/>
-      <p:bldP build="whole" bldLvl="1" animBg="1" rev="0" advAuto="0" spid="302" grpId="12"/>
-      <p:bldP build="whole" bldLvl="1" animBg="1" rev="0" advAuto="0" spid="304" grpId="15"/>
-      <p:bldP build="whole" bldLvl="1" animBg="1" rev="0" advAuto="0" spid="306" grpId="16"/>
-      <p:bldP build="whole" bldLvl="1" animBg="1" rev="0" advAuto="0" spid="295" grpId="4"/>
-      <p:bldP build="whole" bldLvl="1" animBg="1" rev="0" advAuto="0" spid="299" grpId="9"/>
-      <p:bldP build="whole" bldLvl="1" animBg="1" rev="0" advAuto="0" spid="303" grpId="13"/>
-      <p:bldP build="whole" bldLvl="1" animBg="1" rev="0" advAuto="0" spid="307" grpId="17"/>
-      <p:bldP build="whole" bldLvl="1" animBg="1" rev="0" advAuto="0" spid="309" grpId="18"/>
-      <p:bldP build="whole" bldLvl="1" animBg="1" rev="0" advAuto="0" spid="308" grpId="19"/>
-      <p:bldP build="whole" bldLvl="1" animBg="1" rev="0" advAuto="0" spid="305" grpId="14"/>
-      <p:bldP build="whole" bldLvl="1" animBg="1" rev="0" advAuto="0" spid="333" grpId="1"/>
-      <p:bldP build="whole" bldLvl="1" animBg="1" rev="0" advAuto="0" spid="300" grpId="11"/>
+      <p:bldP build="whole" bldLvl="1" animBg="1" rev="0" advAuto="0" spid="305" grpId="11"/>
+      <p:bldP build="whole" bldLvl="1" animBg="1" rev="0" advAuto="0" spid="303" grpId="8"/>
+      <p:bldP build="whole" bldLvl="1" animBg="1" rev="0" advAuto="0" spid="302" grpId="6"/>
+      <p:bldP build="whole" bldLvl="1" animBg="1" rev="0" advAuto="0" spid="301" grpId="7"/>
+      <p:bldP build="whole" bldLvl="1" animBg="1" rev="0" advAuto="0" spid="307" grpId="12"/>
+      <p:bldP build="whole" bldLvl="1" animBg="1" rev="0" advAuto="0" spid="308" grpId="13"/>
+      <p:bldP build="whole" bldLvl="1" animBg="1" rev="0" advAuto="0" spid="312" grpId="17"/>
+      <p:bldP build="whole" bldLvl="1" animBg="1" rev="0" advAuto="0" spid="304" grpId="9"/>
+      <p:bldP build="whole" bldLvl="1" animBg="1" rev="0" advAuto="0" spid="314" grpId="18"/>
+      <p:bldP build="whole" bldLvl="1" animBg="1" rev="0" advAuto="0" spid="297" grpId="3"/>
+      <p:bldP build="whole" bldLvl="1" animBg="1" rev="0" advAuto="0" spid="338" grpId="1"/>
+      <p:bldP build="whole" bldLvl="1" animBg="1" rev="0" advAuto="0" spid="310" grpId="14"/>
+      <p:bldP build="whole" bldLvl="1" animBg="1" rev="0" advAuto="0" spid="299" grpId="5"/>
+      <p:bldP build="whole" bldLvl="1" animBg="1" rev="0" advAuto="0" spid="311" grpId="16"/>
+      <p:bldP build="whole" bldLvl="1" animBg="1" rev="0" advAuto="0" spid="300" grpId="4"/>
+      <p:bldP build="whole" bldLvl="1" animBg="1" rev="0" advAuto="0" spid="313" grpId="19"/>
+      <p:bldP build="whole" bldLvl="1" animBg="1" rev="0" advAuto="0" spid="306" grpId="10"/>
+      <p:bldP build="whole" bldLvl="1" animBg="1" rev="0" advAuto="0" spid="298" grpId="2"/>
+      <p:bldP build="whole" bldLvl="1" animBg="1" rev="0" advAuto="0" spid="309" grpId="15"/>
     </p:bldLst>
   </p:timing>
 </p:sld>
@@ -7722,7 +7755,7 @@
       </p:grpSpPr>
       <p:sp>
         <p:nvSpPr>
-          <p:cNvPr id="335" name="Floyd Algo: Analysis"/>
+          <p:cNvPr id="340" name="Floyd Algo: Analysis"/>
           <p:cNvSpPr txBox="1"/>
           <p:nvPr>
             <p:ph type="title"/>
@@ -7746,7 +7779,7 @@
       </p:sp>
       <p:sp>
         <p:nvSpPr>
-          <p:cNvPr id="336" name="Algo Floyd(A[1..n,1..n])…"/>
+          <p:cNvPr id="341" name="Algo Floyd(A[1..n,1..n])…"/>
           <p:cNvSpPr txBox="1"/>
           <p:nvPr>
             <p:ph type="body" idx="1"/>
@@ -8094,7 +8127,7 @@
       </p:sp>
       <p:sp>
         <p:nvSpPr>
-          <p:cNvPr id="337" name="Slide Number"/>
+          <p:cNvPr id="342" name="Slide Number"/>
           <p:cNvSpPr txBox="1"/>
           <p:nvPr>
             <p:ph type="sldNum" sz="quarter" idx="2"/>
@@ -8121,7 +8154,7 @@
       </p:sp>
       <p:sp>
         <p:nvSpPr>
-          <p:cNvPr id="338" name="DAA/Dynamic Programming"/>
+          <p:cNvPr id="343" name="DAA/Dynamic Programming"/>
           <p:cNvSpPr txBox="1"/>
           <p:nvPr/>
         </p:nvSpPr>
@@ -8161,7 +8194,7 @@
       </p:sp>
       <p:sp>
         <p:nvSpPr>
-          <p:cNvPr id="339" name="RPR/"/>
+          <p:cNvPr id="344" name="RPR/"/>
           <p:cNvSpPr txBox="1"/>
           <p:nvPr/>
         </p:nvSpPr>
@@ -8201,7 +8234,7 @@
       </p:sp>
       <p:sp>
         <p:nvSpPr>
-          <p:cNvPr id="340" name="Time efficiency: Θ(n3)…"/>
+          <p:cNvPr id="345" name="Time efficiency: Θ(n3)…"/>
           <p:cNvSpPr txBox="1"/>
           <p:nvPr/>
         </p:nvSpPr>
@@ -8406,7 +8439,7 @@
                                       <p:cBhvr>
                                         <p:cTn id="6" fill="hold"/>
                                         <p:tgtEl>
-                                          <p:spTgt spid="336">
+                                          <p:spTgt spid="341">
                                             <p:bg/>
                                           </p:spTgt>
                                         </p:tgtEl>
@@ -8434,7 +8467,7 @@
                                       <p:cBhvr>
                                         <p:cTn id="8" fill="hold"/>
                                         <p:tgtEl>
-                                          <p:spTgt spid="336">
+                                          <p:spTgt spid="341">
                                             <p:txEl>
                                               <p:pRg st="0" end="0"/>
                                             </p:txEl>
@@ -8482,7 +8515,7 @@
                                       <p:cBhvr>
                                         <p:cTn id="12" fill="hold"/>
                                         <p:tgtEl>
-                                          <p:spTgt spid="336">
+                                          <p:spTgt spid="341">
                                             <p:txEl>
                                               <p:pRg st="1" end="1"/>
                                             </p:txEl>
@@ -8530,7 +8563,7 @@
                                       <p:cBhvr>
                                         <p:cTn id="16" fill="hold"/>
                                         <p:tgtEl>
-                                          <p:spTgt spid="336">
+                                          <p:spTgt spid="341">
                                             <p:txEl>
                                               <p:pRg st="2" end="2"/>
                                             </p:txEl>
@@ -8578,7 +8611,7 @@
                                       <p:cBhvr>
                                         <p:cTn id="20" fill="hold"/>
                                         <p:tgtEl>
-                                          <p:spTgt spid="336">
+                                          <p:spTgt spid="341">
                                             <p:txEl>
                                               <p:pRg st="3" end="3"/>
                                             </p:txEl>
@@ -8626,7 +8659,7 @@
                                       <p:cBhvr>
                                         <p:cTn id="24" fill="hold"/>
                                         <p:tgtEl>
-                                          <p:spTgt spid="336">
+                                          <p:spTgt spid="341">
                                             <p:txEl>
                                               <p:pRg st="4" end="4"/>
                                             </p:txEl>
@@ -8674,7 +8707,7 @@
                                       <p:cBhvr>
                                         <p:cTn id="28" fill="hold"/>
                                         <p:tgtEl>
-                                          <p:spTgt spid="336">
+                                          <p:spTgt spid="341">
                                             <p:txEl>
                                               <p:pRg st="5" end="5"/>
                                             </p:txEl>
@@ -8722,7 +8755,7 @@
                                       <p:cBhvr>
                                         <p:cTn id="32" fill="hold"/>
                                         <p:tgtEl>
-                                          <p:spTgt spid="336">
+                                          <p:spTgt spid="341">
                                             <p:txEl>
                                               <p:pRg st="6" end="6"/>
                                             </p:txEl>
@@ -8770,7 +8803,7 @@
                                       <p:cBhvr>
                                         <p:cTn id="36" fill="hold"/>
                                         <p:tgtEl>
-                                          <p:spTgt spid="336">
+                                          <p:spTgt spid="341">
                                             <p:txEl>
                                               <p:pRg st="7" end="7"/>
                                             </p:txEl>
@@ -8818,7 +8851,7 @@
                                       <p:cBhvr>
                                         <p:cTn id="40" fill="hold"/>
                                         <p:tgtEl>
-                                          <p:spTgt spid="336">
+                                          <p:spTgt spid="341">
                                             <p:txEl>
                                               <p:pRg st="8" end="8"/>
                                             </p:txEl>
@@ -8866,7 +8899,7 @@
                                       <p:cBhvr>
                                         <p:cTn id="44" fill="hold"/>
                                         <p:tgtEl>
-                                          <p:spTgt spid="336">
+                                          <p:spTgt spid="341">
                                             <p:txEl>
                                               <p:pRg st="9" end="9"/>
                                             </p:txEl>
@@ -8914,7 +8947,7 @@
                                       <p:cBhvr>
                                         <p:cTn id="48" fill="hold"/>
                                         <p:tgtEl>
-                                          <p:spTgt spid="336">
+                                          <p:spTgt spid="341">
                                             <p:txEl>
                                               <p:pRg st="10" end="10"/>
                                             </p:txEl>
@@ -8962,7 +8995,7 @@
                                       <p:cBhvr>
                                         <p:cTn id="52" fill="hold"/>
                                         <p:tgtEl>
-                                          <p:spTgt spid="340">
+                                          <p:spTgt spid="345">
                                             <p:bg/>
                                           </p:spTgt>
                                         </p:tgtEl>
@@ -8990,7 +9023,7 @@
                                       <p:cBhvr>
                                         <p:cTn id="54" fill="hold"/>
                                         <p:tgtEl>
-                                          <p:spTgt spid="340">
+                                          <p:spTgt spid="345">
                                             <p:txEl>
                                               <p:pRg st="0" end="0"/>
                                             </p:txEl>
@@ -9038,7 +9071,7 @@
                                       <p:cBhvr>
                                         <p:cTn id="58" fill="hold"/>
                                         <p:tgtEl>
-                                          <p:spTgt spid="340">
+                                          <p:spTgt spid="345">
                                             <p:txEl>
                                               <p:pRg st="1" end="1"/>
                                             </p:txEl>
@@ -9083,8 +9116,8 @@
       </p:par>
     </p:tnLst>
     <p:bldLst>
-      <p:bldP build="p" bldLvl="5" animBg="1" rev="0" advAuto="0" spid="336" grpId="1"/>
-      <p:bldP build="p" bldLvl="5" animBg="1" rev="0" advAuto="0" spid="340" grpId="2"/>
+      <p:bldP build="p" bldLvl="5" animBg="1" rev="0" advAuto="0" spid="345" grpId="2"/>
+      <p:bldP build="p" bldLvl="5" animBg="1" rev="0" advAuto="0" spid="341" grpId="1"/>
     </p:bldLst>
   </p:timing>
 </p:sld>
@@ -9109,7 +9142,7 @@
       </p:grpSpPr>
       <p:sp>
         <p:nvSpPr>
-          <p:cNvPr id="342" name="Exercise:"/>
+          <p:cNvPr id="347" name="Exercise:"/>
           <p:cNvSpPr txBox="1"/>
           <p:nvPr>
             <p:ph type="title"/>
@@ -9133,7 +9166,7 @@
       </p:sp>
       <p:sp>
         <p:nvSpPr>
-          <p:cNvPr id="343" name="Ex: Find all pair shortest distance for below graph"/>
+          <p:cNvPr id="348" name="Ex: Find all pair shortest distance for below graph"/>
           <p:cNvSpPr txBox="1"/>
           <p:nvPr>
             <p:ph type="body" sz="quarter" idx="1"/>
@@ -9161,7 +9194,7 @@
       </p:sp>
       <p:sp>
         <p:nvSpPr>
-          <p:cNvPr id="344" name="Slide Number"/>
+          <p:cNvPr id="349" name="Slide Number"/>
           <p:cNvSpPr txBox="1"/>
           <p:nvPr>
             <p:ph type="sldNum" sz="quarter" idx="2"/>
@@ -9188,7 +9221,7 @@
       </p:sp>
       <p:sp>
         <p:nvSpPr>
-          <p:cNvPr id="345" name="DAA/Dynamic Programming"/>
+          <p:cNvPr id="350" name="DAA/Dynamic Programming"/>
           <p:cNvSpPr txBox="1"/>
           <p:nvPr/>
         </p:nvSpPr>
@@ -9228,7 +9261,7 @@
       </p:sp>
       <p:sp>
         <p:nvSpPr>
-          <p:cNvPr id="346" name="RPR/"/>
+          <p:cNvPr id="351" name="RPR/"/>
           <p:cNvSpPr txBox="1"/>
           <p:nvPr/>
         </p:nvSpPr>
@@ -9268,7 +9301,7 @@
       </p:sp>
       <p:sp>
         <p:nvSpPr>
-          <p:cNvPr id="347" name="a"/>
+          <p:cNvPr id="352" name="a"/>
           <p:cNvSpPr/>
           <p:nvPr/>
         </p:nvSpPr>
@@ -9313,7 +9346,7 @@
       </p:sp>
       <p:sp>
         <p:nvSpPr>
-          <p:cNvPr id="348" name="d"/>
+          <p:cNvPr id="353" name="d"/>
           <p:cNvSpPr/>
           <p:nvPr/>
         </p:nvSpPr>
@@ -9358,7 +9391,7 @@
       </p:sp>
       <p:sp>
         <p:nvSpPr>
-          <p:cNvPr id="349" name="e"/>
+          <p:cNvPr id="354" name="e"/>
           <p:cNvSpPr/>
           <p:nvPr/>
         </p:nvSpPr>
@@ -9403,7 +9436,7 @@
       </p:sp>
       <p:sp>
         <p:nvSpPr>
-          <p:cNvPr id="350" name="b"/>
+          <p:cNvPr id="355" name="b"/>
           <p:cNvSpPr/>
           <p:nvPr/>
         </p:nvSpPr>
@@ -9448,7 +9481,7 @@
       </p:sp>
       <p:sp>
         <p:nvSpPr>
-          <p:cNvPr id="351" name="f"/>
+          <p:cNvPr id="356" name="f"/>
           <p:cNvSpPr/>
           <p:nvPr/>
         </p:nvSpPr>
@@ -9493,7 +9526,7 @@
       </p:sp>
       <p:sp>
         <p:nvSpPr>
-          <p:cNvPr id="352" name="c"/>
+          <p:cNvPr id="357" name="c"/>
           <p:cNvSpPr/>
           <p:nvPr/>
         </p:nvSpPr>
@@ -9538,7 +9571,7 @@
       </p:sp>
       <p:sp>
         <p:nvSpPr>
-          <p:cNvPr id="353" name="Line"/>
+          <p:cNvPr id="358" name="Line"/>
           <p:cNvSpPr/>
           <p:nvPr/>
         </p:nvSpPr>
@@ -9567,7 +9600,7 @@
       </p:sp>
       <p:sp>
         <p:nvSpPr>
-          <p:cNvPr id="354" name="Line"/>
+          <p:cNvPr id="359" name="Line"/>
           <p:cNvSpPr/>
           <p:nvPr/>
         </p:nvSpPr>
@@ -9596,7 +9629,7 @@
       </p:sp>
       <p:sp>
         <p:nvSpPr>
-          <p:cNvPr id="355" name="Line"/>
+          <p:cNvPr id="360" name="Line"/>
           <p:cNvSpPr/>
           <p:nvPr/>
         </p:nvSpPr>
@@ -9625,7 +9658,7 @@
       </p:sp>
       <p:sp>
         <p:nvSpPr>
-          <p:cNvPr id="356" name="Line"/>
+          <p:cNvPr id="361" name="Line"/>
           <p:cNvSpPr/>
           <p:nvPr/>
         </p:nvSpPr>
@@ -9654,7 +9687,7 @@
       </p:sp>
       <p:sp>
         <p:nvSpPr>
-          <p:cNvPr id="357" name="Line"/>
+          <p:cNvPr id="362" name="Line"/>
           <p:cNvSpPr/>
           <p:nvPr/>
         </p:nvSpPr>
@@ -9683,7 +9716,7 @@
       </p:sp>
       <p:sp>
         <p:nvSpPr>
-          <p:cNvPr id="358" name="Line"/>
+          <p:cNvPr id="363" name="Line"/>
           <p:cNvSpPr/>
           <p:nvPr/>
         </p:nvSpPr>
@@ -9712,7 +9745,7 @@
       </p:sp>
       <p:sp>
         <p:nvSpPr>
-          <p:cNvPr id="359" name="Line"/>
+          <p:cNvPr id="364" name="Line"/>
           <p:cNvSpPr/>
           <p:nvPr/>
         </p:nvSpPr>
@@ -9741,7 +9774,7 @@
       </p:sp>
       <p:sp>
         <p:nvSpPr>
-          <p:cNvPr id="360" name="Line"/>
+          <p:cNvPr id="365" name="Line"/>
           <p:cNvSpPr/>
           <p:nvPr/>
         </p:nvSpPr>
@@ -9770,7 +9803,7 @@
       </p:sp>
       <p:sp>
         <p:nvSpPr>
-          <p:cNvPr id="361" name="Line"/>
+          <p:cNvPr id="366" name="Line"/>
           <p:cNvSpPr/>
           <p:nvPr/>
         </p:nvSpPr>
@@ -9799,7 +9832,7 @@
       </p:sp>
       <p:sp>
         <p:nvSpPr>
-          <p:cNvPr id="362" name="Line"/>
+          <p:cNvPr id="367" name="Line"/>
           <p:cNvSpPr/>
           <p:nvPr/>
         </p:nvSpPr>
@@ -9828,7 +9861,7 @@
       </p:sp>
       <p:sp>
         <p:nvSpPr>
-          <p:cNvPr id="363" name="2"/>
+          <p:cNvPr id="368" name="2"/>
           <p:cNvSpPr txBox="1"/>
           <p:nvPr/>
         </p:nvSpPr>
@@ -9871,7 +9904,7 @@
       </p:sp>
       <p:sp>
         <p:nvSpPr>
-          <p:cNvPr id="364" name="6"/>
+          <p:cNvPr id="369" name="6"/>
           <p:cNvSpPr txBox="1"/>
           <p:nvPr/>
         </p:nvSpPr>
@@ -9914,7 +9947,7 @@
       </p:sp>
       <p:sp>
         <p:nvSpPr>
-          <p:cNvPr id="365" name="3"/>
+          <p:cNvPr id="370" name="3"/>
           <p:cNvSpPr txBox="1"/>
           <p:nvPr/>
         </p:nvSpPr>
@@ -9957,7 +9990,7 @@
       </p:sp>
       <p:sp>
         <p:nvSpPr>
-          <p:cNvPr id="366" name="5"/>
+          <p:cNvPr id="371" name="5"/>
           <p:cNvSpPr txBox="1"/>
           <p:nvPr/>
         </p:nvSpPr>
@@ -10000,7 +10033,7 @@
       </p:sp>
       <p:sp>
         <p:nvSpPr>
-          <p:cNvPr id="367" name="1"/>
+          <p:cNvPr id="372" name="1"/>
           <p:cNvSpPr txBox="1"/>
           <p:nvPr/>
         </p:nvSpPr>
@@ -10043,7 +10076,7 @@
       </p:sp>
       <p:sp>
         <p:nvSpPr>
-          <p:cNvPr id="368" name="4"/>
+          <p:cNvPr id="373" name="4"/>
           <p:cNvSpPr txBox="1"/>
           <p:nvPr/>
         </p:nvSpPr>
@@ -10086,7 +10119,7 @@
       </p:sp>
       <p:sp>
         <p:nvSpPr>
-          <p:cNvPr id="369" name="4"/>
+          <p:cNvPr id="374" name="4"/>
           <p:cNvSpPr txBox="1"/>
           <p:nvPr/>
         </p:nvSpPr>
@@ -10129,7 +10162,7 @@
       </p:sp>
       <p:sp>
         <p:nvSpPr>
-          <p:cNvPr id="370" name="5"/>
+          <p:cNvPr id="375" name="5"/>
           <p:cNvSpPr txBox="1"/>
           <p:nvPr/>
         </p:nvSpPr>
@@ -10172,7 +10205,7 @@
       </p:sp>
       <p:sp>
         <p:nvSpPr>
-          <p:cNvPr id="371" name="6"/>
+          <p:cNvPr id="376" name="6"/>
           <p:cNvSpPr txBox="1"/>
           <p:nvPr/>
         </p:nvSpPr>
@@ -10215,7 +10248,7 @@
       </p:sp>
       <p:sp>
         <p:nvSpPr>
-          <p:cNvPr id="372" name="8"/>
+          <p:cNvPr id="377" name="8"/>
           <p:cNvSpPr txBox="1"/>
           <p:nvPr/>
         </p:nvSpPr>
@@ -10295,7 +10328,7 @@
                                       <p:cBhvr>
                                         <p:cTn id="6" fill="hold"/>
                                         <p:tgtEl>
-                                          <p:spTgt spid="343"/>
+                                          <p:spTgt spid="348"/>
                                         </p:tgtEl>
                                         <p:attrNameLst>
                                           <p:attrName>style.visibility</p:attrName>
@@ -10336,7 +10369,7 @@
       </p:par>
     </p:tnLst>
     <p:bldLst>
-      <p:bldP build="whole" bldLvl="1" animBg="1" rev="0" advAuto="0" spid="343" grpId="1"/>
+      <p:bldP build="whole" bldLvl="1" animBg="1" rev="0" advAuto="0" spid="348" grpId="1"/>
     </p:bldLst>
   </p:timing>
 </p:sld>
@@ -10361,7 +10394,7 @@
       </p:grpSpPr>
       <p:sp>
         <p:nvSpPr>
-          <p:cNvPr id="374" name="Summary"/>
+          <p:cNvPr id="379" name="Summary"/>
           <p:cNvSpPr txBox="1"/>
           <p:nvPr>
             <p:ph type="title"/>
@@ -10385,7 +10418,7 @@
       </p:sp>
       <p:sp>
         <p:nvSpPr>
-          <p:cNvPr id="375" name="Transitive closure…"/>
+          <p:cNvPr id="380" name="Transitive closure…"/>
           <p:cNvSpPr txBox="1"/>
           <p:nvPr>
             <p:ph type="body" idx="1"/>
@@ -10421,7 +10454,7 @@
       </p:sp>
       <p:sp>
         <p:nvSpPr>
-          <p:cNvPr id="376" name="Slide Number"/>
+          <p:cNvPr id="381" name="Slide Number"/>
           <p:cNvSpPr txBox="1"/>
           <p:nvPr>
             <p:ph type="sldNum" sz="quarter" idx="2"/>
@@ -10448,7 +10481,7 @@
       </p:sp>
       <p:sp>
         <p:nvSpPr>
-          <p:cNvPr id="377" name="DAA/Dynamic Programming"/>
+          <p:cNvPr id="382" name="DAA/Dynamic Programming"/>
           <p:cNvSpPr txBox="1"/>
           <p:nvPr/>
         </p:nvSpPr>
@@ -10488,7 +10521,7 @@
       </p:sp>
       <p:sp>
         <p:nvSpPr>
-          <p:cNvPr id="378" name="RPR/"/>
+          <p:cNvPr id="383" name="RPR/"/>
           <p:cNvSpPr txBox="1"/>
           <p:nvPr/>
         </p:nvSpPr>
@@ -10565,7 +10598,7 @@
                                       <p:cBhvr>
                                         <p:cTn id="6" fill="hold"/>
                                         <p:tgtEl>
-                                          <p:spTgt spid="375">
+                                          <p:spTgt spid="380">
                                             <p:bg/>
                                           </p:spTgt>
                                         </p:tgtEl>
@@ -10593,7 +10626,7 @@
                                       <p:cBhvr>
                                         <p:cTn id="8" fill="hold"/>
                                         <p:tgtEl>
-                                          <p:spTgt spid="375">
+                                          <p:spTgt spid="380">
                                             <p:txEl>
                                               <p:pRg st="0" end="0"/>
                                             </p:txEl>
@@ -10641,7 +10674,7 @@
                                       <p:cBhvr>
                                         <p:cTn id="12" fill="hold"/>
                                         <p:tgtEl>
-                                          <p:spTgt spid="375">
+                                          <p:spTgt spid="380">
                                             <p:txEl>
                                               <p:pRg st="1" end="1"/>
                                             </p:txEl>
@@ -10689,7 +10722,7 @@
                                       <p:cBhvr>
                                         <p:cTn id="16" fill="hold"/>
                                         <p:tgtEl>
-                                          <p:spTgt spid="375">
+                                          <p:spTgt spid="380">
                                             <p:txEl>
                                               <p:pRg st="2" end="2"/>
                                             </p:txEl>
@@ -10734,7 +10767,7 @@
       </p:par>
     </p:tnLst>
     <p:bldLst>
-      <p:bldP build="p" bldLvl="5" animBg="1" rev="0" advAuto="0" spid="375" grpId="1"/>
+      <p:bldP build="p" bldLvl="5" animBg="1" rev="0" advAuto="0" spid="380" grpId="1"/>
     </p:bldLst>
   </p:timing>
 </p:sld>
@@ -12279,7 +12312,7 @@
         </p:nvGrpSpPr>
         <p:grpSpPr>
           <a:xfrm>
-            <a:off x="649799" y="3650271"/>
+            <a:off x="428153" y="3568907"/>
             <a:ext cx="2126658" cy="2078833"/>
             <a:chOff x="0" y="0"/>
             <a:chExt cx="2126657" cy="2078831"/>
@@ -12293,8 +12326,8 @@
           </p:nvGrpSpPr>
           <p:grpSpPr>
             <a:xfrm>
-              <a:off x="1269999" y="-1"/>
-              <a:ext cx="304801" cy="348430"/>
+              <a:off x="1270000" y="-1"/>
+              <a:ext cx="304800" cy="348430"/>
               <a:chOff x="0" y="0"/>
               <a:chExt cx="304800" cy="348428"/>
             </a:xfrm>
@@ -12734,8 +12767,8 @@
           </p:nvSpPr>
           <p:spPr>
             <a:xfrm rot="5400000">
-              <a:off x="1006474" y="831056"/>
-              <a:ext cx="425451" cy="1460501"/>
+              <a:off x="1006475" y="831056"/>
+              <a:ext cx="425450" cy="1460501"/>
             </a:xfrm>
             <a:custGeom>
               <a:avLst/>
@@ -13045,7 +13078,7 @@
         </p:nvSpPr>
         <p:spPr>
           <a:xfrm>
-            <a:off x="8136682" y="2926080"/>
+            <a:off x="8136682" y="2926079"/>
             <a:ext cx="1933239" cy="1818641"/>
           </a:xfrm>
           <a:prstGeom prst="rect">
@@ -13144,6 +13177,310 @@
             </a:r>
             <a:r>
               <a:t>1 1</a:t>
+            </a:r>
+          </a:p>
+        </p:txBody>
+      </p:sp>
+      <p:sp>
+        <p:nvSpPr>
+          <p:cNvPr id="100" name="1    2    3    4"/>
+          <p:cNvSpPr txBox="1"/>
+          <p:nvPr/>
+        </p:nvSpPr>
+        <p:spPr>
+          <a:xfrm>
+            <a:off x="2965701" y="3423385"/>
+            <a:ext cx="1538884" cy="398092"/>
+          </a:xfrm>
+          <a:prstGeom prst="rect">
+            <a:avLst/>
+          </a:prstGeom>
+          <a:ln w="12700">
+            <a:solidFill>
+              <a:srgbClr val="000000"/>
+            </a:solidFill>
+            <a:prstDash val="sysDot"/>
+            <a:miter lim="400000"/>
+          </a:ln>
+          <a:extLst>
+            <a:ext uri="{C572A759-6A51-4108-AA02-DFA0A04FC94B}">
+              <ma14:wrappingTextBoxFlag xmlns:ma14="http://schemas.microsoft.com/office/mac/drawingml/2011/main" val="1"/>
+            </a:ext>
+          </a:extLst>
+        </p:spPr>
+        <p:txBody>
+          <a:bodyPr wrap="none" lIns="50800" tIns="50800" rIns="50800" bIns="50800" anchor="ctr">
+            <a:spAutoFit/>
+          </a:bodyPr>
+          <a:lstStyle>
+            <a:lvl1pPr marL="0" marR="0">
+              <a:defRPr sz="2000">
+                <a:uFillTx/>
+                <a:latin typeface="Arial"/>
+                <a:ea typeface="Arial"/>
+                <a:cs typeface="Arial"/>
+                <a:sym typeface="Arial"/>
+              </a:defRPr>
+            </a:lvl1pPr>
+          </a:lstStyle>
+          <a:p>
+            <a:pPr/>
+            <a:r>
+              <a:t>1    2    3    4</a:t>
+            </a:r>
+          </a:p>
+        </p:txBody>
+      </p:sp>
+      <p:sp>
+        <p:nvSpPr>
+          <p:cNvPr id="101" name="1…"/>
+          <p:cNvSpPr txBox="1"/>
+          <p:nvPr/>
+        </p:nvSpPr>
+        <p:spPr>
+          <a:xfrm>
+            <a:off x="2667795" y="3843422"/>
+            <a:ext cx="269052" cy="1529803"/>
+          </a:xfrm>
+          <a:prstGeom prst="rect">
+            <a:avLst/>
+          </a:prstGeom>
+          <a:ln w="12700">
+            <a:solidFill>
+              <a:srgbClr val="000000"/>
+            </a:solidFill>
+            <a:prstDash val="sysDot"/>
+            <a:miter lim="400000"/>
+          </a:ln>
+          <a:extLst>
+            <a:ext uri="{C572A759-6A51-4108-AA02-DFA0A04FC94B}">
+              <ma14:wrappingTextBoxFlag xmlns:ma14="http://schemas.microsoft.com/office/mac/drawingml/2011/main" val="1"/>
+            </a:ext>
+          </a:extLst>
+        </p:spPr>
+        <p:txBody>
+          <a:bodyPr lIns="50800" tIns="50800" rIns="50800" bIns="50800" anchor="ctr">
+            <a:spAutoFit/>
+          </a:bodyPr>
+          <a:lstStyle/>
+          <a:p>
+            <a:pPr marL="0" marR="0">
+              <a:lnSpc>
+                <a:spcPct val="130000"/>
+              </a:lnSpc>
+              <a:defRPr sz="2000">
+                <a:uFillTx/>
+                <a:latin typeface="Arial"/>
+                <a:ea typeface="Arial"/>
+                <a:cs typeface="Arial"/>
+                <a:sym typeface="Arial"/>
+              </a:defRPr>
+            </a:pPr>
+            <a:r>
+              <a:t>1</a:t>
+            </a:r>
+          </a:p>
+          <a:p>
+            <a:pPr marL="0" marR="0">
+              <a:lnSpc>
+                <a:spcPct val="130000"/>
+              </a:lnSpc>
+              <a:defRPr sz="2000">
+                <a:uFillTx/>
+                <a:latin typeface="Arial"/>
+                <a:ea typeface="Arial"/>
+                <a:cs typeface="Arial"/>
+                <a:sym typeface="Arial"/>
+              </a:defRPr>
+            </a:pPr>
+            <a:r>
+              <a:t>2    </a:t>
+            </a:r>
+          </a:p>
+          <a:p>
+            <a:pPr marL="0" marR="0">
+              <a:lnSpc>
+                <a:spcPct val="130000"/>
+              </a:lnSpc>
+              <a:defRPr sz="2000">
+                <a:uFillTx/>
+                <a:latin typeface="Arial"/>
+                <a:ea typeface="Arial"/>
+                <a:cs typeface="Arial"/>
+                <a:sym typeface="Arial"/>
+              </a:defRPr>
+            </a:pPr>
+            <a:r>
+              <a:t>3    </a:t>
+            </a:r>
+          </a:p>
+          <a:p>
+            <a:pPr marL="0" marR="0">
+              <a:lnSpc>
+                <a:spcPct val="130000"/>
+              </a:lnSpc>
+              <a:defRPr sz="2000">
+                <a:uFillTx/>
+                <a:latin typeface="Arial"/>
+                <a:ea typeface="Arial"/>
+                <a:cs typeface="Arial"/>
+                <a:sym typeface="Arial"/>
+              </a:defRPr>
+            </a:pPr>
+            <a:r>
+              <a:t>4</a:t>
+            </a:r>
+          </a:p>
+        </p:txBody>
+      </p:sp>
+      <p:sp>
+        <p:nvSpPr>
+          <p:cNvPr id="102" name="1    2    3    4"/>
+          <p:cNvSpPr txBox="1"/>
+          <p:nvPr/>
+        </p:nvSpPr>
+        <p:spPr>
+          <a:xfrm>
+            <a:off x="8138619" y="2628170"/>
+            <a:ext cx="1538884" cy="398091"/>
+          </a:xfrm>
+          <a:prstGeom prst="rect">
+            <a:avLst/>
+          </a:prstGeom>
+          <a:ln w="12700">
+            <a:solidFill>
+              <a:srgbClr val="000000"/>
+            </a:solidFill>
+            <a:prstDash val="sysDot"/>
+            <a:miter lim="400000"/>
+          </a:ln>
+          <a:extLst>
+            <a:ext uri="{C572A759-6A51-4108-AA02-DFA0A04FC94B}">
+              <ma14:wrappingTextBoxFlag xmlns:ma14="http://schemas.microsoft.com/office/mac/drawingml/2011/main" val="1"/>
+            </a:ext>
+          </a:extLst>
+        </p:spPr>
+        <p:txBody>
+          <a:bodyPr wrap="none" lIns="50800" tIns="50800" rIns="50800" bIns="50800" anchor="ctr">
+            <a:spAutoFit/>
+          </a:bodyPr>
+          <a:lstStyle>
+            <a:lvl1pPr marL="0" marR="0">
+              <a:defRPr sz="2000">
+                <a:uFillTx/>
+                <a:latin typeface="Arial"/>
+                <a:ea typeface="Arial"/>
+                <a:cs typeface="Arial"/>
+                <a:sym typeface="Arial"/>
+              </a:defRPr>
+            </a:lvl1pPr>
+          </a:lstStyle>
+          <a:p>
+            <a:pPr/>
+            <a:r>
+              <a:t>1    2    3    4</a:t>
+            </a:r>
+          </a:p>
+        </p:txBody>
+      </p:sp>
+      <p:sp>
+        <p:nvSpPr>
+          <p:cNvPr id="103" name="1…"/>
+          <p:cNvSpPr txBox="1"/>
+          <p:nvPr/>
+        </p:nvSpPr>
+        <p:spPr>
+          <a:xfrm>
+            <a:off x="7864912" y="3045099"/>
+            <a:ext cx="269052" cy="1529802"/>
+          </a:xfrm>
+          <a:prstGeom prst="rect">
+            <a:avLst/>
+          </a:prstGeom>
+          <a:ln w="12700">
+            <a:solidFill>
+              <a:srgbClr val="000000"/>
+            </a:solidFill>
+            <a:prstDash val="sysDot"/>
+            <a:miter lim="400000"/>
+          </a:ln>
+          <a:extLst>
+            <a:ext uri="{C572A759-6A51-4108-AA02-DFA0A04FC94B}">
+              <ma14:wrappingTextBoxFlag xmlns:ma14="http://schemas.microsoft.com/office/mac/drawingml/2011/main" val="1"/>
+            </a:ext>
+          </a:extLst>
+        </p:spPr>
+        <p:txBody>
+          <a:bodyPr lIns="50800" tIns="50800" rIns="50800" bIns="50800" anchor="ctr">
+            <a:spAutoFit/>
+          </a:bodyPr>
+          <a:lstStyle/>
+          <a:p>
+            <a:pPr marL="0" marR="0">
+              <a:lnSpc>
+                <a:spcPct val="130000"/>
+              </a:lnSpc>
+              <a:defRPr sz="2000">
+                <a:uFillTx/>
+                <a:latin typeface="Arial"/>
+                <a:ea typeface="Arial"/>
+                <a:cs typeface="Arial"/>
+                <a:sym typeface="Arial"/>
+              </a:defRPr>
+            </a:pPr>
+            <a:r>
+              <a:t>1</a:t>
+            </a:r>
+          </a:p>
+          <a:p>
+            <a:pPr marL="0" marR="0">
+              <a:lnSpc>
+                <a:spcPct val="130000"/>
+              </a:lnSpc>
+              <a:defRPr sz="2000">
+                <a:uFillTx/>
+                <a:latin typeface="Arial"/>
+                <a:ea typeface="Arial"/>
+                <a:cs typeface="Arial"/>
+                <a:sym typeface="Arial"/>
+              </a:defRPr>
+            </a:pPr>
+            <a:r>
+              <a:t>2    </a:t>
+            </a:r>
+          </a:p>
+          <a:p>
+            <a:pPr marL="0" marR="0">
+              <a:lnSpc>
+                <a:spcPct val="130000"/>
+              </a:lnSpc>
+              <a:defRPr sz="2000">
+                <a:uFillTx/>
+                <a:latin typeface="Arial"/>
+                <a:ea typeface="Arial"/>
+                <a:cs typeface="Arial"/>
+                <a:sym typeface="Arial"/>
+              </a:defRPr>
+            </a:pPr>
+            <a:r>
+              <a:t>3    </a:t>
+            </a:r>
+          </a:p>
+          <a:p>
+            <a:pPr marL="0" marR="0">
+              <a:lnSpc>
+                <a:spcPct val="130000"/>
+              </a:lnSpc>
+              <a:defRPr sz="2000">
+                <a:uFillTx/>
+                <a:latin typeface="Arial"/>
+                <a:ea typeface="Arial"/>
+                <a:cs typeface="Arial"/>
+                <a:sym typeface="Arial"/>
+              </a:defRPr>
+            </a:pPr>
+            <a:r>
+              <a:t>4</a:t>
             </a:r>
           </a:p>
         </p:txBody>
@@ -13451,7 +13788,42 @@
                                       <p:cBhvr>
                                         <p:cTn id="28" fill="hold"/>
                                         <p:tgtEl>
-                                          <p:spTgt spid="98"/>
+                                          <p:spTgt spid="100"/>
+                                        </p:tgtEl>
+                                        <p:attrNameLst>
+                                          <p:attrName>style.visibility</p:attrName>
+                                        </p:attrNameLst>
+                                      </p:cBhvr>
+                                      <p:to>
+                                        <p:strVal val="visible"/>
+                                      </p:to>
+                                    </p:set>
+                                  </p:childTnLst>
+                                </p:cTn>
+                              </p:par>
+                            </p:childTnLst>
+                          </p:cTn>
+                        </p:par>
+                        <p:par>
+                          <p:cTn id="29" fill="hold">
+                            <p:stCondLst>
+                              <p:cond delay="0"/>
+                            </p:stCondLst>
+                            <p:childTnLst>
+                              <p:par>
+                                <p:cTn id="30" presetClass="entr" nodeType="afterEffect" presetSubtype="0" presetID="1" grpId="4" fill="hold">
+                                  <p:stCondLst>
+                                    <p:cond delay="0"/>
+                                  </p:stCondLst>
+                                  <p:iterate type="el" backwards="0">
+                                    <p:tmAbs val="0"/>
+                                  </p:iterate>
+                                  <p:childTnLst>
+                                    <p:set>
+                                      <p:cBhvr>
+                                        <p:cTn id="31" fill="hold"/>
+                                        <p:tgtEl>
+                                          <p:spTgt spid="101"/>
                                         </p:tgtEl>
                                         <p:attrNameLst>
                                           <p:attrName>style.visibility</p:attrName>
@@ -13471,19 +13843,19 @@
                     </p:cTn>
                   </p:par>
                   <p:par>
-                    <p:cTn id="29" fill="hold">
+                    <p:cTn id="32" fill="hold">
                       <p:stCondLst>
                         <p:cond delay="indefinite"/>
                       </p:stCondLst>
                       <p:childTnLst>
                         <p:par>
-                          <p:cTn id="30" fill="hold">
+                          <p:cTn id="33" fill="hold">
                             <p:stCondLst>
                               <p:cond delay="0"/>
                             </p:stCondLst>
                             <p:childTnLst>
                               <p:par>
-                                <p:cTn id="31" presetClass="entr" nodeType="clickEffect" presetSubtype="0" presetID="1" grpId="4" fill="hold">
+                                <p:cTn id="34" presetClass="entr" nodeType="clickEffect" presetSubtype="0" presetID="1" grpId="5" fill="hold">
                                   <p:stCondLst>
                                     <p:cond delay="0"/>
                                   </p:stCondLst>
@@ -13493,7 +13865,227 @@
                                   <p:childTnLst>
                                     <p:set>
                                       <p:cBhvr>
-                                        <p:cTn id="32" fill="hold"/>
+                                        <p:cTn id="35" fill="hold"/>
+                                        <p:tgtEl>
+                                          <p:spTgt spid="98">
+                                            <p:bg/>
+                                          </p:spTgt>
+                                        </p:tgtEl>
+                                        <p:attrNameLst>
+                                          <p:attrName>style.visibility</p:attrName>
+                                        </p:attrNameLst>
+                                      </p:cBhvr>
+                                      <p:to>
+                                        <p:strVal val="visible"/>
+                                      </p:to>
+                                    </p:set>
+                                  </p:childTnLst>
+                                </p:cTn>
+                              </p:par>
+                              <p:par>
+                                <p:cTn id="36" presetClass="entr" nodeType="withEffect" presetSubtype="0" presetID="1" grpId="5" fill="hold">
+                                  <p:stCondLst>
+                                    <p:cond delay="0"/>
+                                  </p:stCondLst>
+                                  <p:iterate type="el" backwards="0">
+                                    <p:tmAbs val="0"/>
+                                  </p:iterate>
+                                  <p:childTnLst>
+                                    <p:set>
+                                      <p:cBhvr>
+                                        <p:cTn id="37" fill="hold"/>
+                                        <p:tgtEl>
+                                          <p:spTgt spid="98">
+                                            <p:txEl>
+                                              <p:pRg st="0" end="0"/>
+                                            </p:txEl>
+                                          </p:spTgt>
+                                        </p:tgtEl>
+                                        <p:attrNameLst>
+                                          <p:attrName>style.visibility</p:attrName>
+                                        </p:attrNameLst>
+                                      </p:cBhvr>
+                                      <p:to>
+                                        <p:strVal val="visible"/>
+                                      </p:to>
+                                    </p:set>
+                                  </p:childTnLst>
+                                </p:cTn>
+                              </p:par>
+                            </p:childTnLst>
+                          </p:cTn>
+                        </p:par>
+                      </p:childTnLst>
+                    </p:cTn>
+                  </p:par>
+                  <p:par>
+                    <p:cTn id="38" fill="hold">
+                      <p:stCondLst>
+                        <p:cond delay="indefinite"/>
+                      </p:stCondLst>
+                      <p:childTnLst>
+                        <p:par>
+                          <p:cTn id="39" fill="hold">
+                            <p:stCondLst>
+                              <p:cond delay="0"/>
+                            </p:stCondLst>
+                            <p:childTnLst>
+                              <p:par>
+                                <p:cTn id="40" presetClass="entr" nodeType="clickEffect" presetSubtype="0" presetID="1" grpId="5" fill="hold">
+                                  <p:stCondLst>
+                                    <p:cond delay="0"/>
+                                  </p:stCondLst>
+                                  <p:iterate type="el" backwards="0">
+                                    <p:tmAbs val="0"/>
+                                  </p:iterate>
+                                  <p:childTnLst>
+                                    <p:set>
+                                      <p:cBhvr>
+                                        <p:cTn id="41" fill="hold"/>
+                                        <p:tgtEl>
+                                          <p:spTgt spid="98">
+                                            <p:txEl>
+                                              <p:pRg st="1" end="1"/>
+                                            </p:txEl>
+                                          </p:spTgt>
+                                        </p:tgtEl>
+                                        <p:attrNameLst>
+                                          <p:attrName>style.visibility</p:attrName>
+                                        </p:attrNameLst>
+                                      </p:cBhvr>
+                                      <p:to>
+                                        <p:strVal val="visible"/>
+                                      </p:to>
+                                    </p:set>
+                                  </p:childTnLst>
+                                </p:cTn>
+                              </p:par>
+                            </p:childTnLst>
+                          </p:cTn>
+                        </p:par>
+                      </p:childTnLst>
+                    </p:cTn>
+                  </p:par>
+                  <p:par>
+                    <p:cTn id="42" fill="hold">
+                      <p:stCondLst>
+                        <p:cond delay="indefinite"/>
+                      </p:stCondLst>
+                      <p:childTnLst>
+                        <p:par>
+                          <p:cTn id="43" fill="hold">
+                            <p:stCondLst>
+                              <p:cond delay="0"/>
+                            </p:stCondLst>
+                            <p:childTnLst>
+                              <p:par>
+                                <p:cTn id="44" presetClass="entr" nodeType="clickEffect" presetSubtype="0" presetID="1" grpId="5" fill="hold">
+                                  <p:stCondLst>
+                                    <p:cond delay="0"/>
+                                  </p:stCondLst>
+                                  <p:iterate type="el" backwards="0">
+                                    <p:tmAbs val="0"/>
+                                  </p:iterate>
+                                  <p:childTnLst>
+                                    <p:set>
+                                      <p:cBhvr>
+                                        <p:cTn id="45" fill="hold"/>
+                                        <p:tgtEl>
+                                          <p:spTgt spid="98">
+                                            <p:txEl>
+                                              <p:pRg st="2" end="2"/>
+                                            </p:txEl>
+                                          </p:spTgt>
+                                        </p:tgtEl>
+                                        <p:attrNameLst>
+                                          <p:attrName>style.visibility</p:attrName>
+                                        </p:attrNameLst>
+                                      </p:cBhvr>
+                                      <p:to>
+                                        <p:strVal val="visible"/>
+                                      </p:to>
+                                    </p:set>
+                                  </p:childTnLst>
+                                </p:cTn>
+                              </p:par>
+                            </p:childTnLst>
+                          </p:cTn>
+                        </p:par>
+                      </p:childTnLst>
+                    </p:cTn>
+                  </p:par>
+                  <p:par>
+                    <p:cTn id="46" fill="hold">
+                      <p:stCondLst>
+                        <p:cond delay="indefinite"/>
+                      </p:stCondLst>
+                      <p:childTnLst>
+                        <p:par>
+                          <p:cTn id="47" fill="hold">
+                            <p:stCondLst>
+                              <p:cond delay="0"/>
+                            </p:stCondLst>
+                            <p:childTnLst>
+                              <p:par>
+                                <p:cTn id="48" presetClass="entr" nodeType="clickEffect" presetSubtype="0" presetID="1" grpId="5" fill="hold">
+                                  <p:stCondLst>
+                                    <p:cond delay="0"/>
+                                  </p:stCondLst>
+                                  <p:iterate type="el" backwards="0">
+                                    <p:tmAbs val="0"/>
+                                  </p:iterate>
+                                  <p:childTnLst>
+                                    <p:set>
+                                      <p:cBhvr>
+                                        <p:cTn id="49" fill="hold"/>
+                                        <p:tgtEl>
+                                          <p:spTgt spid="98">
+                                            <p:txEl>
+                                              <p:pRg st="3" end="3"/>
+                                            </p:txEl>
+                                          </p:spTgt>
+                                        </p:tgtEl>
+                                        <p:attrNameLst>
+                                          <p:attrName>style.visibility</p:attrName>
+                                        </p:attrNameLst>
+                                      </p:cBhvr>
+                                      <p:to>
+                                        <p:strVal val="visible"/>
+                                      </p:to>
+                                    </p:set>
+                                  </p:childTnLst>
+                                </p:cTn>
+                              </p:par>
+                            </p:childTnLst>
+                          </p:cTn>
+                        </p:par>
+                      </p:childTnLst>
+                    </p:cTn>
+                  </p:par>
+                  <p:par>
+                    <p:cTn id="50" fill="hold">
+                      <p:stCondLst>
+                        <p:cond delay="indefinite"/>
+                      </p:stCondLst>
+                      <p:childTnLst>
+                        <p:par>
+                          <p:cTn id="51" fill="hold">
+                            <p:stCondLst>
+                              <p:cond delay="0"/>
+                            </p:stCondLst>
+                            <p:childTnLst>
+                              <p:par>
+                                <p:cTn id="52" presetClass="entr" nodeType="clickEffect" presetSubtype="0" presetID="1" grpId="6" fill="hold">
+                                  <p:stCondLst>
+                                    <p:cond delay="0"/>
+                                  </p:stCondLst>
+                                  <p:iterate type="el" backwards="0">
+                                    <p:tmAbs val="0"/>
+                                  </p:iterate>
+                                  <p:childTnLst>
+                                    <p:set>
+                                      <p:cBhvr>
+                                        <p:cTn id="53" fill="hold"/>
                                         <p:tgtEl>
                                           <p:spTgt spid="80"/>
                                         </p:tgtEl>
@@ -13515,19 +14107,19 @@
                     </p:cTn>
                   </p:par>
                   <p:par>
-                    <p:cTn id="33" fill="hold">
+                    <p:cTn id="54" fill="hold">
                       <p:stCondLst>
                         <p:cond delay="indefinite"/>
                       </p:stCondLst>
                       <p:childTnLst>
                         <p:par>
-                          <p:cTn id="34" fill="hold">
+                          <p:cTn id="55" fill="hold">
                             <p:stCondLst>
                               <p:cond delay="0"/>
                             </p:stCondLst>
                             <p:childTnLst>
                               <p:par>
-                                <p:cTn id="35" presetClass="entr" nodeType="clickEffect" presetSubtype="0" presetID="1" grpId="5" fill="hold">
+                                <p:cTn id="56" presetClass="entr" nodeType="clickEffect" presetSubtype="0" presetID="1" grpId="7" fill="hold">
                                   <p:stCondLst>
                                     <p:cond delay="0"/>
                                   </p:stCondLst>
@@ -13537,9 +14129,264 @@
                                   <p:childTnLst>
                                     <p:set>
                                       <p:cBhvr>
-                                        <p:cTn id="36" fill="hold"/>
+                                        <p:cTn id="57" fill="hold"/>
                                         <p:tgtEl>
-                                          <p:spTgt spid="99"/>
+                                          <p:spTgt spid="102"/>
+                                        </p:tgtEl>
+                                        <p:attrNameLst>
+                                          <p:attrName>style.visibility</p:attrName>
+                                        </p:attrNameLst>
+                                      </p:cBhvr>
+                                      <p:to>
+                                        <p:strVal val="visible"/>
+                                      </p:to>
+                                    </p:set>
+                                  </p:childTnLst>
+                                </p:cTn>
+                              </p:par>
+                            </p:childTnLst>
+                          </p:cTn>
+                        </p:par>
+                        <p:par>
+                          <p:cTn id="58" fill="hold">
+                            <p:stCondLst>
+                              <p:cond delay="0"/>
+                            </p:stCondLst>
+                            <p:childTnLst>
+                              <p:par>
+                                <p:cTn id="59" presetClass="entr" nodeType="afterEffect" presetSubtype="0" presetID="1" grpId="8" fill="hold">
+                                  <p:stCondLst>
+                                    <p:cond delay="0"/>
+                                  </p:stCondLst>
+                                  <p:iterate type="el" backwards="0">
+                                    <p:tmAbs val="0"/>
+                                  </p:iterate>
+                                  <p:childTnLst>
+                                    <p:set>
+                                      <p:cBhvr>
+                                        <p:cTn id="60" fill="hold"/>
+                                        <p:tgtEl>
+                                          <p:spTgt spid="103"/>
+                                        </p:tgtEl>
+                                        <p:attrNameLst>
+                                          <p:attrName>style.visibility</p:attrName>
+                                        </p:attrNameLst>
+                                      </p:cBhvr>
+                                      <p:to>
+                                        <p:strVal val="visible"/>
+                                      </p:to>
+                                    </p:set>
+                                  </p:childTnLst>
+                                </p:cTn>
+                              </p:par>
+                            </p:childTnLst>
+                          </p:cTn>
+                        </p:par>
+                      </p:childTnLst>
+                    </p:cTn>
+                  </p:par>
+                  <p:par>
+                    <p:cTn id="61" fill="hold">
+                      <p:stCondLst>
+                        <p:cond delay="indefinite"/>
+                      </p:stCondLst>
+                      <p:childTnLst>
+                        <p:par>
+                          <p:cTn id="62" fill="hold">
+                            <p:stCondLst>
+                              <p:cond delay="0"/>
+                            </p:stCondLst>
+                            <p:childTnLst>
+                              <p:par>
+                                <p:cTn id="63" presetClass="entr" nodeType="clickEffect" presetSubtype="0" presetID="1" grpId="9" fill="hold">
+                                  <p:stCondLst>
+                                    <p:cond delay="0"/>
+                                  </p:stCondLst>
+                                  <p:iterate type="el" backwards="0">
+                                    <p:tmAbs val="0"/>
+                                  </p:iterate>
+                                  <p:childTnLst>
+                                    <p:set>
+                                      <p:cBhvr>
+                                        <p:cTn id="64" fill="hold"/>
+                                        <p:tgtEl>
+                                          <p:spTgt spid="99">
+                                            <p:bg/>
+                                          </p:spTgt>
+                                        </p:tgtEl>
+                                        <p:attrNameLst>
+                                          <p:attrName>style.visibility</p:attrName>
+                                        </p:attrNameLst>
+                                      </p:cBhvr>
+                                      <p:to>
+                                        <p:strVal val="visible"/>
+                                      </p:to>
+                                    </p:set>
+                                  </p:childTnLst>
+                                </p:cTn>
+                              </p:par>
+                              <p:par>
+                                <p:cTn id="65" presetClass="entr" nodeType="withEffect" presetSubtype="0" presetID="1" grpId="9" fill="hold">
+                                  <p:stCondLst>
+                                    <p:cond delay="0"/>
+                                  </p:stCondLst>
+                                  <p:iterate type="el" backwards="0">
+                                    <p:tmAbs val="0"/>
+                                  </p:iterate>
+                                  <p:childTnLst>
+                                    <p:set>
+                                      <p:cBhvr>
+                                        <p:cTn id="66" fill="hold"/>
+                                        <p:tgtEl>
+                                          <p:spTgt spid="99">
+                                            <p:txEl>
+                                              <p:pRg st="0" end="0"/>
+                                            </p:txEl>
+                                          </p:spTgt>
+                                        </p:tgtEl>
+                                        <p:attrNameLst>
+                                          <p:attrName>style.visibility</p:attrName>
+                                        </p:attrNameLst>
+                                      </p:cBhvr>
+                                      <p:to>
+                                        <p:strVal val="visible"/>
+                                      </p:to>
+                                    </p:set>
+                                  </p:childTnLst>
+                                </p:cTn>
+                              </p:par>
+                            </p:childTnLst>
+                          </p:cTn>
+                        </p:par>
+                      </p:childTnLst>
+                    </p:cTn>
+                  </p:par>
+                  <p:par>
+                    <p:cTn id="67" fill="hold">
+                      <p:stCondLst>
+                        <p:cond delay="indefinite"/>
+                      </p:stCondLst>
+                      <p:childTnLst>
+                        <p:par>
+                          <p:cTn id="68" fill="hold">
+                            <p:stCondLst>
+                              <p:cond delay="0"/>
+                            </p:stCondLst>
+                            <p:childTnLst>
+                              <p:par>
+                                <p:cTn id="69" presetClass="entr" nodeType="clickEffect" presetSubtype="0" presetID="1" grpId="9" fill="hold">
+                                  <p:stCondLst>
+                                    <p:cond delay="0"/>
+                                  </p:stCondLst>
+                                  <p:iterate type="el" backwards="0">
+                                    <p:tmAbs val="0"/>
+                                  </p:iterate>
+                                  <p:childTnLst>
+                                    <p:set>
+                                      <p:cBhvr>
+                                        <p:cTn id="70" fill="hold"/>
+                                        <p:tgtEl>
+                                          <p:spTgt spid="99">
+                                            <p:txEl>
+                                              <p:pRg st="1" end="1"/>
+                                            </p:txEl>
+                                          </p:spTgt>
+                                        </p:tgtEl>
+                                        <p:attrNameLst>
+                                          <p:attrName>style.visibility</p:attrName>
+                                        </p:attrNameLst>
+                                      </p:cBhvr>
+                                      <p:to>
+                                        <p:strVal val="visible"/>
+                                      </p:to>
+                                    </p:set>
+                                  </p:childTnLst>
+                                </p:cTn>
+                              </p:par>
+                            </p:childTnLst>
+                          </p:cTn>
+                        </p:par>
+                      </p:childTnLst>
+                    </p:cTn>
+                  </p:par>
+                  <p:par>
+                    <p:cTn id="71" fill="hold">
+                      <p:stCondLst>
+                        <p:cond delay="indefinite"/>
+                      </p:stCondLst>
+                      <p:childTnLst>
+                        <p:par>
+                          <p:cTn id="72" fill="hold">
+                            <p:stCondLst>
+                              <p:cond delay="0"/>
+                            </p:stCondLst>
+                            <p:childTnLst>
+                              <p:par>
+                                <p:cTn id="73" presetClass="entr" nodeType="clickEffect" presetSubtype="0" presetID="1" grpId="9" fill="hold">
+                                  <p:stCondLst>
+                                    <p:cond delay="0"/>
+                                  </p:stCondLst>
+                                  <p:iterate type="el" backwards="0">
+                                    <p:tmAbs val="0"/>
+                                  </p:iterate>
+                                  <p:childTnLst>
+                                    <p:set>
+                                      <p:cBhvr>
+                                        <p:cTn id="74" fill="hold"/>
+                                        <p:tgtEl>
+                                          <p:spTgt spid="99">
+                                            <p:txEl>
+                                              <p:pRg st="2" end="2"/>
+                                            </p:txEl>
+                                          </p:spTgt>
+                                        </p:tgtEl>
+                                        <p:attrNameLst>
+                                          <p:attrName>style.visibility</p:attrName>
+                                        </p:attrNameLst>
+                                      </p:cBhvr>
+                                      <p:to>
+                                        <p:strVal val="visible"/>
+                                      </p:to>
+                                    </p:set>
+                                  </p:childTnLst>
+                                </p:cTn>
+                              </p:par>
+                            </p:childTnLst>
+                          </p:cTn>
+                        </p:par>
+                      </p:childTnLst>
+                    </p:cTn>
+                  </p:par>
+                  <p:par>
+                    <p:cTn id="75" fill="hold">
+                      <p:stCondLst>
+                        <p:cond delay="indefinite"/>
+                      </p:stCondLst>
+                      <p:childTnLst>
+                        <p:par>
+                          <p:cTn id="76" fill="hold">
+                            <p:stCondLst>
+                              <p:cond delay="0"/>
+                            </p:stCondLst>
+                            <p:childTnLst>
+                              <p:par>
+                                <p:cTn id="77" presetClass="entr" nodeType="clickEffect" presetSubtype="0" presetID="1" grpId="9" fill="hold">
+                                  <p:stCondLst>
+                                    <p:cond delay="0"/>
+                                  </p:stCondLst>
+                                  <p:iterate type="el" backwards="0">
+                                    <p:tmAbs val="0"/>
+                                  </p:iterate>
+                                  <p:childTnLst>
+                                    <p:set>
+                                      <p:cBhvr>
+                                        <p:cTn id="78" fill="hold"/>
+                                        <p:tgtEl>
+                                          <p:spTgt spid="99">
+                                            <p:txEl>
+                                              <p:pRg st="3" end="3"/>
+                                            </p:txEl>
+                                          </p:spTgt>
                                         </p:tgtEl>
                                         <p:attrNameLst>
                                           <p:attrName>style.visibility</p:attrName>
@@ -13581,10 +14428,14 @@
     </p:tnLst>
     <p:bldLst>
       <p:bldP build="p" bldLvl="5" animBg="1" rev="0" advAuto="0" spid="54" grpId="1"/>
-      <p:bldP build="whole" bldLvl="1" animBg="1" rev="0" advAuto="0" spid="98" grpId="3"/>
+      <p:bldP build="whole" bldLvl="1" animBg="1" rev="0" advAuto="0" spid="100" grpId="3"/>
+      <p:bldP build="p" bldLvl="5" animBg="1" rev="0" advAuto="0" spid="99" grpId="9"/>
       <p:bldP build="whole" bldLvl="1" animBg="1" rev="0" advAuto="0" spid="97" grpId="2"/>
-      <p:bldP build="whole" bldLvl="1" animBg="1" rev="0" advAuto="0" spid="80" grpId="4"/>
-      <p:bldP build="whole" bldLvl="1" animBg="1" rev="0" advAuto="0" spid="99" grpId="5"/>
+      <p:bldP build="whole" bldLvl="1" animBg="1" rev="0" advAuto="0" spid="102" grpId="7"/>
+      <p:bldP build="whole" bldLvl="1" animBg="1" rev="0" advAuto="0" spid="101" grpId="4"/>
+      <p:bldP build="p" bldLvl="5" animBg="1" rev="0" advAuto="0" spid="98" grpId="5"/>
+      <p:bldP build="whole" bldLvl="1" animBg="1" rev="0" advAuto="0" spid="103" grpId="8"/>
+      <p:bldP build="whole" bldLvl="1" animBg="1" rev="0" advAuto="0" spid="80" grpId="6"/>
     </p:bldLst>
   </p:timing>
 </p:sld>
@@ -13609,7 +14460,7 @@
       </p:grpSpPr>
       <p:sp>
         <p:nvSpPr>
-          <p:cNvPr id="101" name="Warshall’s Approach"/>
+          <p:cNvPr id="105" name="Warshall’s Approach"/>
           <p:cNvSpPr txBox="1"/>
           <p:nvPr>
             <p:ph type="title"/>
@@ -13633,7 +14484,7 @@
       </p:sp>
       <p:sp>
         <p:nvSpPr>
-          <p:cNvPr id="102" name="Constructs transitive closure T as the last matrix in the sequence of n-by-n matrices…"/>
+          <p:cNvPr id="106" name="Constructs transitive closure T as the last matrix in the sequence of n-by-n matrices…"/>
           <p:cNvSpPr txBox="1"/>
           <p:nvPr>
             <p:ph type="body" idx="1"/>
@@ -13666,15 +14517,24 @@
             </a:r>
             <a:r>
               <a:rPr i="1">
-                <a:latin typeface="Times New Roman"/>
-                <a:ea typeface="Times New Roman"/>
-                <a:cs typeface="Times New Roman"/>
-                <a:sym typeface="Times New Roman"/>
+                <a:latin typeface="Courier New"/>
+                <a:ea typeface="Courier New"/>
+                <a:cs typeface="Courier New"/>
+                <a:sym typeface="Courier New"/>
               </a:rPr>
               <a:t>n</a:t>
             </a:r>
             <a:r>
               <a:t>-by-</a:t>
+            </a:r>
+            <a:r>
+              <a:rPr i="1">
+                <a:latin typeface="Courier New"/>
+                <a:ea typeface="Courier New"/>
+                <a:cs typeface="Courier New"/>
+                <a:sym typeface="Courier New"/>
+              </a:rPr>
+              <a:t>n</a:t>
             </a:r>
             <a:r>
               <a:rPr i="1">
@@ -13683,7 +14543,7 @@
                 <a:cs typeface="Times New Roman"/>
                 <a:sym typeface="Times New Roman"/>
               </a:rPr>
-              <a:t>n </a:t>
+              <a:t> </a:t>
             </a:r>
             <a:r>
               <a:t>matrices  </a:t>
@@ -13878,7 +14738,43 @@
                 <a:cs typeface="Gill Sans MT"/>
                 <a:sym typeface="Gill Sans MT"/>
               </a:rPr>
-              <a:t>there is nontrivial path from i to j </a:t>
+              <a:t>there is nontrivial path from </a:t>
+            </a:r>
+            <a:r>
+              <a:rPr>
+                <a:latin typeface="Courier New"/>
+                <a:ea typeface="Courier New"/>
+                <a:cs typeface="Courier New"/>
+                <a:sym typeface="Courier New"/>
+              </a:rPr>
+              <a:t>i</a:t>
+            </a:r>
+            <a:r>
+              <a:rPr>
+                <a:latin typeface="Gill Sans MT"/>
+                <a:ea typeface="Gill Sans MT"/>
+                <a:cs typeface="Gill Sans MT"/>
+                <a:sym typeface="Gill Sans MT"/>
+              </a:rPr>
+              <a:t> to </a:t>
+            </a:r>
+            <a:r>
+              <a:rPr>
+                <a:latin typeface="Courier New"/>
+                <a:ea typeface="Courier New"/>
+                <a:cs typeface="Courier New"/>
+                <a:sym typeface="Courier New"/>
+              </a:rPr>
+              <a:t>j</a:t>
+            </a:r>
+            <a:r>
+              <a:rPr>
+                <a:latin typeface="Gill Sans MT"/>
+                <a:ea typeface="Gill Sans MT"/>
+                <a:cs typeface="Gill Sans MT"/>
+                <a:sym typeface="Gill Sans MT"/>
+              </a:rPr>
+              <a:t> </a:t>
             </a:r>
             <a:endParaRPr>
               <a:latin typeface="Gill Sans MT"/>
@@ -13896,7 +14792,25 @@
                 <a:cs typeface="Gill Sans MT"/>
                 <a:sym typeface="Gill Sans MT"/>
               </a:rPr>
-              <a:t>with only the first k vertices (</a:t>
+              <a:t>with only the first </a:t>
+            </a:r>
+            <a:r>
+              <a:rPr>
+                <a:latin typeface="Courier New"/>
+                <a:ea typeface="Courier New"/>
+                <a:cs typeface="Courier New"/>
+                <a:sym typeface="Courier New"/>
+              </a:rPr>
+              <a:t>k</a:t>
+            </a:r>
+            <a:r>
+              <a:rPr>
+                <a:latin typeface="Gill Sans MT"/>
+                <a:ea typeface="Gill Sans MT"/>
+                <a:cs typeface="Gill Sans MT"/>
+                <a:sym typeface="Gill Sans MT"/>
+              </a:rPr>
+              <a:t> vertices (</a:t>
             </a:r>
             <a:r>
               <a:t>numbered from </a:t>
@@ -13920,7 +14834,7 @@
                 <a:cs typeface="Courier New"/>
                 <a:sym typeface="Courier New"/>
               </a:rPr>
-              <a:t>k)</a:t>
+              <a:t>k</a:t>
             </a:r>
             <a:r>
               <a:rPr>
@@ -13929,7 +14843,7 @@
                 <a:cs typeface="Gill Sans MT"/>
                 <a:sym typeface="Gill Sans MT"/>
               </a:rPr>
-              <a:t> are allowed as intermediate</a:t>
+              <a:t>) are allowed as intermediate</a:t>
             </a:r>
             <a:r>
               <a:rPr>
@@ -14092,7 +15006,7 @@
       </p:sp>
       <p:sp>
         <p:nvSpPr>
-          <p:cNvPr id="103" name="Slide Number"/>
+          <p:cNvPr id="107" name="Slide Number"/>
           <p:cNvSpPr txBox="1"/>
           <p:nvPr>
             <p:ph type="sldNum" sz="quarter" idx="2"/>
@@ -14119,7 +15033,7 @@
       </p:sp>
       <p:sp>
         <p:nvSpPr>
-          <p:cNvPr id="104" name="DAA/Dynamic Programming"/>
+          <p:cNvPr id="108" name="DAA/Dynamic Programming"/>
           <p:cNvSpPr txBox="1"/>
           <p:nvPr/>
         </p:nvSpPr>
@@ -14159,7 +15073,7 @@
       </p:sp>
       <p:sp>
         <p:nvSpPr>
-          <p:cNvPr id="105" name="RPR/"/>
+          <p:cNvPr id="109" name="RPR/"/>
           <p:cNvSpPr txBox="1"/>
           <p:nvPr/>
         </p:nvSpPr>
@@ -14236,7 +15150,7 @@
                                       <p:cBhvr>
                                         <p:cTn id="6" fill="hold"/>
                                         <p:tgtEl>
-                                          <p:spTgt spid="102">
+                                          <p:spTgt spid="106">
                                             <p:bg/>
                                           </p:spTgt>
                                         </p:tgtEl>
@@ -14264,7 +15178,7 @@
                                       <p:cBhvr>
                                         <p:cTn id="8" fill="hold"/>
                                         <p:tgtEl>
-                                          <p:spTgt spid="102">
+                                          <p:spTgt spid="106">
                                             <p:txEl>
                                               <p:pRg st="0" end="0"/>
                                             </p:txEl>
@@ -14312,7 +15226,7 @@
                                       <p:cBhvr>
                                         <p:cTn id="12" fill="hold"/>
                                         <p:tgtEl>
-                                          <p:spTgt spid="102">
+                                          <p:spTgt spid="106">
                                             <p:txEl>
                                               <p:pRg st="1" end="1"/>
                                             </p:txEl>
@@ -14360,7 +15274,7 @@
                                       <p:cBhvr>
                                         <p:cTn id="16" fill="hold"/>
                                         <p:tgtEl>
-                                          <p:spTgt spid="102">
+                                          <p:spTgt spid="106">
                                             <p:txEl>
                                               <p:pRg st="2" end="2"/>
                                             </p:txEl>
@@ -14408,7 +15322,7 @@
                                       <p:cBhvr>
                                         <p:cTn id="20" fill="hold"/>
                                         <p:tgtEl>
-                                          <p:spTgt spid="102">
+                                          <p:spTgt spid="106">
                                             <p:txEl>
                                               <p:pRg st="3" end="3"/>
                                             </p:txEl>
@@ -14456,7 +15370,7 @@
                                       <p:cBhvr>
                                         <p:cTn id="24" fill="hold"/>
                                         <p:tgtEl>
-                                          <p:spTgt spid="102">
+                                          <p:spTgt spid="106">
                                             <p:txEl>
                                               <p:pRg st="4" end="4"/>
                                             </p:txEl>
@@ -14504,7 +15418,7 @@
                                       <p:cBhvr>
                                         <p:cTn id="28" fill="hold"/>
                                         <p:tgtEl>
-                                          <p:spTgt spid="102">
+                                          <p:spTgt spid="106">
                                             <p:txEl>
                                               <p:pRg st="5" end="5"/>
                                             </p:txEl>
@@ -14552,7 +15466,7 @@
                                       <p:cBhvr>
                                         <p:cTn id="32" fill="hold"/>
                                         <p:tgtEl>
-                                          <p:spTgt spid="102">
+                                          <p:spTgt spid="106">
                                             <p:txEl>
                                               <p:pRg st="6" end="6"/>
                                             </p:txEl>
@@ -14600,7 +15514,7 @@
                                       <p:cBhvr>
                                         <p:cTn id="36" fill="hold"/>
                                         <p:tgtEl>
-                                          <p:spTgt spid="102">
+                                          <p:spTgt spid="106">
                                             <p:txEl>
                                               <p:pRg st="7" end="7"/>
                                             </p:txEl>
@@ -14645,7 +15559,7 @@
       </p:par>
     </p:tnLst>
     <p:bldLst>
-      <p:bldP build="p" bldLvl="5" animBg="1" rev="0" advAuto="0" spid="102" grpId="1"/>
+      <p:bldP build="p" bldLvl="5" animBg="1" rev="0" advAuto="0" spid="106" grpId="1"/>
     </p:bldLst>
   </p:timing>
 </p:sld>
@@ -14670,7 +15584,7 @@
       </p:grpSpPr>
       <p:sp>
         <p:nvSpPr>
-          <p:cNvPr id="107" name="Warshall’s algo: Recurrence"/>
+          <p:cNvPr id="111" name="Warshall’s algo: Recurrence"/>
           <p:cNvSpPr txBox="1"/>
           <p:nvPr>
             <p:ph type="title"/>
@@ -14694,7 +15608,7 @@
       </p:sp>
       <p:sp>
         <p:nvSpPr>
-          <p:cNvPr id="108" name="On the kth iteration,…"/>
+          <p:cNvPr id="112" name="On the kth iteration,…"/>
           <p:cNvSpPr txBox="1"/>
           <p:nvPr>
             <p:ph type="body" sz="half" idx="1"/>
@@ -14798,15 +15712,12 @@
             </a:r>
             <a:r>
               <a:rPr i="1">
-                <a:latin typeface="Times New Roman"/>
-                <a:ea typeface="Times New Roman"/>
-                <a:cs typeface="Times New Roman"/>
-                <a:sym typeface="Times New Roman"/>
+                <a:latin typeface="Courier New"/>
+                <a:ea typeface="Courier New"/>
+                <a:cs typeface="Courier New"/>
+                <a:sym typeface="Courier New"/>
               </a:rPr>
-              <a:t>i </a:t>
-            </a:r>
-            <a:r>
-              <a:t>and</a:t>
+              <a:t>i</a:t>
             </a:r>
             <a:r>
               <a:rPr i="1">
@@ -14815,7 +15726,37 @@
                 <a:cs typeface="Times New Roman"/>
                 <a:sym typeface="Times New Roman"/>
               </a:rPr>
-              <a:t> j </a:t>
+              <a:t> </a:t>
+            </a:r>
+            <a:r>
+              <a:t>to</a:t>
+            </a:r>
+            <a:r>
+              <a:rPr i="1">
+                <a:latin typeface="Times New Roman"/>
+                <a:ea typeface="Times New Roman"/>
+                <a:cs typeface="Times New Roman"/>
+                <a:sym typeface="Times New Roman"/>
+              </a:rPr>
+              <a:t> </a:t>
+            </a:r>
+            <a:r>
+              <a:rPr i="1">
+                <a:latin typeface="Courier New"/>
+                <a:ea typeface="Courier New"/>
+                <a:cs typeface="Courier New"/>
+                <a:sym typeface="Courier New"/>
+              </a:rPr>
+              <a:t>j</a:t>
+            </a:r>
+            <a:r>
+              <a:rPr i="1">
+                <a:latin typeface="Times New Roman"/>
+                <a:ea typeface="Times New Roman"/>
+                <a:cs typeface="Times New Roman"/>
+                <a:sym typeface="Times New Roman"/>
+              </a:rPr>
+              <a:t> </a:t>
             </a:r>
             <a:endParaRPr i="1">
               <a:latin typeface="Times New Roman"/>
@@ -14893,7 +15834,7 @@
       </p:sp>
       <p:sp>
         <p:nvSpPr>
-          <p:cNvPr id="109" name="Slide Number"/>
+          <p:cNvPr id="113" name="Slide Number"/>
           <p:cNvSpPr txBox="1"/>
           <p:nvPr>
             <p:ph type="sldNum" sz="quarter" idx="2"/>
@@ -14920,7 +15861,7 @@
       </p:sp>
       <p:sp>
         <p:nvSpPr>
-          <p:cNvPr id="110" name="DAA/Dynamic Programming"/>
+          <p:cNvPr id="114" name="DAA/Dynamic Programming"/>
           <p:cNvSpPr txBox="1"/>
           <p:nvPr/>
         </p:nvSpPr>
@@ -14960,7 +15901,7 @@
       </p:sp>
       <p:sp>
         <p:nvSpPr>
-          <p:cNvPr id="111" name="RPR/"/>
+          <p:cNvPr id="115" name="RPR/"/>
           <p:cNvSpPr txBox="1"/>
           <p:nvPr/>
         </p:nvSpPr>
@@ -15000,7 +15941,7 @@
       </p:sp>
       <p:sp>
         <p:nvSpPr>
-          <p:cNvPr id="112" name="Equation"/>
+          <p:cNvPr id="116" name="Equation"/>
           <p:cNvSpPr txBox="1"/>
           <p:nvPr/>
         </p:nvSpPr>
@@ -15138,7 +16079,7 @@
       </p:sp>
       <p:grpSp>
         <p:nvGrpSpPr>
-          <p:cNvPr id="115" name="Group"/>
+          <p:cNvPr id="119" name="Group"/>
           <p:cNvGrpSpPr/>
           <p:nvPr/>
         </p:nvGrpSpPr>
@@ -15152,7 +16093,7 @@
         </p:grpSpPr>
         <p:sp>
           <p:nvSpPr>
-            <p:cNvPr id="113" name="Equation"/>
+            <p:cNvPr id="117" name="Equation"/>
             <p:cNvSpPr txBox="1"/>
             <p:nvPr/>
           </p:nvSpPr>
@@ -15302,7 +16243,7 @@
         </p:sp>
         <p:sp>
           <p:nvSpPr>
-            <p:cNvPr id="114" name="(path using just 1,…,k-1)"/>
+            <p:cNvPr id="118" name="(path using just 1,…,k-1)"/>
             <p:cNvSpPr txBox="1"/>
             <p:nvPr/>
           </p:nvSpPr>
@@ -15382,7 +16323,7 @@
       </p:grpSp>
       <p:sp>
         <p:nvSpPr>
-          <p:cNvPr id="116" name="or"/>
+          <p:cNvPr id="120" name="or"/>
           <p:cNvSpPr txBox="1"/>
           <p:nvPr/>
         </p:nvSpPr>
@@ -15431,7 +16372,7 @@
       </p:sp>
       <p:grpSp>
         <p:nvGrpSpPr>
-          <p:cNvPr id="122" name="Group"/>
+          <p:cNvPr id="126" name="Group"/>
           <p:cNvGrpSpPr/>
           <p:nvPr/>
         </p:nvGrpSpPr>
@@ -15445,7 +16386,7 @@
         </p:grpSpPr>
         <p:sp>
           <p:nvSpPr>
-            <p:cNvPr id="117" name="(path from i to k and from k to j, using just 1,…,k-1)"/>
+            <p:cNvPr id="121" name="(path from i to k and from k to j, using just 1,…,k-1)"/>
             <p:cNvSpPr txBox="1"/>
             <p:nvPr/>
           </p:nvSpPr>
@@ -15563,7 +16504,7 @@
         </p:sp>
         <p:grpSp>
           <p:nvGrpSpPr>
-            <p:cNvPr id="121" name="Group"/>
+            <p:cNvPr id="125" name="Group"/>
             <p:cNvGrpSpPr/>
             <p:nvPr/>
           </p:nvGrpSpPr>
@@ -15577,7 +16518,7 @@
           </p:grpSpPr>
           <p:sp>
             <p:nvSpPr>
-              <p:cNvPr id="118" name="Equation"/>
+              <p:cNvPr id="122" name="Equation"/>
               <p:cNvSpPr txBox="1"/>
               <p:nvPr/>
             </p:nvSpPr>
@@ -15727,7 +16668,7 @@
           </p:sp>
           <p:sp>
             <p:nvSpPr>
-              <p:cNvPr id="119" name="Equation"/>
+              <p:cNvPr id="123" name="Equation"/>
               <p:cNvSpPr txBox="1"/>
               <p:nvPr/>
             </p:nvSpPr>
@@ -15877,7 +16818,7 @@
           </p:sp>
           <p:sp>
             <p:nvSpPr>
-              <p:cNvPr id="120" name="and"/>
+              <p:cNvPr id="124" name="and"/>
               <p:cNvSpPr txBox="1"/>
               <p:nvPr/>
             </p:nvSpPr>
@@ -15931,7 +16872,7 @@
       </p:grpSp>
       <p:sp>
         <p:nvSpPr>
-          <p:cNvPr id="123" name="{"/>
+          <p:cNvPr id="127" name="{"/>
           <p:cNvSpPr txBox="1"/>
           <p:nvPr/>
         </p:nvSpPr>
@@ -15976,27 +16917,27 @@
       </p:sp>
       <p:grpSp>
         <p:nvGrpSpPr>
-          <p:cNvPr id="136" name="Group"/>
+          <p:cNvPr id="135" name="Group"/>
           <p:cNvGrpSpPr/>
           <p:nvPr/>
         </p:nvGrpSpPr>
         <p:grpSpPr>
           <a:xfrm>
-            <a:off x="3822493" y="4964722"/>
-            <a:ext cx="2743201" cy="2209802"/>
+            <a:off x="3822493" y="5421922"/>
+            <a:ext cx="2209801" cy="1752602"/>
             <a:chOff x="0" y="0"/>
-            <a:chExt cx="2743200" cy="2209800"/>
+            <a:chExt cx="2209800" cy="1752600"/>
           </a:xfrm>
         </p:grpSpPr>
         <p:grpSp>
           <p:nvGrpSpPr>
-            <p:cNvPr id="126" name="Group"/>
+            <p:cNvPr id="130" name="Group"/>
             <p:cNvGrpSpPr/>
             <p:nvPr/>
           </p:nvGrpSpPr>
           <p:grpSpPr>
             <a:xfrm>
-              <a:off x="0" y="457200"/>
+              <a:off x="0" y="0"/>
               <a:ext cx="381000" cy="381000"/>
               <a:chOff x="0" y="0"/>
               <a:chExt cx="381000" cy="381000"/>
@@ -16004,7 +16945,7 @@
           </p:grpSpPr>
           <p:sp>
             <p:nvSpPr>
-              <p:cNvPr id="124" name="Circle"/>
+              <p:cNvPr id="128" name="Circle"/>
               <p:cNvSpPr/>
               <p:nvPr/>
             </p:nvSpPr>
@@ -16047,7 +16988,7 @@
           </p:sp>
           <p:sp>
             <p:nvSpPr>
-              <p:cNvPr id="125" name="i"/>
+              <p:cNvPr id="129" name="i"/>
               <p:cNvSpPr txBox="1"/>
               <p:nvPr/>
             </p:nvSpPr>
@@ -16096,13 +17037,13 @@
         </p:grpSp>
         <p:grpSp>
           <p:nvGrpSpPr>
-            <p:cNvPr id="129" name="Group"/>
+            <p:cNvPr id="133" name="Group"/>
             <p:cNvGrpSpPr/>
             <p:nvPr/>
           </p:nvGrpSpPr>
           <p:grpSpPr>
             <a:xfrm>
-              <a:off x="1828800" y="1828800"/>
+              <a:off x="1828800" y="1371600"/>
               <a:ext cx="381000" cy="381001"/>
               <a:chOff x="0" y="0"/>
               <a:chExt cx="381000" cy="381000"/>
@@ -16110,7 +17051,7 @@
           </p:grpSpPr>
           <p:sp>
             <p:nvSpPr>
-              <p:cNvPr id="127" name="Circle"/>
+              <p:cNvPr id="131" name="Circle"/>
               <p:cNvSpPr/>
               <p:nvPr/>
             </p:nvSpPr>
@@ -16153,7 +17094,7 @@
           </p:sp>
           <p:sp>
             <p:nvSpPr>
-              <p:cNvPr id="128" name="j"/>
+              <p:cNvPr id="132" name="j"/>
               <p:cNvSpPr txBox="1"/>
               <p:nvPr/>
             </p:nvSpPr>
@@ -16200,121 +17141,15 @@
             </p:txBody>
           </p:sp>
         </p:grpSp>
-        <p:grpSp>
-          <p:nvGrpSpPr>
-            <p:cNvPr id="132" name="Group"/>
-            <p:cNvGrpSpPr/>
-            <p:nvPr/>
-          </p:nvGrpSpPr>
-          <p:grpSpPr>
-            <a:xfrm>
-              <a:off x="2362200" y="0"/>
-              <a:ext cx="381000" cy="381000"/>
-              <a:chOff x="0" y="0"/>
-              <a:chExt cx="381000" cy="381000"/>
-            </a:xfrm>
-          </p:grpSpPr>
-          <p:sp>
-            <p:nvSpPr>
-              <p:cNvPr id="130" name="Circle"/>
-              <p:cNvSpPr/>
-              <p:nvPr/>
-            </p:nvSpPr>
-            <p:spPr>
-              <a:xfrm>
-                <a:off x="0" y="0"/>
-                <a:ext cx="381000" cy="381000"/>
-              </a:xfrm>
-              <a:prstGeom prst="ellipse">
-                <a:avLst/>
-              </a:prstGeom>
-              <a:solidFill>
-                <a:srgbClr val="99FFCC"/>
-              </a:solidFill>
-              <a:ln w="9525" cap="flat">
-                <a:solidFill>
-                  <a:srgbClr val="FFFFFF"/>
-                </a:solidFill>
-                <a:prstDash val="solid"/>
-                <a:round/>
-              </a:ln>
-              <a:effectLst/>
-            </p:spPr>
-            <p:txBody>
-              <a:bodyPr wrap="square" lIns="45719" tIns="45719" rIns="45719" bIns="45719" numCol="1" anchor="ctr">
-                <a:noAutofit/>
-              </a:bodyPr>
-              <a:lstStyle/>
-              <a:p>
-                <a:pPr marL="0" marR="0">
-                  <a:defRPr i="1" sz="1800">
-                    <a:solidFill>
-                      <a:srgbClr val="001932"/>
-                    </a:solidFill>
-                    <a:uFillTx/>
-                  </a:defRPr>
-                </a:pPr>
-              </a:p>
-            </p:txBody>
-          </p:sp>
-          <p:sp>
-            <p:nvSpPr>
-              <p:cNvPr id="131" name="k"/>
-              <p:cNvSpPr txBox="1"/>
-              <p:nvPr/>
-            </p:nvSpPr>
-            <p:spPr>
-              <a:xfrm>
-                <a:off x="55791" y="16285"/>
-                <a:ext cx="205605" cy="348430"/>
-              </a:xfrm>
-              <a:prstGeom prst="rect">
-                <a:avLst/>
-              </a:prstGeom>
-              <a:noFill/>
-              <a:ln w="12700" cap="flat">
-                <a:noFill/>
-                <a:miter lim="400000"/>
-              </a:ln>
-              <a:effectLst/>
-              <a:extLst>
-                <a:ext uri="{C572A759-6A51-4108-AA02-DFA0A04FC94B}">
-                  <ma14:wrappingTextBoxFlag xmlns:ma14="http://schemas.microsoft.com/office/mac/drawingml/2011/main" val="1"/>
-                </a:ext>
-              </a:extLst>
-            </p:spPr>
-            <p:txBody>
-              <a:bodyPr wrap="none" lIns="45719" tIns="45719" rIns="45719" bIns="45719" numCol="1" anchor="ctr">
-                <a:spAutoFit/>
-              </a:bodyPr>
-              <a:lstStyle>
-                <a:lvl1pPr marL="0" marR="0">
-                  <a:defRPr i="1" sz="1800">
-                    <a:solidFill>
-                      <a:srgbClr val="001932"/>
-                    </a:solidFill>
-                    <a:uFillTx/>
-                  </a:defRPr>
-                </a:lvl1pPr>
-              </a:lstStyle>
-              <a:p>
-                <a:pPr/>
-                <a:r>
-                  <a:t>k</a:t>
-                </a:r>
-              </a:p>
-            </p:txBody>
-          </p:sp>
-        </p:grpSp>
         <p:sp>
           <p:nvSpPr>
-            <p:cNvPr id="137" name="Connection Line"/>
+            <p:cNvPr id="142" name="Connection Line"/>
             <p:cNvSpPr/>
             <p:nvPr/>
           </p:nvSpPr>
           <p:spPr>
             <a:xfrm>
-              <a:off x="346756" y="764892"/>
+              <a:off x="346756" y="307692"/>
               <a:ext cx="1516288" cy="1137216"/>
             </a:xfrm>
             <a:custGeom>
@@ -16366,16 +17201,137 @@
             </a:p>
           </p:txBody>
         </p:sp>
+      </p:grpSp>
+      <p:grpSp>
+        <p:nvGrpSpPr>
+          <p:cNvPr id="140" name="Group"/>
+          <p:cNvGrpSpPr/>
+          <p:nvPr/>
+        </p:nvGrpSpPr>
+        <p:grpSpPr>
+          <a:xfrm>
+            <a:off x="4012993" y="4964722"/>
+            <a:ext cx="2552701" cy="647701"/>
+            <a:chOff x="0" y="0"/>
+            <a:chExt cx="2552700" cy="647700"/>
+          </a:xfrm>
+        </p:grpSpPr>
+        <p:grpSp>
+          <p:nvGrpSpPr>
+            <p:cNvPr id="138" name="Group"/>
+            <p:cNvGrpSpPr/>
+            <p:nvPr/>
+          </p:nvGrpSpPr>
+          <p:grpSpPr>
+            <a:xfrm>
+              <a:off x="2171700" y="0"/>
+              <a:ext cx="381000" cy="381000"/>
+              <a:chOff x="0" y="0"/>
+              <a:chExt cx="381000" cy="381000"/>
+            </a:xfrm>
+          </p:grpSpPr>
+          <p:sp>
+            <p:nvSpPr>
+              <p:cNvPr id="136" name="Circle"/>
+              <p:cNvSpPr/>
+              <p:nvPr/>
+            </p:nvSpPr>
+            <p:spPr>
+              <a:xfrm>
+                <a:off x="0" y="0"/>
+                <a:ext cx="381000" cy="381000"/>
+              </a:xfrm>
+              <a:prstGeom prst="ellipse">
+                <a:avLst/>
+              </a:prstGeom>
+              <a:solidFill>
+                <a:srgbClr val="99FFCC"/>
+              </a:solidFill>
+              <a:ln w="9525" cap="flat">
+                <a:solidFill>
+                  <a:srgbClr val="FFFFFF"/>
+                </a:solidFill>
+                <a:prstDash val="solid"/>
+                <a:round/>
+              </a:ln>
+              <a:effectLst/>
+            </p:spPr>
+            <p:txBody>
+              <a:bodyPr wrap="square" lIns="45719" tIns="45719" rIns="45719" bIns="45719" numCol="1" anchor="ctr">
+                <a:noAutofit/>
+              </a:bodyPr>
+              <a:lstStyle/>
+              <a:p>
+                <a:pPr marL="0" marR="0">
+                  <a:defRPr i="1" sz="1800">
+                    <a:solidFill>
+                      <a:srgbClr val="001932"/>
+                    </a:solidFill>
+                    <a:uFillTx/>
+                  </a:defRPr>
+                </a:pPr>
+              </a:p>
+            </p:txBody>
+          </p:sp>
+          <p:sp>
+            <p:nvSpPr>
+              <p:cNvPr id="137" name="k"/>
+              <p:cNvSpPr txBox="1"/>
+              <p:nvPr/>
+            </p:nvSpPr>
+            <p:spPr>
+              <a:xfrm>
+                <a:off x="55791" y="16285"/>
+                <a:ext cx="205605" cy="348430"/>
+              </a:xfrm>
+              <a:prstGeom prst="rect">
+                <a:avLst/>
+              </a:prstGeom>
+              <a:noFill/>
+              <a:ln w="12700" cap="flat">
+                <a:noFill/>
+                <a:miter lim="400000"/>
+              </a:ln>
+              <a:effectLst/>
+              <a:extLst>
+                <a:ext uri="{C572A759-6A51-4108-AA02-DFA0A04FC94B}">
+                  <ma14:wrappingTextBoxFlag xmlns:ma14="http://schemas.microsoft.com/office/mac/drawingml/2011/main" val="1"/>
+                </a:ext>
+              </a:extLst>
+            </p:spPr>
+            <p:txBody>
+              <a:bodyPr wrap="none" lIns="45719" tIns="45719" rIns="45719" bIns="45719" numCol="1" anchor="ctr">
+                <a:spAutoFit/>
+              </a:bodyPr>
+              <a:lstStyle>
+                <a:lvl1pPr marL="0" marR="0">
+                  <a:defRPr i="1" sz="1800">
+                    <a:solidFill>
+                      <a:srgbClr val="001932"/>
+                    </a:solidFill>
+                    <a:uFillTx/>
+                  </a:defRPr>
+                </a:lvl1pPr>
+              </a:lstStyle>
+              <a:p>
+                <a:pPr/>
+                <a:r>
+                  <a:t>k</a:t>
+                </a:r>
+              </a:p>
+            </p:txBody>
+          </p:sp>
+        </p:grpSp>
         <p:sp>
           <p:nvSpPr>
-            <p:cNvPr id="138" name="Connection Line"/>
+            <p:cNvPr id="143" name="Connection Line"/>
             <p:cNvSpPr/>
             <p:nvPr/>
           </p:nvSpPr>
           <p:spPr>
             <a:xfrm>
-              <a:off x="382223" y="227607"/>
-              <a:ext cx="1978754" cy="382986"/>
+              <a:off x="0" y="227607"/>
+              <a:ext cx="2170477" cy="420094"/>
             </a:xfrm>
             <a:custGeom>
               <a:avLst/>
@@ -16426,83 +17382,78 @@
             </a:p>
           </p:txBody>
         </p:sp>
-        <p:sp>
-          <p:nvSpPr>
-            <p:cNvPr id="135" name="Line"/>
-            <p:cNvSpPr/>
-            <p:nvPr/>
-          </p:nvSpPr>
-          <p:spPr>
-            <a:xfrm rot="5400000">
-              <a:off x="1600200" y="838200"/>
-              <a:ext cx="1447800" cy="533400"/>
-            </a:xfrm>
-            <a:custGeom>
-              <a:avLst/>
-              <a:gdLst/>
-              <a:ahLst/>
-              <a:cxnLst>
-                <a:cxn ang="0">
-                  <a:pos x="wd2" y="hd2"/>
-                </a:cxn>
-                <a:cxn ang="5400000">
-                  <a:pos x="wd2" y="hd2"/>
-                </a:cxn>
-                <a:cxn ang="10800000">
-                  <a:pos x="wd2" y="hd2"/>
-                </a:cxn>
-                <a:cxn ang="16200000">
-                  <a:pos x="wd2" y="hd2"/>
-                </a:cxn>
-              </a:cxnLst>
-              <a:rect l="0" t="0" r="r" b="b"/>
-              <a:pathLst>
-                <a:path w="21600" h="21600" fill="norm" stroke="1" extrusionOk="0">
-                  <a:moveTo>
-                    <a:pt x="0" y="0"/>
-                  </a:moveTo>
-                  <a:cubicBezTo>
-                    <a:pt x="5400" y="0"/>
-                    <a:pt x="10800" y="5400"/>
-                    <a:pt x="10800" y="10800"/>
-                  </a:cubicBezTo>
-                  <a:cubicBezTo>
-                    <a:pt x="10800" y="16200"/>
-                    <a:pt x="16200" y="21600"/>
-                    <a:pt x="21600" y="21600"/>
-                  </a:cubicBezTo>
-                </a:path>
-              </a:pathLst>
-            </a:custGeom>
-            <a:noFill/>
-            <a:ln w="28575" cap="flat">
-              <a:solidFill>
-                <a:srgbClr val="000000"/>
-              </a:solidFill>
-              <a:prstDash val="sysDot"/>
-              <a:round/>
-              <a:tailEnd type="triangle" w="med" len="med"/>
-            </a:ln>
-            <a:effectLst/>
-          </p:spPr>
-          <p:txBody>
-            <a:bodyPr wrap="square" lIns="45719" tIns="45719" rIns="45719" bIns="45719" numCol="1" anchor="ctr">
-              <a:noAutofit/>
-            </a:bodyPr>
-            <a:lstStyle/>
-            <a:p>
-              <a:pPr marL="0" marR="0" algn="ctr">
-                <a:defRPr sz="2400">
-                  <a:solidFill>
-                    <a:srgbClr val="2181B7"/>
-                  </a:solidFill>
-                  <a:uFillTx/>
-                </a:defRPr>
-              </a:pPr>
-            </a:p>
-          </p:txBody>
-        </p:sp>
       </p:grpSp>
+      <p:sp>
+        <p:nvSpPr>
+          <p:cNvPr id="141" name="Line"/>
+          <p:cNvSpPr/>
+          <p:nvPr/>
+        </p:nvSpPr>
+        <p:spPr>
+          <a:xfrm rot="5400000">
+            <a:off x="5422693" y="5802922"/>
+            <a:ext cx="1447801" cy="533401"/>
+          </a:xfrm>
+          <a:custGeom>
+            <a:avLst/>
+            <a:gdLst/>
+            <a:ahLst/>
+            <a:cxnLst>
+              <a:cxn ang="0">
+                <a:pos x="wd2" y="hd2"/>
+              </a:cxn>
+              <a:cxn ang="5400000">
+                <a:pos x="wd2" y="hd2"/>
+              </a:cxn>
+              <a:cxn ang="10800000">
+                <a:pos x="wd2" y="hd2"/>
+              </a:cxn>
+              <a:cxn ang="16200000">
+                <a:pos x="wd2" y="hd2"/>
+              </a:cxn>
+            </a:cxnLst>
+            <a:rect l="0" t="0" r="r" b="b"/>
+            <a:pathLst>
+              <a:path w="21600" h="21600" fill="norm" stroke="1" extrusionOk="0">
+                <a:moveTo>
+                  <a:pt x="0" y="0"/>
+                </a:moveTo>
+                <a:cubicBezTo>
+                  <a:pt x="5400" y="0"/>
+                  <a:pt x="10800" y="5400"/>
+                  <a:pt x="10800" y="10800"/>
+                </a:cubicBezTo>
+                <a:cubicBezTo>
+                  <a:pt x="10800" y="16200"/>
+                  <a:pt x="16200" y="21600"/>
+                  <a:pt x="21600" y="21600"/>
+                </a:cubicBezTo>
+              </a:path>
+            </a:pathLst>
+          </a:custGeom>
+          <a:ln w="28575">
+            <a:solidFill>
+              <a:srgbClr val="000000"/>
+            </a:solidFill>
+            <a:prstDash val="sysDot"/>
+            <a:tailEnd type="triangle"/>
+          </a:ln>
+        </p:spPr>
+        <p:txBody>
+          <a:bodyPr lIns="45719" rIns="45719" anchor="ctr"/>
+          <a:lstStyle/>
+          <a:p>
+            <a:pPr marL="0" marR="0" algn="ctr">
+              <a:defRPr sz="2400">
+                <a:solidFill>
+                  <a:srgbClr val="2181B7"/>
+                </a:solidFill>
+                <a:uFillTx/>
+              </a:defRPr>
+            </a:pPr>
+          </a:p>
+        </p:txBody>
+      </p:sp>
     </p:spTree>
   </p:cSld>
   <p:clrMapOvr>
@@ -16542,7 +17493,7 @@
                                       <p:cBhvr>
                                         <p:cTn id="6" fill="hold"/>
                                         <p:tgtEl>
-                                          <p:spTgt spid="108">
+                                          <p:spTgt spid="112">
                                             <p:bg/>
                                           </p:spTgt>
                                         </p:tgtEl>
@@ -16570,7 +17521,7 @@
                                       <p:cBhvr>
                                         <p:cTn id="8" fill="hold"/>
                                         <p:tgtEl>
-                                          <p:spTgt spid="108">
+                                          <p:spTgt spid="112">
                                             <p:txEl>
                                               <p:pRg st="0" end="0"/>
                                             </p:txEl>
@@ -16618,7 +17569,7 @@
                                       <p:cBhvr>
                                         <p:cTn id="12" fill="hold"/>
                                         <p:tgtEl>
-                                          <p:spTgt spid="108">
+                                          <p:spTgt spid="112">
                                             <p:txEl>
                                               <p:pRg st="1" end="1"/>
                                             </p:txEl>
@@ -16666,7 +17617,7 @@
                                       <p:cBhvr>
                                         <p:cTn id="16" fill="hold"/>
                                         <p:tgtEl>
-                                          <p:spTgt spid="108">
+                                          <p:spTgt spid="112">
                                             <p:txEl>
                                               <p:pRg st="2" end="2"/>
                                             </p:txEl>
@@ -16714,7 +17665,7 @@
                                       <p:cBhvr>
                                         <p:cTn id="20" fill="hold"/>
                                         <p:tgtEl>
-                                          <p:spTgt spid="108">
+                                          <p:spTgt spid="112">
                                             <p:txEl>
                                               <p:pRg st="3" end="3"/>
                                             </p:txEl>
@@ -16762,7 +17713,7 @@
                                       <p:cBhvr>
                                         <p:cTn id="24" fill="hold"/>
                                         <p:tgtEl>
-                                          <p:spTgt spid="136"/>
+                                          <p:spTgt spid="116"/>
                                         </p:tgtEl>
                                         <p:attrNameLst>
                                           <p:attrName>style.visibility</p:attrName>
@@ -16806,7 +17757,7 @@
                                       <p:cBhvr>
                                         <p:cTn id="28" fill="hold"/>
                                         <p:tgtEl>
-                                          <p:spTgt spid="112"/>
+                                          <p:spTgt spid="127"/>
                                         </p:tgtEl>
                                         <p:attrNameLst>
                                           <p:attrName>style.visibility</p:attrName>
@@ -16850,7 +17801,7 @@
                                       <p:cBhvr>
                                         <p:cTn id="32" fill="hold"/>
                                         <p:tgtEl>
-                                          <p:spTgt spid="123"/>
+                                          <p:spTgt spid="119"/>
                                         </p:tgtEl>
                                         <p:attrNameLst>
                                           <p:attrName>style.visibility</p:attrName>
@@ -16894,7 +17845,7 @@
                                       <p:cBhvr>
                                         <p:cTn id="36" fill="hold"/>
                                         <p:tgtEl>
-                                          <p:spTgt spid="115"/>
+                                          <p:spTgt spid="135"/>
                                         </p:tgtEl>
                                         <p:attrNameLst>
                                           <p:attrName>style.visibility</p:attrName>
@@ -16938,7 +17889,7 @@
                                       <p:cBhvr>
                                         <p:cTn id="40" fill="hold"/>
                                         <p:tgtEl>
-                                          <p:spTgt spid="116"/>
+                                          <p:spTgt spid="120"/>
                                         </p:tgtEl>
                                         <p:attrNameLst>
                                           <p:attrName>style.visibility</p:attrName>
@@ -16982,7 +17933,95 @@
                                       <p:cBhvr>
                                         <p:cTn id="44" fill="hold"/>
                                         <p:tgtEl>
-                                          <p:spTgt spid="122"/>
+                                          <p:spTgt spid="126"/>
+                                        </p:tgtEl>
+                                        <p:attrNameLst>
+                                          <p:attrName>style.visibility</p:attrName>
+                                        </p:attrNameLst>
+                                      </p:cBhvr>
+                                      <p:to>
+                                        <p:strVal val="visible"/>
+                                      </p:to>
+                                    </p:set>
+                                  </p:childTnLst>
+                                </p:cTn>
+                              </p:par>
+                            </p:childTnLst>
+                          </p:cTn>
+                        </p:par>
+                      </p:childTnLst>
+                    </p:cTn>
+                  </p:par>
+                  <p:par>
+                    <p:cTn id="45" fill="hold">
+                      <p:stCondLst>
+                        <p:cond delay="indefinite"/>
+                      </p:stCondLst>
+                      <p:childTnLst>
+                        <p:par>
+                          <p:cTn id="46" fill="hold">
+                            <p:stCondLst>
+                              <p:cond delay="0"/>
+                            </p:stCondLst>
+                            <p:childTnLst>
+                              <p:par>
+                                <p:cTn id="47" presetClass="entr" nodeType="clickEffect" presetSubtype="0" presetID="1" grpId="8" fill="hold">
+                                  <p:stCondLst>
+                                    <p:cond delay="0"/>
+                                  </p:stCondLst>
+                                  <p:iterate type="el" backwards="0">
+                                    <p:tmAbs val="0"/>
+                                  </p:iterate>
+                                  <p:childTnLst>
+                                    <p:set>
+                                      <p:cBhvr>
+                                        <p:cTn id="48" fill="hold"/>
+                                        <p:tgtEl>
+                                          <p:spTgt spid="140"/>
+                                        </p:tgtEl>
+                                        <p:attrNameLst>
+                                          <p:attrName>style.visibility</p:attrName>
+                                        </p:attrNameLst>
+                                      </p:cBhvr>
+                                      <p:to>
+                                        <p:strVal val="visible"/>
+                                      </p:to>
+                                    </p:set>
+                                  </p:childTnLst>
+                                </p:cTn>
+                              </p:par>
+                            </p:childTnLst>
+                          </p:cTn>
+                        </p:par>
+                      </p:childTnLst>
+                    </p:cTn>
+                  </p:par>
+                  <p:par>
+                    <p:cTn id="49" fill="hold">
+                      <p:stCondLst>
+                        <p:cond delay="indefinite"/>
+                      </p:stCondLst>
+                      <p:childTnLst>
+                        <p:par>
+                          <p:cTn id="50" fill="hold">
+                            <p:stCondLst>
+                              <p:cond delay="0"/>
+                            </p:stCondLst>
+                            <p:childTnLst>
+                              <p:par>
+                                <p:cTn id="51" presetClass="entr" nodeType="clickEffect" presetSubtype="0" presetID="1" grpId="9" fill="hold">
+                                  <p:stCondLst>
+                                    <p:cond delay="0"/>
+                                  </p:stCondLst>
+                                  <p:iterate type="el" backwards="0">
+                                    <p:tmAbs val="0"/>
+                                  </p:iterate>
+                                  <p:childTnLst>
+                                    <p:set>
+                                      <p:cBhvr>
+                                        <p:cTn id="52" fill="hold"/>
+                                        <p:tgtEl>
+                                          <p:spTgt spid="141"/>
                                         </p:tgtEl>
                                         <p:attrNameLst>
                                           <p:attrName>style.visibility</p:attrName>
@@ -17023,13 +18062,15 @@
       </p:par>
     </p:tnLst>
     <p:bldLst>
-      <p:bldP build="whole" bldLvl="1" animBg="1" rev="0" advAuto="0" spid="123" grpId="4"/>
-      <p:bldP build="whole" bldLvl="1" animBg="1" rev="0" advAuto="0" spid="112" grpId="3"/>
-      <p:bldP build="p" bldLvl="5" animBg="1" rev="0" advAuto="0" spid="108" grpId="1"/>
-      <p:bldP build="whole" bldLvl="1" animBg="1" rev="0" advAuto="0" spid="136" grpId="2"/>
-      <p:bldP build="whole" bldLvl="1" animBg="1" rev="0" advAuto="0" spid="116" grpId="6"/>
-      <p:bldP build="whole" bldLvl="1" animBg="1" rev="0" advAuto="0" spid="122" grpId="7"/>
-      <p:bldP build="whole" bldLvl="1" animBg="1" rev="0" advAuto="0" spid="115" grpId="5"/>
+      <p:bldP build="whole" bldLvl="1" animBg="1" rev="0" advAuto="0" spid="116" grpId="2"/>
+      <p:bldP build="whole" bldLvl="1" animBg="1" rev="0" advAuto="0" spid="126" grpId="7"/>
+      <p:bldP build="p" bldLvl="5" animBg="1" rev="0" advAuto="0" spid="112" grpId="1"/>
+      <p:bldP build="whole" bldLvl="1" animBg="1" rev="0" advAuto="0" spid="120" grpId="6"/>
+      <p:bldP build="whole" bldLvl="1" animBg="1" rev="0" advAuto="0" spid="119" grpId="4"/>
+      <p:bldP build="whole" bldLvl="1" animBg="1" rev="0" advAuto="0" spid="135" grpId="5"/>
+      <p:bldP build="whole" bldLvl="1" animBg="1" rev="0" advAuto="0" spid="127" grpId="3"/>
+      <p:bldP build="whole" bldLvl="1" animBg="1" rev="0" advAuto="0" spid="140" grpId="8"/>
+      <p:bldP build="whole" bldLvl="1" animBg="1" rev="0" advAuto="0" spid="141" grpId="9"/>
     </p:bldLst>
   </p:timing>
 </p:sld>
@@ -17054,7 +18095,7 @@
       </p:grpSpPr>
       <p:sp>
         <p:nvSpPr>
-          <p:cNvPr id="140" name="Warshall’s algo: Matrix Generation"/>
+          <p:cNvPr id="145" name="Warshall’s algo: Matrix Generation"/>
           <p:cNvSpPr txBox="1"/>
           <p:nvPr>
             <p:ph type="title"/>
@@ -17082,7 +18123,7 @@
       </p:sp>
       <p:sp>
         <p:nvSpPr>
-          <p:cNvPr id="141" name="Recurrence relating elements R(k) to elements of R(k-1) is:…"/>
+          <p:cNvPr id="146" name="Recurrence relating elements R(k) to elements of R(k-1) is:…"/>
           <p:cNvSpPr txBox="1"/>
           <p:nvPr>
             <p:ph type="body" idx="1"/>
@@ -17432,14 +18473,28 @@
               <a:t>  If an element in row </a:t>
             </a:r>
             <a:r>
+              <a:rPr i="1">
+                <a:latin typeface="Courier New"/>
+                <a:ea typeface="Courier New"/>
+                <a:cs typeface="Courier New"/>
+                <a:sym typeface="Courier New"/>
+              </a:rPr>
+              <a:t>i</a:t>
+            </a:r>
+            <a:r>
               <a:rPr i="1"/>
-              <a:t>i </a:t>
+              <a:t> </a:t>
             </a:r>
             <a:r>
               <a:t>and column </a:t>
             </a:r>
             <a:r>
-              <a:rPr i="1"/>
+              <a:rPr i="1">
+                <a:latin typeface="Courier New"/>
+                <a:ea typeface="Courier New"/>
+                <a:cs typeface="Courier New"/>
+                <a:sym typeface="Courier New"/>
+              </a:rPr>
               <a:t>j</a:t>
             </a:r>
             <a:r>
@@ -17548,11 +18603,29 @@
               <a:t>If an element in row </a:t>
             </a:r>
             <a:r>
+              <a:rPr i="1">
+                <a:latin typeface="Courier New"/>
+                <a:ea typeface="Courier New"/>
+                <a:cs typeface="Courier New"/>
+                <a:sym typeface="Courier New"/>
+              </a:rPr>
+              <a:t>i</a:t>
+            </a:r>
+            <a:r>
               <a:rPr i="1"/>
-              <a:t>i </a:t>
-            </a:r>
-            <a:r>
-              <a:t>and column </a:t>
+              <a:t> </a:t>
+            </a:r>
+            <a:r>
+              <a:t>and column</a:t>
+            </a:r>
+            <a:r>
+              <a:rPr>
+                <a:latin typeface="Courier New"/>
+                <a:ea typeface="Courier New"/>
+                <a:cs typeface="Courier New"/>
+                <a:sym typeface="Courier New"/>
+              </a:rPr>
+              <a:t> </a:t>
             </a:r>
             <a:r>
               <a:rPr i="1"/>
@@ -17647,35 +18720,63 @@
               <a:t> iff the element in its row </a:t>
             </a:r>
             <a:r>
+              <a:rPr i="1">
+                <a:latin typeface="Courier New"/>
+                <a:ea typeface="Courier New"/>
+                <a:cs typeface="Courier New"/>
+                <a:sym typeface="Courier New"/>
+              </a:rPr>
+              <a:t>i</a:t>
+            </a:r>
+            <a:r>
+              <a:t> and column </a:t>
+            </a:r>
+            <a:r>
+              <a:rPr i="1">
+                <a:latin typeface="Courier New"/>
+                <a:ea typeface="Courier New"/>
+                <a:cs typeface="Courier New"/>
+                <a:sym typeface="Courier New"/>
+              </a:rPr>
+              <a:t>k</a:t>
+            </a:r>
+            <a:r>
+              <a:t> and the element </a:t>
+            </a:r>
+            <a:r>
+              <a:t>in its row </a:t>
+            </a:r>
+            <a:r>
+              <a:rPr i="1">
+                <a:latin typeface="Courier New"/>
+                <a:ea typeface="Courier New"/>
+                <a:cs typeface="Courier New"/>
+                <a:sym typeface="Courier New"/>
+              </a:rPr>
+              <a:t>k</a:t>
+            </a:r>
+            <a:r>
               <a:rPr i="1"/>
-              <a:t>i</a:t>
-            </a:r>
-            <a:r>
-              <a:t> and column </a:t>
+              <a:t> </a:t>
+            </a:r>
+            <a:r>
+              <a:t>and column </a:t>
+            </a:r>
+            <a:r>
+              <a:rPr i="1">
+                <a:latin typeface="Courier New"/>
+                <a:ea typeface="Courier New"/>
+                <a:cs typeface="Courier New"/>
+                <a:sym typeface="Courier New"/>
+              </a:rPr>
+              <a:t>j</a:t>
             </a:r>
             <a:r>
               <a:rPr i="1"/>
-              <a:t>k</a:t>
-            </a:r>
-            <a:r>
-              <a:t> and the element </a:t>
-            </a:r>
-            <a:r>
-              <a:t>in its column </a:t>
-            </a:r>
-            <a:r>
-              <a:rPr i="1"/>
-              <a:t>j</a:t>
-            </a:r>
-            <a:r>
-              <a:t> and row </a:t>
-            </a:r>
-            <a:r>
-              <a:rPr i="1"/>
-              <a:t>k</a:t>
-            </a:r>
-            <a:r>
-              <a:t> are both </a:t>
+              <a:t> </a:t>
+            </a:r>
+            <a:r>
+              <a:t>are both </a:t>
             </a:r>
             <a:r>
               <a:rPr>
@@ -17727,7 +18828,7 @@
       </p:sp>
       <p:sp>
         <p:nvSpPr>
-          <p:cNvPr id="142" name="Slide Number"/>
+          <p:cNvPr id="147" name="Slide Number"/>
           <p:cNvSpPr txBox="1"/>
           <p:nvPr>
             <p:ph type="sldNum" sz="quarter" idx="2"/>
@@ -17754,7 +18855,7 @@
       </p:sp>
       <p:sp>
         <p:nvSpPr>
-          <p:cNvPr id="143" name="DAA/Dynamic Programming"/>
+          <p:cNvPr id="148" name="DAA/Dynamic Programming"/>
           <p:cNvSpPr txBox="1"/>
           <p:nvPr/>
         </p:nvSpPr>
@@ -17794,7 +18895,7 @@
       </p:sp>
       <p:sp>
         <p:nvSpPr>
-          <p:cNvPr id="144" name="RPR/"/>
+          <p:cNvPr id="149" name="RPR/"/>
           <p:cNvSpPr txBox="1"/>
           <p:nvPr/>
         </p:nvSpPr>
@@ -17871,7 +18972,7 @@
                                       <p:cBhvr>
                                         <p:cTn id="6" fill="hold"/>
                                         <p:tgtEl>
-                                          <p:spTgt spid="141">
+                                          <p:spTgt spid="146">
                                             <p:bg/>
                                           </p:spTgt>
                                         </p:tgtEl>
@@ -17899,7 +19000,7 @@
                                       <p:cBhvr>
                                         <p:cTn id="8" fill="hold"/>
                                         <p:tgtEl>
-                                          <p:spTgt spid="141">
+                                          <p:spTgt spid="146">
                                             <p:txEl>
                                               <p:pRg st="0" end="0"/>
                                             </p:txEl>
@@ -17947,7 +19048,7 @@
                                       <p:cBhvr>
                                         <p:cTn id="12" fill="hold"/>
                                         <p:tgtEl>
-                                          <p:spTgt spid="141">
+                                          <p:spTgt spid="146">
                                             <p:txEl>
                                               <p:pRg st="1" end="1"/>
                                             </p:txEl>
@@ -17995,7 +19096,7 @@
                                       <p:cBhvr>
                                         <p:cTn id="16" fill="hold"/>
                                         <p:tgtEl>
-                                          <p:spTgt spid="141">
+                                          <p:spTgt spid="146">
                                             <p:txEl>
                                               <p:pRg st="2" end="2"/>
                                             </p:txEl>
@@ -18043,7 +19144,7 @@
                                       <p:cBhvr>
                                         <p:cTn id="20" fill="hold"/>
                                         <p:tgtEl>
-                                          <p:spTgt spid="141">
+                                          <p:spTgt spid="146">
                                             <p:txEl>
                                               <p:pRg st="3" end="3"/>
                                             </p:txEl>
@@ -18091,7 +19192,7 @@
                                       <p:cBhvr>
                                         <p:cTn id="24" fill="hold"/>
                                         <p:tgtEl>
-                                          <p:spTgt spid="141">
+                                          <p:spTgt spid="146">
                                             <p:txEl>
                                               <p:pRg st="4" end="4"/>
                                             </p:txEl>
@@ -18139,7 +19240,7 @@
                                       <p:cBhvr>
                                         <p:cTn id="28" fill="hold"/>
                                         <p:tgtEl>
-                                          <p:spTgt spid="141">
+                                          <p:spTgt spid="146">
                                             <p:txEl>
                                               <p:pRg st="5" end="5"/>
                                             </p:txEl>
@@ -18184,7 +19285,7 @@
       </p:par>
     </p:tnLst>
     <p:bldLst>
-      <p:bldP build="p" bldLvl="5" animBg="1" rev="0" advAuto="0" spid="141" grpId="1"/>
+      <p:bldP build="p" bldLvl="5" animBg="1" rev="0" advAuto="0" spid="146" grpId="1"/>
     </p:bldLst>
   </p:timing>
 </p:sld>
@@ -18209,7 +19310,7 @@
       </p:grpSpPr>
       <p:sp>
         <p:nvSpPr>
-          <p:cNvPr id="146" name="Warshall’s algo: Example"/>
+          <p:cNvPr id="151" name="Warshall’s algo: Example"/>
           <p:cNvSpPr txBox="1"/>
           <p:nvPr>
             <p:ph type="title"/>
@@ -18233,7 +19334,7 @@
       </p:sp>
       <p:sp>
         <p:nvSpPr>
-          <p:cNvPr id="147" name="Slide Number"/>
+          <p:cNvPr id="152" name="Slide Number"/>
           <p:cNvSpPr txBox="1"/>
           <p:nvPr>
             <p:ph type="sldNum" sz="quarter" idx="2"/>
@@ -18260,7 +19361,7 @@
       </p:sp>
       <p:sp>
         <p:nvSpPr>
-          <p:cNvPr id="148" name="DAA/Dynamic Programming"/>
+          <p:cNvPr id="153" name="DAA/Dynamic Programming"/>
           <p:cNvSpPr txBox="1"/>
           <p:nvPr/>
         </p:nvSpPr>
@@ -18300,7 +19401,7 @@
       </p:sp>
       <p:sp>
         <p:nvSpPr>
-          <p:cNvPr id="149" name="RPR/"/>
+          <p:cNvPr id="154" name="RPR/"/>
           <p:cNvSpPr txBox="1"/>
           <p:nvPr/>
         </p:nvSpPr>
@@ -18340,7 +19441,7 @@
       </p:sp>
       <p:sp>
         <p:nvSpPr>
-          <p:cNvPr id="150" name="0  0  1  0…"/>
+          <p:cNvPr id="155" name="0  0  1  0…"/>
           <p:cNvSpPr txBox="1"/>
           <p:nvPr/>
         </p:nvSpPr>
@@ -18422,7 +19523,7 @@
       </p:sp>
       <p:sp>
         <p:nvSpPr>
-          <p:cNvPr id="151" name="R(0)  ="/>
+          <p:cNvPr id="156" name="R(0)  ="/>
           <p:cNvSpPr txBox="1"/>
           <p:nvPr/>
         </p:nvSpPr>
@@ -18469,7 +19570,7 @@
       </p:sp>
       <p:sp>
         <p:nvSpPr>
-          <p:cNvPr id="152" name="Rectangle"/>
+          <p:cNvPr id="157" name="Rectangle"/>
           <p:cNvSpPr/>
           <p:nvPr/>
         </p:nvSpPr>
@@ -18504,7 +19605,7 @@
       </p:sp>
       <p:sp>
         <p:nvSpPr>
-          <p:cNvPr id="153" name="Rectangle"/>
+          <p:cNvPr id="158" name="Rectangle"/>
           <p:cNvSpPr/>
           <p:nvPr/>
         </p:nvSpPr>
@@ -18539,7 +19640,7 @@
       </p:sp>
       <p:sp>
         <p:nvSpPr>
-          <p:cNvPr id="154" name="0  0  1  0…"/>
+          <p:cNvPr id="159" name="0  0  1  0…"/>
           <p:cNvSpPr txBox="1"/>
           <p:nvPr/>
         </p:nvSpPr>
@@ -18628,7 +19729,7 @@
       </p:sp>
       <p:sp>
         <p:nvSpPr>
-          <p:cNvPr id="155" name="R(1)  ="/>
+          <p:cNvPr id="160" name="R(1)  ="/>
           <p:cNvSpPr txBox="1"/>
           <p:nvPr/>
         </p:nvSpPr>
@@ -18675,7 +19776,7 @@
       </p:sp>
       <p:grpSp>
         <p:nvGrpSpPr>
-          <p:cNvPr id="172" name="Group"/>
+          <p:cNvPr id="177" name="Group"/>
           <p:cNvGrpSpPr/>
           <p:nvPr/>
         </p:nvGrpSpPr>
@@ -18689,7 +19790,7 @@
         </p:grpSpPr>
         <p:grpSp>
           <p:nvGrpSpPr>
-            <p:cNvPr id="158" name="Group"/>
+            <p:cNvPr id="163" name="Group"/>
             <p:cNvGrpSpPr/>
             <p:nvPr/>
           </p:nvGrpSpPr>
@@ -18703,7 +19804,7 @@
           </p:grpSpPr>
           <p:sp>
             <p:nvSpPr>
-              <p:cNvPr id="156" name="Oval"/>
+              <p:cNvPr id="161" name="Oval"/>
               <p:cNvSpPr/>
               <p:nvPr/>
             </p:nvSpPr>
@@ -18746,7 +19847,7 @@
           </p:sp>
           <p:sp>
             <p:nvSpPr>
-              <p:cNvPr id="157" name="3"/>
+              <p:cNvPr id="162" name="3"/>
               <p:cNvSpPr txBox="1"/>
               <p:nvPr/>
             </p:nvSpPr>
@@ -18795,7 +19896,7 @@
         </p:grpSp>
         <p:grpSp>
           <p:nvGrpSpPr>
-            <p:cNvPr id="161" name="Group"/>
+            <p:cNvPr id="166" name="Group"/>
             <p:cNvGrpSpPr/>
             <p:nvPr/>
           </p:nvGrpSpPr>
@@ -18809,7 +19910,7 @@
           </p:grpSpPr>
           <p:sp>
             <p:nvSpPr>
-              <p:cNvPr id="159" name="Oval"/>
+              <p:cNvPr id="164" name="Oval"/>
               <p:cNvSpPr/>
               <p:nvPr/>
             </p:nvSpPr>
@@ -18852,7 +19953,7 @@
           </p:sp>
           <p:sp>
             <p:nvSpPr>
-              <p:cNvPr id="160" name="4"/>
+              <p:cNvPr id="165" name="4"/>
               <p:cNvSpPr txBox="1"/>
               <p:nvPr/>
             </p:nvSpPr>
@@ -18901,7 +20002,7 @@
         </p:grpSp>
         <p:grpSp>
           <p:nvGrpSpPr>
-            <p:cNvPr id="164" name="Group"/>
+            <p:cNvPr id="169" name="Group"/>
             <p:cNvGrpSpPr/>
             <p:nvPr/>
           </p:nvGrpSpPr>
@@ -18915,7 +20016,7 @@
           </p:grpSpPr>
           <p:sp>
             <p:nvSpPr>
-              <p:cNvPr id="162" name="Oval"/>
+              <p:cNvPr id="167" name="Oval"/>
               <p:cNvSpPr/>
               <p:nvPr/>
             </p:nvSpPr>
@@ -18958,7 +20059,7 @@
           </p:sp>
           <p:sp>
             <p:nvSpPr>
-              <p:cNvPr id="163" name="2"/>
+              <p:cNvPr id="168" name="2"/>
               <p:cNvSpPr txBox="1"/>
               <p:nvPr/>
             </p:nvSpPr>
@@ -19007,7 +20108,7 @@
         </p:grpSp>
         <p:grpSp>
           <p:nvGrpSpPr>
-            <p:cNvPr id="167" name="Group"/>
+            <p:cNvPr id="172" name="Group"/>
             <p:cNvGrpSpPr/>
             <p:nvPr/>
           </p:nvGrpSpPr>
@@ -19021,7 +20122,7 @@
           </p:grpSpPr>
           <p:sp>
             <p:nvSpPr>
-              <p:cNvPr id="165" name="Oval"/>
+              <p:cNvPr id="170" name="Oval"/>
               <p:cNvSpPr/>
               <p:nvPr/>
             </p:nvSpPr>
@@ -19064,7 +20165,7 @@
           </p:sp>
           <p:sp>
             <p:nvSpPr>
-              <p:cNvPr id="166" name="1"/>
+              <p:cNvPr id="171" name="1"/>
               <p:cNvSpPr txBox="1"/>
               <p:nvPr/>
             </p:nvSpPr>
@@ -19113,7 +20214,7 @@
         </p:grpSp>
         <p:sp>
           <p:nvSpPr>
-            <p:cNvPr id="168" name="Line"/>
+            <p:cNvPr id="173" name="Line"/>
             <p:cNvSpPr/>
             <p:nvPr/>
           </p:nvSpPr>
@@ -19155,7 +20256,7 @@
         </p:sp>
         <p:sp>
           <p:nvSpPr>
-            <p:cNvPr id="169" name="Line"/>
+            <p:cNvPr id="174" name="Line"/>
             <p:cNvSpPr/>
             <p:nvPr/>
           </p:nvSpPr>
@@ -19236,7 +20337,7 @@
         </p:sp>
         <p:sp>
           <p:nvSpPr>
-            <p:cNvPr id="170" name="Line"/>
+            <p:cNvPr id="175" name="Line"/>
             <p:cNvSpPr/>
             <p:nvPr/>
           </p:nvSpPr>
@@ -19312,7 +20413,7 @@
         </p:sp>
         <p:sp>
           <p:nvSpPr>
-            <p:cNvPr id="171" name="Line"/>
+            <p:cNvPr id="176" name="Line"/>
             <p:cNvSpPr/>
             <p:nvPr/>
           </p:nvSpPr>
@@ -19355,7 +20456,7 @@
       </p:grpSp>
       <p:grpSp>
         <p:nvGrpSpPr>
-          <p:cNvPr id="189" name="Group"/>
+          <p:cNvPr id="194" name="Group"/>
           <p:cNvGrpSpPr/>
           <p:nvPr/>
         </p:nvGrpSpPr>
@@ -19369,7 +20470,7 @@
         </p:grpSpPr>
         <p:grpSp>
           <p:nvGrpSpPr>
-            <p:cNvPr id="175" name="Group"/>
+            <p:cNvPr id="180" name="Group"/>
             <p:cNvGrpSpPr/>
             <p:nvPr/>
           </p:nvGrpSpPr>
@@ -19383,7 +20484,7 @@
           </p:grpSpPr>
           <p:sp>
             <p:nvSpPr>
-              <p:cNvPr id="173" name="Oval"/>
+              <p:cNvPr id="178" name="Oval"/>
               <p:cNvSpPr/>
               <p:nvPr/>
             </p:nvSpPr>
@@ -19426,7 +20527,7 @@
           </p:sp>
           <p:sp>
             <p:nvSpPr>
-              <p:cNvPr id="174" name="3"/>
+              <p:cNvPr id="179" name="3"/>
               <p:cNvSpPr txBox="1"/>
               <p:nvPr/>
             </p:nvSpPr>
@@ -19475,7 +20576,7 @@
         </p:grpSp>
         <p:grpSp>
           <p:nvGrpSpPr>
-            <p:cNvPr id="178" name="Group"/>
+            <p:cNvPr id="183" name="Group"/>
             <p:cNvGrpSpPr/>
             <p:nvPr/>
           </p:nvGrpSpPr>
@@ -19489,7 +20590,7 @@
           </p:grpSpPr>
           <p:sp>
             <p:nvSpPr>
-              <p:cNvPr id="176" name="Oval"/>
+              <p:cNvPr id="181" name="Oval"/>
               <p:cNvSpPr/>
               <p:nvPr/>
             </p:nvSpPr>
@@ -19532,7 +20633,7 @@
           </p:sp>
           <p:sp>
             <p:nvSpPr>
-              <p:cNvPr id="177" name="4"/>
+              <p:cNvPr id="182" name="4"/>
               <p:cNvSpPr txBox="1"/>
               <p:nvPr/>
             </p:nvSpPr>
@@ -19581,7 +20682,7 @@
         </p:grpSp>
         <p:grpSp>
           <p:nvGrpSpPr>
-            <p:cNvPr id="181" name="Group"/>
+            <p:cNvPr id="186" name="Group"/>
             <p:cNvGrpSpPr/>
             <p:nvPr/>
           </p:nvGrpSpPr>
@@ -19595,7 +20696,7 @@
           </p:grpSpPr>
           <p:sp>
             <p:nvSpPr>
-              <p:cNvPr id="179" name="Oval"/>
+              <p:cNvPr id="184" name="Oval"/>
               <p:cNvSpPr/>
               <p:nvPr/>
             </p:nvSpPr>
@@ -19638,7 +20739,7 @@
           </p:sp>
           <p:sp>
             <p:nvSpPr>
-              <p:cNvPr id="180" name="2"/>
+              <p:cNvPr id="185" name="2"/>
               <p:cNvSpPr txBox="1"/>
               <p:nvPr/>
             </p:nvSpPr>
@@ -19687,7 +20788,7 @@
         </p:grpSp>
         <p:grpSp>
           <p:nvGrpSpPr>
-            <p:cNvPr id="184" name="Group"/>
+            <p:cNvPr id="189" name="Group"/>
             <p:cNvGrpSpPr/>
             <p:nvPr/>
           </p:nvGrpSpPr>
@@ -19701,7 +20802,7 @@
           </p:grpSpPr>
           <p:sp>
             <p:nvSpPr>
-              <p:cNvPr id="182" name="Oval"/>
+              <p:cNvPr id="187" name="Oval"/>
               <p:cNvSpPr/>
               <p:nvPr/>
             </p:nvSpPr>
@@ -19744,7 +20845,7 @@
           </p:sp>
           <p:sp>
             <p:nvSpPr>
-              <p:cNvPr id="183" name="1"/>
+              <p:cNvPr id="188" name="1"/>
               <p:cNvSpPr txBox="1"/>
               <p:nvPr/>
             </p:nvSpPr>
@@ -19793,7 +20894,7 @@
         </p:grpSp>
         <p:sp>
           <p:nvSpPr>
-            <p:cNvPr id="185" name="Line"/>
+            <p:cNvPr id="190" name="Line"/>
             <p:cNvSpPr/>
             <p:nvPr/>
           </p:nvSpPr>
@@ -19835,7 +20936,7 @@
         </p:sp>
         <p:sp>
           <p:nvSpPr>
-            <p:cNvPr id="186" name="Line"/>
+            <p:cNvPr id="191" name="Line"/>
             <p:cNvSpPr/>
             <p:nvPr/>
           </p:nvSpPr>
@@ -19916,7 +21017,7 @@
         </p:sp>
         <p:sp>
           <p:nvSpPr>
-            <p:cNvPr id="187" name="Line"/>
+            <p:cNvPr id="192" name="Line"/>
             <p:cNvSpPr/>
             <p:nvPr/>
           </p:nvSpPr>
@@ -19992,7 +21093,7 @@
         </p:sp>
         <p:sp>
           <p:nvSpPr>
-            <p:cNvPr id="188" name="Line"/>
+            <p:cNvPr id="193" name="Line"/>
             <p:cNvSpPr/>
             <p:nvPr/>
           </p:nvSpPr>
@@ -20035,7 +21136,7 @@
       </p:grpSp>
       <p:sp>
         <p:nvSpPr>
-          <p:cNvPr id="190" name="Line"/>
+          <p:cNvPr id="195" name="Line"/>
           <p:cNvSpPr/>
           <p:nvPr/>
         </p:nvSpPr>
@@ -20064,7 +21165,7 @@
       </p:sp>
       <p:sp>
         <p:nvSpPr>
-          <p:cNvPr id="191" name="1"/>
+          <p:cNvPr id="196" name="1"/>
           <p:cNvSpPr txBox="1"/>
           <p:nvPr/>
         </p:nvSpPr>
@@ -20149,7 +21250,7 @@
                                       <p:cBhvr>
                                         <p:cTn id="6" fill="hold"/>
                                         <p:tgtEl>
-                                          <p:spTgt spid="189"/>
+                                          <p:spTgt spid="194"/>
                                         </p:tgtEl>
                                         <p:attrNameLst>
                                           <p:attrName>style.visibility</p:attrName>
@@ -20193,7 +21294,7 @@
                                       <p:cBhvr>
                                         <p:cTn id="10" fill="hold"/>
                                         <p:tgtEl>
-                                          <p:spTgt spid="151"/>
+                                          <p:spTgt spid="156"/>
                                         </p:tgtEl>
                                         <p:attrNameLst>
                                           <p:attrName>style.visibility</p:attrName>
@@ -20237,7 +21338,7 @@
                                       <p:cBhvr>
                                         <p:cTn id="14" fill="hold"/>
                                         <p:tgtEl>
-                                          <p:spTgt spid="150"/>
+                                          <p:spTgt spid="155"/>
                                         </p:tgtEl>
                                         <p:attrNameLst>
                                           <p:attrName>style.visibility</p:attrName>
@@ -20281,7 +21382,7 @@
                                       <p:cBhvr>
                                         <p:cTn id="18" fill="hold"/>
                                         <p:tgtEl>
-                                          <p:spTgt spid="153"/>
+                                          <p:spTgt spid="158"/>
                                         </p:tgtEl>
                                         <p:attrNameLst>
                                           <p:attrName>style.visibility</p:attrName>
@@ -20316,7 +21417,7 @@
                                       <p:cBhvr>
                                         <p:cTn id="21" fill="hold"/>
                                         <p:tgtEl>
-                                          <p:spTgt spid="152"/>
+                                          <p:spTgt spid="157"/>
                                         </p:tgtEl>
                                         <p:attrNameLst>
                                           <p:attrName>style.visibility</p:attrName>
@@ -20360,7 +21461,7 @@
                                       <p:cBhvr>
                                         <p:cTn id="25" fill="hold"/>
                                         <p:tgtEl>
-                                          <p:spTgt spid="155"/>
+                                          <p:spTgt spid="160"/>
                                         </p:tgtEl>
                                         <p:attrNameLst>
                                           <p:attrName>style.visibility</p:attrName>
@@ -20404,7 +21505,7 @@
                                       <p:cBhvr>
                                         <p:cTn id="29" fill="hold"/>
                                         <p:tgtEl>
-                                          <p:spTgt spid="154"/>
+                                          <p:spTgt spid="159"/>
                                         </p:tgtEl>
                                         <p:attrNameLst>
                                           <p:attrName>style.visibility</p:attrName>
@@ -20448,7 +21549,7 @@
                                       <p:cBhvr>
                                         <p:cTn id="33" fill="hold"/>
                                         <p:tgtEl>
-                                          <p:spTgt spid="172"/>
+                                          <p:spTgt spid="177"/>
                                         </p:tgtEl>
                                         <p:attrNameLst>
                                           <p:attrName>style.visibility</p:attrName>
@@ -20483,7 +21584,7 @@
                                       <p:cBhvr>
                                         <p:cTn id="36" fill="hold"/>
                                         <p:tgtEl>
-                                          <p:spTgt spid="191"/>
+                                          <p:spTgt spid="196"/>
                                         </p:tgtEl>
                                         <p:attrNameLst>
                                           <p:attrName>style.visibility</p:attrName>
@@ -20524,7 +21625,7 @@
                                       <p:cBhvr>
                                         <p:cTn id="40" dur="1000" fill="hold"/>
                                         <p:tgtEl>
-                                          <p:spTgt spid="191"/>
+                                          <p:spTgt spid="196"/>
                                         </p:tgtEl>
                                         <p:attrNameLst>
                                           <p:attrName>style.visibility</p:attrName>
@@ -20577,7 +21678,7 @@
                                       <p:cBhvr>
                                         <p:cTn id="44" fill="hold"/>
                                         <p:tgtEl>
-                                          <p:spTgt spid="190"/>
+                                          <p:spTgt spid="195"/>
                                         </p:tgtEl>
                                         <p:attrNameLst>
                                           <p:attrName>style.visibility</p:attrName>
@@ -20618,17 +21719,17 @@
       </p:par>
     </p:tnLst>
     <p:bldLst>
-      <p:bldP build="whole" bldLvl="1" animBg="1" rev="0" advAuto="0" spid="189" grpId="1"/>
-      <p:bldP build="whole" bldLvl="1" animBg="1" rev="0" advAuto="0" spid="152" grpId="5"/>
-      <p:bldP build="whole" bldLvl="1" animBg="1" rev="0" advAuto="0" spid="154" grpId="7"/>
-      <p:bldP build="whole" bldLvl="1" animBg="1" rev="0" advAuto="0" spid="151" grpId="2"/>
-      <p:bldP build="whole" bldLvl="1" animBg="1" rev="0" advAuto="0" spid="172" grpId="8"/>
-      <p:bldP build="whole" bldLvl="1" animBg="1" rev="0" advAuto="0" spid="190" grpId="11"/>
-      <p:bldP build="whole" bldLvl="1" animBg="1" rev="0" advAuto="0" spid="191" grpId="9"/>
-      <p:bldP build="whole" bldLvl="1" animBg="1" rev="0" advAuto="0" spid="191" grpId="10"/>
-      <p:bldP build="whole" bldLvl="1" animBg="1" rev="0" advAuto="0" spid="153" grpId="4"/>
-      <p:bldP build="whole" bldLvl="1" animBg="1" rev="0" advAuto="0" spid="150" grpId="3"/>
-      <p:bldP build="whole" bldLvl="1" animBg="1" rev="0" advAuto="0" spid="155" grpId="6"/>
+      <p:bldP build="whole" bldLvl="1" animBg="1" rev="0" advAuto="0" spid="158" grpId="4"/>
+      <p:bldP build="whole" bldLvl="1" animBg="1" rev="0" advAuto="0" spid="196" grpId="9"/>
+      <p:bldP build="whole" bldLvl="1" animBg="1" rev="0" advAuto="0" spid="160" grpId="6"/>
+      <p:bldP build="whole" bldLvl="1" animBg="1" rev="0" advAuto="0" spid="155" grpId="3"/>
+      <p:bldP build="whole" bldLvl="1" animBg="1" rev="0" advAuto="0" spid="196" grpId="10"/>
+      <p:bldP build="whole" bldLvl="1" animBg="1" rev="0" advAuto="0" spid="157" grpId="5"/>
+      <p:bldP build="whole" bldLvl="1" animBg="1" rev="0" advAuto="0" spid="156" grpId="2"/>
+      <p:bldP build="whole" bldLvl="1" animBg="1" rev="0" advAuto="0" spid="195" grpId="11"/>
+      <p:bldP build="whole" bldLvl="1" animBg="1" rev="0" advAuto="0" spid="194" grpId="1"/>
+      <p:bldP build="whole" bldLvl="1" animBg="1" rev="0" advAuto="0" spid="159" grpId="7"/>
+      <p:bldP build="whole" bldLvl="1" animBg="1" rev="0" advAuto="0" spid="177" grpId="8"/>
     </p:bldLst>
   </p:timing>
 </p:sld>
@@ -20653,7 +21754,7 @@
       </p:grpSpPr>
       <p:sp>
         <p:nvSpPr>
-          <p:cNvPr id="193" name="Warshall’s algo: Example"/>
+          <p:cNvPr id="198" name="Warshall’s algo: Example"/>
           <p:cNvSpPr txBox="1"/>
           <p:nvPr>
             <p:ph type="title"/>
@@ -20677,7 +21778,7 @@
       </p:sp>
       <p:sp>
         <p:nvSpPr>
-          <p:cNvPr id="194" name="Slide Number"/>
+          <p:cNvPr id="199" name="Slide Number"/>
           <p:cNvSpPr txBox="1"/>
           <p:nvPr>
             <p:ph type="sldNum" sz="quarter" idx="2"/>
@@ -20704,7 +21805,7 @@
       </p:sp>
       <p:sp>
         <p:nvSpPr>
-          <p:cNvPr id="195" name="DAA/Dynamic Programming"/>
+          <p:cNvPr id="200" name="DAA/Dynamic Programming"/>
           <p:cNvSpPr txBox="1"/>
           <p:nvPr/>
         </p:nvSpPr>
@@ -20744,7 +21845,7 @@
       </p:sp>
       <p:sp>
         <p:nvSpPr>
-          <p:cNvPr id="196" name="RPR/"/>
+          <p:cNvPr id="201" name="RPR/"/>
           <p:cNvSpPr txBox="1"/>
           <p:nvPr/>
         </p:nvSpPr>
@@ -20784,7 +21885,7 @@
       </p:sp>
       <p:sp>
         <p:nvSpPr>
-          <p:cNvPr id="197" name="0  0  1  0…"/>
+          <p:cNvPr id="202" name="0  0  1  0…"/>
           <p:cNvSpPr txBox="1"/>
           <p:nvPr/>
         </p:nvSpPr>
@@ -20873,7 +21974,7 @@
       </p:sp>
       <p:sp>
         <p:nvSpPr>
-          <p:cNvPr id="198" name="R(1)  ="/>
+          <p:cNvPr id="203" name="R(1)  ="/>
           <p:cNvSpPr txBox="1"/>
           <p:nvPr/>
         </p:nvSpPr>
@@ -20920,7 +22021,7 @@
       </p:sp>
       <p:sp>
         <p:nvSpPr>
-          <p:cNvPr id="199" name="Rectangle"/>
+          <p:cNvPr id="204" name="Rectangle"/>
           <p:cNvSpPr/>
           <p:nvPr/>
         </p:nvSpPr>
@@ -20955,7 +22056,7 @@
       </p:sp>
       <p:sp>
         <p:nvSpPr>
-          <p:cNvPr id="200" name="Rectangle"/>
+          <p:cNvPr id="205" name="Rectangle"/>
           <p:cNvSpPr/>
           <p:nvPr/>
         </p:nvSpPr>
@@ -20990,7 +22091,7 @@
       </p:sp>
       <p:sp>
         <p:nvSpPr>
-          <p:cNvPr id="201" name="0  0  1  0…"/>
+          <p:cNvPr id="206" name="0  0  1  0…"/>
           <p:cNvSpPr txBox="1"/>
           <p:nvPr/>
         </p:nvSpPr>
@@ -21086,7 +22187,7 @@
       </p:sp>
       <p:sp>
         <p:nvSpPr>
-          <p:cNvPr id="202" name="R(2)  ="/>
+          <p:cNvPr id="207" name="R(2)  ="/>
           <p:cNvSpPr txBox="1"/>
           <p:nvPr/>
         </p:nvSpPr>
@@ -21133,7 +22234,7 @@
       </p:sp>
       <p:sp>
         <p:nvSpPr>
-          <p:cNvPr id="203" name="Rectangle"/>
+          <p:cNvPr id="208" name="Rectangle"/>
           <p:cNvSpPr/>
           <p:nvPr/>
         </p:nvSpPr>
@@ -21168,7 +22269,7 @@
       </p:sp>
       <p:sp>
         <p:nvSpPr>
-          <p:cNvPr id="204" name="Rectangle"/>
+          <p:cNvPr id="209" name="Rectangle"/>
           <p:cNvSpPr/>
           <p:nvPr/>
         </p:nvSpPr>
@@ -21203,7 +22304,7 @@
       </p:sp>
       <p:sp>
         <p:nvSpPr>
-          <p:cNvPr id="205" name="0  0  1  0…"/>
+          <p:cNvPr id="210" name="0  0  1  0…"/>
           <p:cNvSpPr txBox="1"/>
           <p:nvPr/>
         </p:nvSpPr>
@@ -21285,7 +22386,7 @@
       </p:sp>
       <p:sp>
         <p:nvSpPr>
-          <p:cNvPr id="206" name="R(3)  ="/>
+          <p:cNvPr id="211" name="R(3)  ="/>
           <p:cNvSpPr txBox="1"/>
           <p:nvPr/>
         </p:nvSpPr>
@@ -21332,7 +22433,7 @@
       </p:sp>
       <p:sp>
         <p:nvSpPr>
-          <p:cNvPr id="207" name="Rectangle"/>
+          <p:cNvPr id="212" name="Rectangle"/>
           <p:cNvSpPr/>
           <p:nvPr/>
         </p:nvSpPr>
@@ -21367,7 +22468,7 @@
       </p:sp>
       <p:sp>
         <p:nvSpPr>
-          <p:cNvPr id="208" name="Rectangle"/>
+          <p:cNvPr id="213" name="Rectangle"/>
           <p:cNvSpPr/>
           <p:nvPr/>
         </p:nvSpPr>
@@ -21402,7 +22503,7 @@
       </p:sp>
       <p:sp>
         <p:nvSpPr>
-          <p:cNvPr id="209" name="0  0  1  0…"/>
+          <p:cNvPr id="214" name="0  0  1  0…"/>
           <p:cNvSpPr txBox="1"/>
           <p:nvPr/>
         </p:nvSpPr>
@@ -21491,13 +22592,13 @@
       </p:sp>
       <p:sp>
         <p:nvSpPr>
-          <p:cNvPr id="210" name="R(4)  ="/>
+          <p:cNvPr id="215" name="R(4)  ="/>
           <p:cNvSpPr txBox="1"/>
           <p:nvPr/>
         </p:nvSpPr>
         <p:spPr>
           <a:xfrm>
-            <a:off x="6457919" y="4687276"/>
+            <a:off x="6457919" y="4687277"/>
             <a:ext cx="838201" cy="482735"/>
           </a:xfrm>
           <a:prstGeom prst="rect">
@@ -21538,21 +22639,21 @@
       </p:sp>
       <p:grpSp>
         <p:nvGrpSpPr>
-          <p:cNvPr id="227" name="Group"/>
+          <p:cNvPr id="232" name="Group"/>
           <p:cNvGrpSpPr/>
           <p:nvPr/>
         </p:nvGrpSpPr>
         <p:grpSpPr>
           <a:xfrm>
             <a:off x="5423876" y="771073"/>
-            <a:ext cx="2759037" cy="2678296"/>
+            <a:ext cx="2759036" cy="2678296"/>
             <a:chOff x="0" y="0"/>
             <a:chExt cx="2759035" cy="2678295"/>
           </a:xfrm>
         </p:grpSpPr>
         <p:grpSp>
           <p:nvGrpSpPr>
-            <p:cNvPr id="213" name="Group"/>
+            <p:cNvPr id="218" name="Group"/>
             <p:cNvGrpSpPr/>
             <p:nvPr/>
           </p:nvGrpSpPr>
@@ -21566,7 +22667,7 @@
           </p:grpSpPr>
           <p:sp>
             <p:nvSpPr>
-              <p:cNvPr id="211" name="Oval"/>
+              <p:cNvPr id="216" name="Oval"/>
               <p:cNvSpPr/>
               <p:nvPr/>
             </p:nvSpPr>
@@ -21609,7 +22710,7 @@
           </p:sp>
           <p:sp>
             <p:nvSpPr>
-              <p:cNvPr id="212" name="3"/>
+              <p:cNvPr id="217" name="3"/>
               <p:cNvSpPr txBox="1"/>
               <p:nvPr/>
             </p:nvSpPr>
@@ -21658,7 +22759,7 @@
         </p:grpSp>
         <p:grpSp>
           <p:nvGrpSpPr>
-            <p:cNvPr id="216" name="Group"/>
+            <p:cNvPr id="221" name="Group"/>
             <p:cNvGrpSpPr/>
             <p:nvPr/>
           </p:nvGrpSpPr>
@@ -21672,7 +22773,7 @@
           </p:grpSpPr>
           <p:sp>
             <p:nvSpPr>
-              <p:cNvPr id="214" name="Oval"/>
+              <p:cNvPr id="219" name="Oval"/>
               <p:cNvSpPr/>
               <p:nvPr/>
             </p:nvSpPr>
@@ -21715,7 +22816,7 @@
           </p:sp>
           <p:sp>
             <p:nvSpPr>
-              <p:cNvPr id="215" name="4"/>
+              <p:cNvPr id="220" name="4"/>
               <p:cNvSpPr txBox="1"/>
               <p:nvPr/>
             </p:nvSpPr>
@@ -21764,7 +22865,7 @@
         </p:grpSp>
         <p:grpSp>
           <p:nvGrpSpPr>
-            <p:cNvPr id="219" name="Group"/>
+            <p:cNvPr id="224" name="Group"/>
             <p:cNvGrpSpPr/>
             <p:nvPr/>
           </p:nvGrpSpPr>
@@ -21778,7 +22879,7 @@
           </p:grpSpPr>
           <p:sp>
             <p:nvSpPr>
-              <p:cNvPr id="217" name="Oval"/>
+              <p:cNvPr id="222" name="Oval"/>
               <p:cNvSpPr/>
               <p:nvPr/>
             </p:nvSpPr>
@@ -21821,7 +22922,7 @@
           </p:sp>
           <p:sp>
             <p:nvSpPr>
-              <p:cNvPr id="218" name="2"/>
+              <p:cNvPr id="223" name="2"/>
               <p:cNvSpPr txBox="1"/>
               <p:nvPr/>
             </p:nvSpPr>
@@ -21870,7 +22971,7 @@
         </p:grpSp>
         <p:grpSp>
           <p:nvGrpSpPr>
-            <p:cNvPr id="222" name="Group"/>
+            <p:cNvPr id="227" name="Group"/>
             <p:cNvGrpSpPr/>
             <p:nvPr/>
           </p:nvGrpSpPr>
@@ -21884,7 +22985,7 @@
           </p:grpSpPr>
           <p:sp>
             <p:nvSpPr>
-              <p:cNvPr id="220" name="Oval"/>
+              <p:cNvPr id="225" name="Oval"/>
               <p:cNvSpPr/>
               <p:nvPr/>
             </p:nvSpPr>
@@ -21927,7 +23028,7 @@
           </p:sp>
           <p:sp>
             <p:nvSpPr>
-              <p:cNvPr id="221" name="1"/>
+              <p:cNvPr id="226" name="1"/>
               <p:cNvSpPr txBox="1"/>
               <p:nvPr/>
             </p:nvSpPr>
@@ -21976,7 +23077,7 @@
         </p:grpSp>
         <p:sp>
           <p:nvSpPr>
-            <p:cNvPr id="223" name="Line"/>
+            <p:cNvPr id="228" name="Line"/>
             <p:cNvSpPr/>
             <p:nvPr/>
           </p:nvSpPr>
@@ -22018,7 +23119,7 @@
         </p:sp>
         <p:sp>
           <p:nvSpPr>
-            <p:cNvPr id="224" name="Line"/>
+            <p:cNvPr id="229" name="Line"/>
             <p:cNvSpPr/>
             <p:nvPr/>
           </p:nvSpPr>
@@ -22099,7 +23200,7 @@
         </p:sp>
         <p:sp>
           <p:nvSpPr>
-            <p:cNvPr id="225" name="Line"/>
+            <p:cNvPr id="230" name="Line"/>
             <p:cNvSpPr/>
             <p:nvPr/>
           </p:nvSpPr>
@@ -22175,7 +23276,7 @@
         </p:sp>
         <p:sp>
           <p:nvSpPr>
-            <p:cNvPr id="226" name="Line"/>
+            <p:cNvPr id="231" name="Line"/>
             <p:cNvSpPr/>
             <p:nvPr/>
           </p:nvSpPr>
@@ -22218,14 +23319,14 @@
       </p:grpSp>
       <p:sp>
         <p:nvSpPr>
-          <p:cNvPr id="228" name="Line"/>
+          <p:cNvPr id="233" name="Line"/>
           <p:cNvSpPr/>
           <p:nvPr/>
         </p:nvSpPr>
         <p:spPr>
           <a:xfrm flipV="1">
             <a:off x="5976815" y="1249247"/>
-            <a:ext cx="1051659" cy="1709062"/>
+            <a:ext cx="1051658" cy="1709062"/>
           </a:xfrm>
           <a:prstGeom prst="line">
             <a:avLst/>
@@ -22247,7 +23348,7 @@
       </p:sp>
       <p:sp>
         <p:nvSpPr>
-          <p:cNvPr id="229" name="Line"/>
+          <p:cNvPr id="234" name="Line"/>
           <p:cNvSpPr/>
           <p:nvPr/>
         </p:nvSpPr>
@@ -22276,14 +23377,14 @@
       </p:sp>
       <p:sp>
         <p:nvSpPr>
-          <p:cNvPr id="230" name="Line"/>
+          <p:cNvPr id="235" name="Line"/>
           <p:cNvSpPr/>
           <p:nvPr/>
         </p:nvSpPr>
         <p:spPr>
           <a:xfrm flipH="1" flipV="1">
-            <a:off x="7206236" y="1165094"/>
-            <a:ext cx="806487" cy="1691402"/>
+            <a:off x="7206237" y="1165094"/>
+            <a:ext cx="806486" cy="1691402"/>
           </a:xfrm>
           <a:prstGeom prst="line">
             <a:avLst/>
@@ -22305,7 +23406,7 @@
       </p:sp>
       <p:sp>
         <p:nvSpPr>
-          <p:cNvPr id="231" name="Line"/>
+          <p:cNvPr id="236" name="Line"/>
           <p:cNvSpPr/>
           <p:nvPr/>
         </p:nvSpPr>
@@ -22380,7 +23481,7 @@
       </p:sp>
       <p:sp>
         <p:nvSpPr>
-          <p:cNvPr id="232" name="No Change"/>
+          <p:cNvPr id="237" name="No Change"/>
           <p:cNvSpPr txBox="1"/>
           <p:nvPr/>
         </p:nvSpPr>
@@ -22425,7 +23526,7 @@
       </p:sp>
       <p:sp>
         <p:nvSpPr>
-          <p:cNvPr id="233" name="Line"/>
+          <p:cNvPr id="238" name="Line"/>
           <p:cNvSpPr/>
           <p:nvPr/>
         </p:nvSpPr>
@@ -22537,7 +23638,7 @@
                                       <p:cBhvr>
                                         <p:cTn id="6" fill="hold"/>
                                         <p:tgtEl>
-                                          <p:spTgt spid="227"/>
+                                          <p:spTgt spid="232"/>
                                         </p:tgtEl>
                                         <p:attrNameLst>
                                           <p:attrName>style.visibility</p:attrName>
@@ -22572,7 +23673,7 @@
                                       <p:cBhvr>
                                         <p:cTn id="9" fill="hold"/>
                                         <p:tgtEl>
-                                          <p:spTgt spid="228"/>
+                                          <p:spTgt spid="233"/>
                                         </p:tgtEl>
                                         <p:attrNameLst>
                                           <p:attrName>style.visibility</p:attrName>
@@ -22616,7 +23717,7 @@
                                       <p:cBhvr>
                                         <p:cTn id="13" fill="hold"/>
                                         <p:tgtEl>
-                                          <p:spTgt spid="198"/>
+                                          <p:spTgt spid="203"/>
                                         </p:tgtEl>
                                         <p:attrNameLst>
                                           <p:attrName>style.visibility</p:attrName>
@@ -22660,7 +23761,7 @@
                                       <p:cBhvr>
                                         <p:cTn id="17" fill="hold"/>
                                         <p:tgtEl>
-                                          <p:spTgt spid="197"/>
+                                          <p:spTgt spid="202"/>
                                         </p:tgtEl>
                                         <p:attrNameLst>
                                           <p:attrName>style.visibility</p:attrName>
@@ -22704,7 +23805,7 @@
                                       <p:cBhvr>
                                         <p:cTn id="21" fill="hold"/>
                                         <p:tgtEl>
-                                          <p:spTgt spid="200"/>
+                                          <p:spTgt spid="205"/>
                                         </p:tgtEl>
                                         <p:attrNameLst>
                                           <p:attrName>style.visibility</p:attrName>
@@ -22739,7 +23840,7 @@
                                       <p:cBhvr>
                                         <p:cTn id="24" fill="hold"/>
                                         <p:tgtEl>
-                                          <p:spTgt spid="199"/>
+                                          <p:spTgt spid="204"/>
                                         </p:tgtEl>
                                         <p:attrNameLst>
                                           <p:attrName>style.visibility</p:attrName>
@@ -22783,7 +23884,7 @@
                                       <p:cBhvr>
                                         <p:cTn id="28" fill="hold"/>
                                         <p:tgtEl>
-                                          <p:spTgt spid="229"/>
+                                          <p:spTgt spid="234"/>
                                         </p:tgtEl>
                                         <p:attrNameLst>
                                           <p:attrName>style.visibility</p:attrName>
@@ -22827,7 +23928,7 @@
                                       <p:cBhvr>
                                         <p:cTn id="32" fill="hold"/>
                                         <p:tgtEl>
-                                          <p:spTgt spid="230"/>
+                                          <p:spTgt spid="235"/>
                                         </p:tgtEl>
                                         <p:attrNameLst>
                                           <p:attrName>style.visibility</p:attrName>
@@ -22871,7 +23972,7 @@
                                       <p:cBhvr>
                                         <p:cTn id="36" fill="hold"/>
                                         <p:tgtEl>
-                                          <p:spTgt spid="231"/>
+                                          <p:spTgt spid="236"/>
                                         </p:tgtEl>
                                         <p:attrNameLst>
                                           <p:attrName>style.visibility</p:attrName>
@@ -22915,7 +24016,7 @@
                                       <p:cBhvr>
                                         <p:cTn id="40" fill="hold"/>
                                         <p:tgtEl>
-                                          <p:spTgt spid="202"/>
+                                          <p:spTgt spid="207"/>
                                         </p:tgtEl>
                                         <p:attrNameLst>
                                           <p:attrName>style.visibility</p:attrName>
@@ -22959,7 +24060,7 @@
                                       <p:cBhvr>
                                         <p:cTn id="44" fill="hold"/>
                                         <p:tgtEl>
-                                          <p:spTgt spid="201"/>
+                                          <p:spTgt spid="206"/>
                                         </p:tgtEl>
                                         <p:attrNameLst>
                                           <p:attrName>style.visibility</p:attrName>
@@ -23003,7 +24104,7 @@
                                       <p:cBhvr>
                                         <p:cTn id="48" fill="hold"/>
                                         <p:tgtEl>
-                                          <p:spTgt spid="204"/>
+                                          <p:spTgt spid="209"/>
                                         </p:tgtEl>
                                         <p:attrNameLst>
                                           <p:attrName>style.visibility</p:attrName>
@@ -23038,7 +24139,7 @@
                                       <p:cBhvr>
                                         <p:cTn id="51" fill="hold"/>
                                         <p:tgtEl>
-                                          <p:spTgt spid="203"/>
+                                          <p:spTgt spid="208"/>
                                         </p:tgtEl>
                                         <p:attrNameLst>
                                           <p:attrName>style.visibility</p:attrName>
@@ -23082,7 +24183,7 @@
                                       <p:cBhvr>
                                         <p:cTn id="55" fill="hold"/>
                                         <p:tgtEl>
-                                          <p:spTgt spid="206"/>
+                                          <p:spTgt spid="211"/>
                                         </p:tgtEl>
                                         <p:attrNameLst>
                                           <p:attrName>style.visibility</p:attrName>
@@ -23126,7 +24227,7 @@
                                       <p:cBhvr>
                                         <p:cTn id="59" fill="hold"/>
                                         <p:tgtEl>
-                                          <p:spTgt spid="205"/>
+                                          <p:spTgt spid="210"/>
                                         </p:tgtEl>
                                         <p:attrNameLst>
                                           <p:attrName>style.visibility</p:attrName>
@@ -23170,7 +24271,7 @@
                                       <p:cBhvr>
                                         <p:cTn id="63" fill="hold"/>
                                         <p:tgtEl>
-                                          <p:spTgt spid="232"/>
+                                          <p:spTgt spid="237"/>
                                         </p:tgtEl>
                                         <p:attrNameLst>
                                           <p:attrName>style.visibility</p:attrName>
@@ -23214,7 +24315,7 @@
                                       <p:cBhvr>
                                         <p:cTn id="67" fill="hold"/>
                                         <p:tgtEl>
-                                          <p:spTgt spid="208"/>
+                                          <p:spTgt spid="213"/>
                                         </p:tgtEl>
                                         <p:attrNameLst>
                                           <p:attrName>style.visibility</p:attrName>
@@ -23249,7 +24350,7 @@
                                       <p:cBhvr>
                                         <p:cTn id="70" fill="hold"/>
                                         <p:tgtEl>
-                                          <p:spTgt spid="207"/>
+                                          <p:spTgt spid="212"/>
                                         </p:tgtEl>
                                         <p:attrNameLst>
                                           <p:attrName>style.visibility</p:attrName>
@@ -23293,7 +24394,7 @@
                                       <p:cBhvr>
                                         <p:cTn id="74" fill="hold"/>
                                         <p:tgtEl>
-                                          <p:spTgt spid="210"/>
+                                          <p:spTgt spid="215"/>
                                         </p:tgtEl>
                                         <p:attrNameLst>
                                           <p:attrName>style.visibility</p:attrName>
@@ -23337,7 +24438,7 @@
                                       <p:cBhvr>
                                         <p:cTn id="78" fill="hold"/>
                                         <p:tgtEl>
-                                          <p:spTgt spid="209"/>
+                                          <p:spTgt spid="214"/>
                                         </p:tgtEl>
                                         <p:attrNameLst>
                                           <p:attrName>style.visibility</p:attrName>
@@ -23381,7 +24482,7 @@
                                       <p:cBhvr>
                                         <p:cTn id="82" fill="hold"/>
                                         <p:tgtEl>
-                                          <p:spTgt spid="233"/>
+                                          <p:spTgt spid="238"/>
                                         </p:tgtEl>
                                         <p:attrNameLst>
                                           <p:attrName>style.visibility</p:attrName>
@@ -23422,27 +24523,27 @@
       </p:par>
     </p:tnLst>
     <p:bldLst>
-      <p:bldP build="whole" bldLvl="1" animBg="1" rev="0" advAuto="0" spid="210" grpId="19"/>
-      <p:bldP build="whole" bldLvl="1" animBg="1" rev="0" advAuto="0" spid="206" grpId="14"/>
-      <p:bldP build="whole" bldLvl="1" animBg="1" rev="0" advAuto="0" spid="227" grpId="1"/>
-      <p:bldP build="whole" bldLvl="1" animBg="1" rev="0" advAuto="0" spid="200" grpId="5"/>
-      <p:bldP build="whole" bldLvl="1" animBg="1" rev="0" advAuto="0" spid="233" grpId="21"/>
-      <p:bldP build="whole" bldLvl="1" animBg="1" rev="0" advAuto="0" spid="201" grpId="11"/>
-      <p:bldP build="whole" bldLvl="1" animBg="1" rev="0" advAuto="0" spid="205" grpId="15"/>
-      <p:bldP build="whole" bldLvl="1" animBg="1" rev="0" advAuto="0" spid="209" grpId="20"/>
-      <p:bldP build="whole" bldLvl="1" animBg="1" rev="0" advAuto="0" spid="208" grpId="17"/>
-      <p:bldP build="whole" bldLvl="1" animBg="1" rev="0" advAuto="0" spid="197" grpId="4"/>
-      <p:bldP build="whole" bldLvl="1" animBg="1" rev="0" advAuto="0" spid="204" grpId="12"/>
-      <p:bldP build="whole" bldLvl="1" animBg="1" rev="0" advAuto="0" spid="231" grpId="9"/>
-      <p:bldP build="whole" bldLvl="1" animBg="1" rev="0" advAuto="0" spid="207" grpId="18"/>
-      <p:bldP build="whole" bldLvl="1" animBg="1" rev="0" advAuto="0" spid="203" grpId="13"/>
-      <p:bldP build="whole" bldLvl="1" animBg="1" rev="0" advAuto="0" spid="199" grpId="6"/>
-      <p:bldP build="whole" bldLvl="1" animBg="1" rev="0" advAuto="0" spid="232" grpId="16"/>
-      <p:bldP build="whole" bldLvl="1" animBg="1" rev="0" advAuto="0" spid="230" grpId="8"/>
-      <p:bldP build="whole" bldLvl="1" animBg="1" rev="0" advAuto="0" spid="229" grpId="7"/>
-      <p:bldP build="whole" bldLvl="1" animBg="1" rev="0" advAuto="0" spid="198" grpId="3"/>
-      <p:bldP build="whole" bldLvl="1" animBg="1" rev="0" advAuto="0" spid="228" grpId="2"/>
-      <p:bldP build="whole" bldLvl="1" animBg="1" rev="0" advAuto="0" spid="202" grpId="10"/>
+      <p:bldP build="whole" bldLvl="1" animBg="1" rev="0" advAuto="0" spid="212" grpId="18"/>
+      <p:bldP build="whole" bldLvl="1" animBg="1" rev="0" advAuto="0" spid="206" grpId="11"/>
+      <p:bldP build="whole" bldLvl="1" animBg="1" rev="0" advAuto="0" spid="234" grpId="7"/>
+      <p:bldP build="whole" bldLvl="1" animBg="1" rev="0" advAuto="0" spid="232" grpId="1"/>
+      <p:bldP build="whole" bldLvl="1" animBg="1" rev="0" advAuto="0" spid="213" grpId="17"/>
+      <p:bldP build="whole" bldLvl="1" animBg="1" rev="0" advAuto="0" spid="235" grpId="8"/>
+      <p:bldP build="whole" bldLvl="1" animBg="1" rev="0" advAuto="0" spid="238" grpId="21"/>
+      <p:bldP build="whole" bldLvl="1" animBg="1" rev="0" advAuto="0" spid="211" grpId="14"/>
+      <p:bldP build="whole" bldLvl="1" animBg="1" rev="0" advAuto="0" spid="207" grpId="10"/>
+      <p:bldP build="whole" bldLvl="1" animBg="1" rev="0" advAuto="0" spid="204" grpId="6"/>
+      <p:bldP build="whole" bldLvl="1" animBg="1" rev="0" advAuto="0" spid="237" grpId="16"/>
+      <p:bldP build="whole" bldLvl="1" animBg="1" rev="0" advAuto="0" spid="203" grpId="3"/>
+      <p:bldP build="whole" bldLvl="1" animBg="1" rev="0" advAuto="0" spid="205" grpId="5"/>
+      <p:bldP build="whole" bldLvl="1" animBg="1" rev="0" advAuto="0" spid="233" grpId="2"/>
+      <p:bldP build="whole" bldLvl="1" animBg="1" rev="0" advAuto="0" spid="209" grpId="12"/>
+      <p:bldP build="whole" bldLvl="1" animBg="1" rev="0" advAuto="0" spid="202" grpId="4"/>
+      <p:bldP build="whole" bldLvl="1" animBg="1" rev="0" advAuto="0" spid="236" grpId="9"/>
+      <p:bldP build="whole" bldLvl="1" animBg="1" rev="0" advAuto="0" spid="214" grpId="20"/>
+      <p:bldP build="whole" bldLvl="1" animBg="1" rev="0" advAuto="0" spid="210" grpId="15"/>
+      <p:bldP build="whole" bldLvl="1" animBg="1" rev="0" advAuto="0" spid="215" grpId="19"/>
+      <p:bldP build="whole" bldLvl="1" animBg="1" rev="0" advAuto="0" spid="208" grpId="13"/>
     </p:bldLst>
   </p:timing>
 </p:sld>
@@ -23467,7 +24568,7 @@
       </p:grpSpPr>
       <p:sp>
         <p:nvSpPr>
-          <p:cNvPr id="235" name="Warshall’s Algo: Analysis"/>
+          <p:cNvPr id="240" name="Warshall’s Algo: Analysis"/>
           <p:cNvSpPr txBox="1"/>
           <p:nvPr>
             <p:ph type="title"/>
@@ -23491,7 +24592,7 @@
       </p:sp>
       <p:sp>
         <p:nvSpPr>
-          <p:cNvPr id="236" name="Algo Warshall(A[1..n,1..n])…"/>
+          <p:cNvPr id="241" name="Algo Warshall(A[1..n,1..n])…"/>
           <p:cNvSpPr txBox="1"/>
           <p:nvPr>
             <p:ph type="body" idx="1"/>
@@ -23840,7 +24941,7 @@
       </p:sp>
       <p:sp>
         <p:nvSpPr>
-          <p:cNvPr id="237" name="Slide Number"/>
+          <p:cNvPr id="242" name="Slide Number"/>
           <p:cNvSpPr txBox="1"/>
           <p:nvPr>
             <p:ph type="sldNum" sz="quarter" idx="2"/>
@@ -23867,7 +24968,7 @@
       </p:sp>
       <p:sp>
         <p:nvSpPr>
-          <p:cNvPr id="238" name="DAA/Dynamic Programming"/>
+          <p:cNvPr id="243" name="DAA/Dynamic Programming"/>
           <p:cNvSpPr txBox="1"/>
           <p:nvPr/>
         </p:nvSpPr>
@@ -23907,7 +25008,7 @@
       </p:sp>
       <p:sp>
         <p:nvSpPr>
-          <p:cNvPr id="239" name="RPR/"/>
+          <p:cNvPr id="244" name="RPR/"/>
           <p:cNvSpPr txBox="1"/>
           <p:nvPr/>
         </p:nvSpPr>
@@ -23947,7 +25048,7 @@
       </p:sp>
       <p:sp>
         <p:nvSpPr>
-          <p:cNvPr id="240" name="Time efficiency: Θ(n3)…"/>
+          <p:cNvPr id="245" name="Time efficiency: Θ(n3)…"/>
           <p:cNvSpPr txBox="1"/>
           <p:nvPr/>
         </p:nvSpPr>
@@ -24172,7 +25273,7 @@
                                       <p:cBhvr>
                                         <p:cTn id="6" fill="hold"/>
                                         <p:tgtEl>
-                                          <p:spTgt spid="236">
+                                          <p:spTgt spid="241">
                                             <p:bg/>
                                           </p:spTgt>
                                         </p:tgtEl>
@@ -24200,7 +25301,7 @@
                                       <p:cBhvr>
                                         <p:cTn id="8" fill="hold"/>
                                         <p:tgtEl>
-                                          <p:spTgt spid="236">
+                                          <p:spTgt spid="241">
                                             <p:txEl>
                                               <p:pRg st="0" end="0"/>
                                             </p:txEl>
@@ -24248,7 +25349,7 @@
                                       <p:cBhvr>
                                         <p:cTn id="12" fill="hold"/>
                                         <p:tgtEl>
-                                          <p:spTgt spid="236">
+                                          <p:spTgt spid="241">
                                             <p:txEl>
                                               <p:pRg st="1" end="1"/>
                                             </p:txEl>
@@ -24296,7 +25397,7 @@
                                       <p:cBhvr>
                                         <p:cTn id="16" fill="hold"/>
                                         <p:tgtEl>
-                                          <p:spTgt spid="236">
+                                          <p:spTgt spid="241">
                                             <p:txEl>
                                               <p:pRg st="2" end="2"/>
                                             </p:txEl>
@@ -24344,7 +25445,7 @@
                                       <p:cBhvr>
                                         <p:cTn id="20" fill="hold"/>
                                         <p:tgtEl>
-                                          <p:spTgt spid="236">
+                                          <p:spTgt spid="241">
                                             <p:txEl>
                                               <p:pRg st="3" end="3"/>
                                             </p:txEl>
@@ -24392,7 +25493,7 @@
                                       <p:cBhvr>
                                         <p:cTn id="24" fill="hold"/>
                                         <p:tgtEl>
-                                          <p:spTgt spid="236">
+                                          <p:spTgt spid="241">
                                             <p:txEl>
                                               <p:pRg st="4" end="4"/>
                                             </p:txEl>
@@ -24440,7 +25541,7 @@
                                       <p:cBhvr>
                                         <p:cTn id="28" fill="hold"/>
                                         <p:tgtEl>
-                                          <p:spTgt spid="236">
+                                          <p:spTgt spid="241">
                                             <p:txEl>
                                               <p:pRg st="5" end="5"/>
                                             </p:txEl>
@@ -24488,7 +25589,7 @@
                                       <p:cBhvr>
                                         <p:cTn id="32" fill="hold"/>
                                         <p:tgtEl>
-                                          <p:spTgt spid="236">
+                                          <p:spTgt spid="241">
                                             <p:txEl>
                                               <p:pRg st="6" end="6"/>
                                             </p:txEl>
@@ -24536,7 +25637,7 @@
                                       <p:cBhvr>
                                         <p:cTn id="36" fill="hold"/>
                                         <p:tgtEl>
-                                          <p:spTgt spid="236">
+                                          <p:spTgt spid="241">
                                             <p:txEl>
                                               <p:pRg st="7" end="7"/>
                                             </p:txEl>
@@ -24584,7 +25685,7 @@
                                       <p:cBhvr>
                                         <p:cTn id="40" fill="hold"/>
                                         <p:tgtEl>
-                                          <p:spTgt spid="236">
+                                          <p:spTgt spid="241">
                                             <p:txEl>
                                               <p:pRg st="8" end="8"/>
                                             </p:txEl>
@@ -24632,7 +25733,7 @@
                                       <p:cBhvr>
                                         <p:cTn id="44" fill="hold"/>
                                         <p:tgtEl>
-                                          <p:spTgt spid="236">
+                                          <p:spTgt spid="241">
                                             <p:txEl>
                                               <p:pRg st="9" end="9"/>
                                             </p:txEl>
@@ -24680,7 +25781,7 @@
                                       <p:cBhvr>
                                         <p:cTn id="48" fill="hold"/>
                                         <p:tgtEl>
-                                          <p:spTgt spid="240">
+                                          <p:spTgt spid="245">
                                             <p:bg/>
                                           </p:spTgt>
                                         </p:tgtEl>
@@ -24708,7 +25809,7 @@
                                       <p:cBhvr>
                                         <p:cTn id="50" fill="hold"/>
                                         <p:tgtEl>
-                                          <p:spTgt spid="240">
+                                          <p:spTgt spid="245">
                                             <p:txEl>
                                               <p:pRg st="0" end="0"/>
                                             </p:txEl>
@@ -24756,7 +25857,7 @@
                                       <p:cBhvr>
                                         <p:cTn id="54" fill="hold"/>
                                         <p:tgtEl>
-                                          <p:spTgt spid="240">
+                                          <p:spTgt spid="245">
                                             <p:txEl>
                                               <p:pRg st="1" end="1"/>
                                             </p:txEl>
@@ -24804,7 +25905,7 @@
                                       <p:cBhvr>
                                         <p:cTn id="58" fill="hold"/>
                                         <p:tgtEl>
-                                          <p:spTgt spid="240">
+                                          <p:spTgt spid="245">
                                             <p:txEl>
                                               <p:pRg st="2" end="2"/>
                                             </p:txEl>
@@ -24849,8 +25950,8 @@
       </p:par>
     </p:tnLst>
     <p:bldLst>
-      <p:bldP build="p" bldLvl="5" animBg="1" rev="0" advAuto="0" spid="236" grpId="1"/>
-      <p:bldP build="p" bldLvl="5" animBg="1" rev="0" advAuto="0" spid="240" grpId="2"/>
+      <p:bldP build="p" bldLvl="5" animBg="1" rev="0" advAuto="0" spid="241" grpId="1"/>
+      <p:bldP build="p" bldLvl="5" animBg="1" rev="0" advAuto="0" spid="245" grpId="2"/>
     </p:bldLst>
   </p:timing>
 </p:sld>
